--- a/Figures/Fig3-Intervention.pptx
+++ b/Figures/Fig3-Intervention.pptx
@@ -209,7 +209,7 @@
           <a:p>
             <a:fld id="{7E015754-A25B-4178-B3E4-70EF6662D410}" type="datetimeFigureOut">
               <a:rPr lang="en-US" smtClean="0"/>
-              <a:t>5/28/2021</a:t>
+              <a:t>6/24/2021</a:t>
             </a:fld>
             <a:endParaRPr lang="en-US"/>
           </a:p>
@@ -697,7 +697,7 @@
           <a:p>
             <a:fld id="{5812708C-2602-4C50-90B3-38403DD6A526}" type="datetimeFigureOut">
               <a:rPr lang="zh-CN" altLang="en-US" smtClean="0"/>
-              <a:t>2021/5/28</a:t>
+              <a:t>2021/6/24</a:t>
             </a:fld>
             <a:endParaRPr lang="zh-CN" altLang="en-US"/>
           </a:p>
@@ -867,7 +867,7 @@
           <a:p>
             <a:fld id="{5812708C-2602-4C50-90B3-38403DD6A526}" type="datetimeFigureOut">
               <a:rPr lang="zh-CN" altLang="en-US" smtClean="0"/>
-              <a:t>2021/5/28</a:t>
+              <a:t>2021/6/24</a:t>
             </a:fld>
             <a:endParaRPr lang="zh-CN" altLang="en-US"/>
           </a:p>
@@ -1047,7 +1047,7 @@
           <a:p>
             <a:fld id="{5812708C-2602-4C50-90B3-38403DD6A526}" type="datetimeFigureOut">
               <a:rPr lang="zh-CN" altLang="en-US" smtClean="0"/>
-              <a:t>2021/5/28</a:t>
+              <a:t>2021/6/24</a:t>
             </a:fld>
             <a:endParaRPr lang="zh-CN" altLang="en-US"/>
           </a:p>
@@ -1217,7 +1217,7 @@
           <a:p>
             <a:fld id="{5812708C-2602-4C50-90B3-38403DD6A526}" type="datetimeFigureOut">
               <a:rPr lang="zh-CN" altLang="en-US" smtClean="0"/>
-              <a:t>2021/5/28</a:t>
+              <a:t>2021/6/24</a:t>
             </a:fld>
             <a:endParaRPr lang="zh-CN" altLang="en-US"/>
           </a:p>
@@ -1461,7 +1461,7 @@
           <a:p>
             <a:fld id="{5812708C-2602-4C50-90B3-38403DD6A526}" type="datetimeFigureOut">
               <a:rPr lang="zh-CN" altLang="en-US" smtClean="0"/>
-              <a:t>2021/5/28</a:t>
+              <a:t>2021/6/24</a:t>
             </a:fld>
             <a:endParaRPr lang="zh-CN" altLang="en-US"/>
           </a:p>
@@ -1693,7 +1693,7 @@
           <a:p>
             <a:fld id="{5812708C-2602-4C50-90B3-38403DD6A526}" type="datetimeFigureOut">
               <a:rPr lang="zh-CN" altLang="en-US" smtClean="0"/>
-              <a:t>2021/5/28</a:t>
+              <a:t>2021/6/24</a:t>
             </a:fld>
             <a:endParaRPr lang="zh-CN" altLang="en-US"/>
           </a:p>
@@ -2060,7 +2060,7 @@
           <a:p>
             <a:fld id="{5812708C-2602-4C50-90B3-38403DD6A526}" type="datetimeFigureOut">
               <a:rPr lang="zh-CN" altLang="en-US" smtClean="0"/>
-              <a:t>2021/5/28</a:t>
+              <a:t>2021/6/24</a:t>
             </a:fld>
             <a:endParaRPr lang="zh-CN" altLang="en-US"/>
           </a:p>
@@ -2178,7 +2178,7 @@
           <a:p>
             <a:fld id="{5812708C-2602-4C50-90B3-38403DD6A526}" type="datetimeFigureOut">
               <a:rPr lang="zh-CN" altLang="en-US" smtClean="0"/>
-              <a:t>2021/5/28</a:t>
+              <a:t>2021/6/24</a:t>
             </a:fld>
             <a:endParaRPr lang="zh-CN" altLang="en-US"/>
           </a:p>
@@ -2273,7 +2273,7 @@
           <a:p>
             <a:fld id="{5812708C-2602-4C50-90B3-38403DD6A526}" type="datetimeFigureOut">
               <a:rPr lang="zh-CN" altLang="en-US" smtClean="0"/>
-              <a:t>2021/5/28</a:t>
+              <a:t>2021/6/24</a:t>
             </a:fld>
             <a:endParaRPr lang="zh-CN" altLang="en-US"/>
           </a:p>
@@ -2550,7 +2550,7 @@
           <a:p>
             <a:fld id="{5812708C-2602-4C50-90B3-38403DD6A526}" type="datetimeFigureOut">
               <a:rPr lang="zh-CN" altLang="en-US" smtClean="0"/>
-              <a:t>2021/5/28</a:t>
+              <a:t>2021/6/24</a:t>
             </a:fld>
             <a:endParaRPr lang="zh-CN" altLang="en-US"/>
           </a:p>
@@ -2807,7 +2807,7 @@
           <a:p>
             <a:fld id="{5812708C-2602-4C50-90B3-38403DD6A526}" type="datetimeFigureOut">
               <a:rPr lang="zh-CN" altLang="en-US" smtClean="0"/>
-              <a:t>2021/5/28</a:t>
+              <a:t>2021/6/24</a:t>
             </a:fld>
             <a:endParaRPr lang="zh-CN" altLang="en-US"/>
           </a:p>
@@ -3020,7 +3020,7 @@
           <a:p>
             <a:fld id="{5812708C-2602-4C50-90B3-38403DD6A526}" type="datetimeFigureOut">
               <a:rPr lang="zh-CN" altLang="en-US" smtClean="0"/>
-              <a:t>2021/5/28</a:t>
+              <a:t>2021/6/24</a:t>
             </a:fld>
             <a:endParaRPr lang="zh-CN" altLang="en-US"/>
           </a:p>
@@ -3806,8 +3806,16 @@
             <a:p>
               <a:pPr algn="ctr"/>
               <a:r>
+                <a:rPr lang="en-US" sz="1500"/>
+                <a:t>m</a:t>
+              </a:r>
+              <a:r>
                 <a:rPr lang="en-US" sz="1500" smtClean="0"/>
-                <a:t>Monitor quality</a:t>
+                <a:t>onitor </a:t>
+              </a:r>
+              <a:r>
+                <a:rPr lang="en-US" sz="1500" smtClean="0"/>
+                <a:t>quality</a:t>
               </a:r>
               <a:endParaRPr lang="en-US" sz="1500" dirty="0"/>
             </a:p>
@@ -3865,7 +3873,7 @@
           <p:spPr>
             <a:xfrm>
               <a:off x="5643314" y="6867144"/>
-              <a:ext cx="2369944" cy="323165"/>
+              <a:ext cx="2405982" cy="323165"/>
             </a:xfrm>
             <a:prstGeom prst="rect">
               <a:avLst/>
@@ -3885,15 +3893,27 @@
             <a:p>
               <a:r>
                 <a:rPr lang="en-US" sz="1500" smtClean="0"/>
-                <a:t>Engage sub-Gov </a:t>
-              </a:r>
-              <a:r>
-                <a:rPr lang="en-US" sz="1500" dirty="0" smtClean="0"/>
-                <a:t>Units</a:t>
+                <a:t>Engage </a:t>
               </a:r>
               <a:r>
                 <a:rPr lang="en-US" sz="1500" smtClean="0"/>
-                <a:t>, NGO</a:t>
+                <a:t>sub-gov </a:t>
+              </a:r>
+              <a:r>
+                <a:rPr lang="en-US" sz="1500" dirty="0"/>
+                <a:t>u</a:t>
+              </a:r>
+              <a:r>
+                <a:rPr lang="en-US" sz="1500" smtClean="0"/>
+                <a:t>nits</a:t>
+              </a:r>
+              <a:r>
+                <a:rPr lang="en-US" sz="1500" smtClean="0"/>
+                <a:t>, </a:t>
+              </a:r>
+              <a:r>
+                <a:rPr lang="en-US" sz="1500" smtClean="0"/>
+                <a:t>NGOs</a:t>
               </a:r>
               <a:endParaRPr lang="en-US" sz="1500" dirty="0">
                 <a:solidFill>
@@ -4058,8 +4078,8 @@
           </p:nvSpPr>
           <p:spPr>
             <a:xfrm>
-              <a:off x="3991341" y="2995296"/>
-              <a:ext cx="3274569" cy="323165"/>
+              <a:off x="3991342" y="2995296"/>
+              <a:ext cx="2920582" cy="323165"/>
             </a:xfrm>
             <a:prstGeom prst="rect">
               <a:avLst/>
@@ -4087,7 +4107,11 @@
               </a:r>
               <a:r>
                 <a:rPr lang="en-US" sz="1500" smtClean="0"/>
-                <a:t>advice, monitor</a:t>
+                <a:t>advice, </a:t>
+              </a:r>
+              <a:r>
+                <a:rPr lang="en-US" sz="1500" smtClean="0"/>
+                <a:t>monitoring</a:t>
               </a:r>
               <a:endParaRPr lang="en-US" sz="1500" dirty="0"/>
             </a:p>
@@ -4233,8 +4257,8 @@
           </p:nvSpPr>
           <p:spPr>
             <a:xfrm>
-              <a:off x="4031964" y="3331363"/>
-              <a:ext cx="3044406" cy="553998"/>
+              <a:off x="3932119" y="3298600"/>
+              <a:ext cx="3393012" cy="553998"/>
             </a:xfrm>
             <a:prstGeom prst="rect">
               <a:avLst/>
@@ -4247,6 +4271,7 @@
             </a:bodyPr>
             <a:lstStyle/>
             <a:p>
+              <a:pPr algn="ctr"/>
               <a:r>
                 <a:rPr lang="en-US" sz="1500" dirty="0" smtClean="0">
                   <a:solidFill>
@@ -4269,6 +4294,17 @@
               </a:r>
             </a:p>
             <a:p>
+              <a:pPr algn="ctr"/>
+              <a:r>
+                <a:rPr lang="en-US" sz="1500" smtClean="0">
+                  <a:solidFill>
+                    <a:schemeClr val="accent6">
+                      <a:lumMod val="50000"/>
+                    </a:schemeClr>
+                  </a:solidFill>
+                </a:rPr>
+                <a:t>Dien Bien Agricultural Service </a:t>
+              </a:r>
               <a:r>
                 <a:rPr lang="en-US" sz="1500">
                   <a:solidFill>
@@ -4277,7 +4313,27 @@
                     </a:schemeClr>
                   </a:solidFill>
                 </a:rPr>
-                <a:t>District Agri. Service Center}</a:t>
+                <a:t>C</a:t>
+              </a:r>
+              <a:r>
+                <a:rPr lang="en-US" sz="1500" smtClean="0">
+                  <a:solidFill>
+                    <a:schemeClr val="accent6">
+                      <a:lumMod val="50000"/>
+                    </a:schemeClr>
+                  </a:solidFill>
+                </a:rPr>
+                <a:t>enter</a:t>
+              </a:r>
+              <a:r>
+                <a:rPr lang="en-US" sz="1500">
+                  <a:solidFill>
+                    <a:schemeClr val="accent6">
+                      <a:lumMod val="50000"/>
+                    </a:schemeClr>
+                  </a:solidFill>
+                </a:rPr>
+                <a:t>}</a:t>
               </a:r>
               <a:endParaRPr lang="en-US" sz="1500" dirty="0">
                 <a:solidFill>
@@ -4776,22 +4832,18 @@
               <a:pPr algn="r"/>
               <a:r>
                 <a:rPr lang="en-US" sz="1500" smtClean="0"/>
-                <a:t>Weekly </a:t>
-              </a:r>
-              <a:r>
-                <a:rPr lang="en-US" sz="1500" smtClean="0"/>
-                <a:t>SMS </a:t>
-              </a:r>
-              <a:r>
-                <a:rPr lang="en-US" sz="1500" smtClean="0"/>
-                <a:t>(1,2)</a:t>
+                <a:t>Weekly SMS (1,2)</a:t>
               </a:r>
             </a:p>
             <a:p>
               <a:pPr algn="r"/>
               <a:r>
                 <a:rPr lang="en-US" sz="1500" smtClean="0"/>
-                <a:t>Weekly SMS+loudspeaker </a:t>
+                <a:t>Weekly </a:t>
+              </a:r>
+              <a:r>
+                <a:rPr lang="en-US" sz="1500" smtClean="0"/>
+                <a:t>SMS + loudspeaker </a:t>
               </a:r>
               <a:r>
                 <a:rPr lang="en-US" sz="1500" smtClean="0"/>
@@ -4802,11 +4854,7 @@
               <a:pPr algn="r"/>
               <a:r>
                 <a:rPr lang="en-US" sz="1500" smtClean="0"/>
-                <a:t>Weekly Paper </a:t>
-              </a:r>
-              <a:r>
-                <a:rPr lang="en-US" sz="1500" smtClean="0"/>
-                <a:t>+ loudspeaker (4)</a:t>
+                <a:t>Weekly Paper + loudspeaker (4)</a:t>
               </a:r>
               <a:endParaRPr lang="en-US" sz="1500" dirty="0"/>
             </a:p>
@@ -4913,8 +4961,8 @@
           </p:nvSpPr>
           <p:spPr>
             <a:xfrm>
-              <a:off x="894913" y="3328627"/>
-              <a:ext cx="2242388" cy="323165"/>
+              <a:off x="668011" y="3385191"/>
+              <a:ext cx="2242388" cy="553998"/>
             </a:xfrm>
             <a:prstGeom prst="rect">
               <a:avLst/>
@@ -4927,6 +4975,7 @@
             </a:bodyPr>
             <a:lstStyle/>
             <a:p>
+              <a:pPr algn="ctr"/>
               <a:r>
                 <a:rPr lang="en-US" sz="1500" dirty="0">
                   <a:solidFill>
@@ -4945,7 +4994,47 @@
                     </a:schemeClr>
                   </a:solidFill>
                 </a:rPr>
-                <a:t>Provincial Met. </a:t>
+                <a:t>Provincial </a:t>
+              </a:r>
+              <a:r>
+                <a:rPr lang="en-US" sz="1500">
+                  <a:solidFill>
+                    <a:schemeClr val="accent6">
+                      <a:lumMod val="50000"/>
+                    </a:schemeClr>
+                  </a:solidFill>
+                </a:rPr>
+                <a:t>M</a:t>
+              </a:r>
+              <a:r>
+                <a:rPr lang="en-US" sz="1500" smtClean="0">
+                  <a:solidFill>
+                    <a:schemeClr val="accent6">
+                      <a:lumMod val="50000"/>
+                    </a:schemeClr>
+                  </a:solidFill>
+                </a:rPr>
+                <a:t>eteorological </a:t>
+              </a:r>
+              <a:r>
+                <a:rPr lang="en-US" sz="1500" dirty="0">
+                  <a:solidFill>
+                    <a:schemeClr val="accent6">
+                      <a:lumMod val="50000"/>
+                    </a:schemeClr>
+                  </a:solidFill>
+                </a:rPr>
+                <a:t>S</a:t>
+              </a:r>
+              <a:r>
+                <a:rPr lang="en-US" sz="1500" smtClean="0">
+                  <a:solidFill>
+                    <a:schemeClr val="accent6">
+                      <a:lumMod val="50000"/>
+                    </a:schemeClr>
+                  </a:solidFill>
+                </a:rPr>
+                <a:t>tation</a:t>
               </a:r>
               <a:r>
                 <a:rPr lang="en-US" sz="1500" dirty="0" smtClean="0">
@@ -4955,7 +5044,7 @@
                     </a:schemeClr>
                   </a:solidFill>
                 </a:rPr>
-                <a:t>station} </a:t>
+                <a:t>} </a:t>
               </a:r>
               <a:endParaRPr lang="en-US" sz="1500" dirty="0">
                 <a:solidFill>
@@ -5585,7 +5674,7 @@
           </p:nvSpPr>
           <p:spPr>
             <a:xfrm>
-              <a:off x="3104931" y="412116"/>
+              <a:off x="3104931" y="399238"/>
               <a:ext cx="5173287" cy="323165"/>
             </a:xfrm>
             <a:prstGeom prst="rect">
@@ -5617,7 +5706,107 @@
                     </a:schemeClr>
                   </a:solidFill>
                 </a:rPr>
-                <a:t>Department of Agriculture and Rural Development}</a:t>
+                <a:t>D</a:t>
+              </a:r>
+              <a:r>
+                <a:rPr lang="en-US" sz="1500" smtClean="0">
+                  <a:solidFill>
+                    <a:schemeClr val="accent6">
+                      <a:lumMod val="50000"/>
+                    </a:schemeClr>
+                  </a:solidFill>
+                </a:rPr>
+                <a:t>epartment </a:t>
+              </a:r>
+              <a:r>
+                <a:rPr lang="en-US" sz="1500" smtClean="0">
+                  <a:solidFill>
+                    <a:schemeClr val="accent6">
+                      <a:lumMod val="50000"/>
+                    </a:schemeClr>
+                  </a:solidFill>
+                </a:rPr>
+                <a:t>of </a:t>
+              </a:r>
+              <a:r>
+                <a:rPr lang="en-US" sz="1500">
+                  <a:solidFill>
+                    <a:schemeClr val="accent6">
+                      <a:lumMod val="50000"/>
+                    </a:schemeClr>
+                  </a:solidFill>
+                </a:rPr>
+                <a:t>A</a:t>
+              </a:r>
+              <a:r>
+                <a:rPr lang="en-US" sz="1500" smtClean="0">
+                  <a:solidFill>
+                    <a:schemeClr val="accent6">
+                      <a:lumMod val="50000"/>
+                    </a:schemeClr>
+                  </a:solidFill>
+                </a:rPr>
+                <a:t>griculture </a:t>
+              </a:r>
+              <a:r>
+                <a:rPr lang="en-US" sz="1500" smtClean="0">
+                  <a:solidFill>
+                    <a:schemeClr val="accent6">
+                      <a:lumMod val="50000"/>
+                    </a:schemeClr>
+                  </a:solidFill>
+                </a:rPr>
+                <a:t>and </a:t>
+              </a:r>
+              <a:r>
+                <a:rPr lang="en-US" sz="1500">
+                  <a:solidFill>
+                    <a:schemeClr val="accent6">
+                      <a:lumMod val="50000"/>
+                    </a:schemeClr>
+                  </a:solidFill>
+                </a:rPr>
+                <a:t>R</a:t>
+              </a:r>
+              <a:r>
+                <a:rPr lang="en-US" sz="1500" smtClean="0">
+                  <a:solidFill>
+                    <a:schemeClr val="accent6">
+                      <a:lumMod val="50000"/>
+                    </a:schemeClr>
+                  </a:solidFill>
+                </a:rPr>
+                <a:t>ural </a:t>
+              </a:r>
+              <a:r>
+                <a:rPr lang="en-US" sz="1500" dirty="0" smtClean="0">
+                  <a:solidFill>
+                    <a:schemeClr val="accent6">
+                      <a:lumMod val="50000"/>
+                    </a:schemeClr>
+                  </a:solidFill>
+                </a:rPr>
+                <a:t>D</a:t>
+              </a:r>
+              <a:r>
+                <a:rPr lang="en-US" sz="1500" smtClean="0">
+                  <a:solidFill>
+                    <a:schemeClr val="accent6">
+                      <a:lumMod val="50000"/>
+                    </a:schemeClr>
+                  </a:solidFill>
+                </a:rPr>
+                <a:t>evelopment</a:t>
+              </a:r>
+              <a:r>
+                <a:rPr lang="en-US" sz="1500" dirty="0" smtClean="0">
+                  <a:solidFill>
+                    <a:schemeClr val="accent6">
+                      <a:lumMod val="50000"/>
+                    </a:schemeClr>
+                  </a:solidFill>
+                </a:rPr>
+                <a:t>}</a:t>
               </a:r>
               <a:endParaRPr lang="en-US" sz="1500" dirty="0">
                 <a:solidFill>
@@ -5696,7 +5885,17 @@
                     </a:schemeClr>
                   </a:solidFill>
                 </a:rPr>
-                <a:t>{</a:t>
+                <a:t>{Commune </a:t>
+              </a:r>
+              <a:r>
+                <a:rPr lang="en-US" sz="1500" smtClean="0">
+                  <a:solidFill>
+                    <a:schemeClr val="accent6">
+                      <a:lumMod val="50000"/>
+                    </a:schemeClr>
+                  </a:solidFill>
+                </a:rPr>
+                <a:t>People’s Committee</a:t>
               </a:r>
               <a:r>
                 <a:rPr lang="en-US" sz="1500" dirty="0" smtClean="0">
@@ -5706,7 +5905,7 @@
                     </a:schemeClr>
                   </a:solidFill>
                 </a:rPr>
-                <a:t>Commune People Committee, extension workers, </a:t>
+                <a:t>, extension workers, </a:t>
               </a:r>
               <a:r>
                 <a:rPr lang="en-US" sz="1500" smtClean="0">
@@ -5716,17 +5915,7 @@
                     </a:schemeClr>
                   </a:solidFill>
                 </a:rPr>
-                <a:t>village leaders, communal Women </a:t>
-              </a:r>
-              <a:r>
-                <a:rPr lang="en-US" sz="1500" dirty="0">
-                  <a:solidFill>
-                    <a:schemeClr val="accent6">
-                      <a:lumMod val="50000"/>
-                    </a:schemeClr>
-                  </a:solidFill>
-                </a:rPr>
-                <a:t>U</a:t>
+                <a:t>village leaders, </a:t>
               </a:r>
               <a:r>
                 <a:rPr lang="en-US" sz="1500" smtClean="0">
@@ -5736,7 +5925,27 @@
                     </a:schemeClr>
                   </a:solidFill>
                 </a:rPr>
-                <a:t>nion, NGO}</a:t>
+                <a:t>Women’s Union</a:t>
+              </a:r>
+              <a:r>
+                <a:rPr lang="en-US" sz="1500" smtClean="0">
+                  <a:solidFill>
+                    <a:schemeClr val="accent6">
+                      <a:lumMod val="50000"/>
+                    </a:schemeClr>
+                  </a:solidFill>
+                </a:rPr>
+                <a:t>, </a:t>
+              </a:r>
+              <a:r>
+                <a:rPr lang="en-US" sz="1500" smtClean="0">
+                  <a:solidFill>
+                    <a:schemeClr val="accent6">
+                      <a:lumMod val="50000"/>
+                    </a:schemeClr>
+                  </a:solidFill>
+                </a:rPr>
+                <a:t>NGOs}</a:t>
               </a:r>
               <a:endParaRPr lang="en-US" sz="1500" dirty="0">
                 <a:solidFill>
@@ -5756,8 +5965,8 @@
           </p:nvSpPr>
           <p:spPr>
             <a:xfrm>
-              <a:off x="6984315" y="5681277"/>
-              <a:ext cx="1934632" cy="323165"/>
+              <a:off x="6911923" y="5681277"/>
+              <a:ext cx="2007024" cy="323165"/>
             </a:xfrm>
             <a:prstGeom prst="rect">
               <a:avLst/>
@@ -5771,16 +5980,36 @@
             <a:p>
               <a:pPr algn="r"/>
               <a:r>
-                <a:rPr lang="en-US" sz="1500" b="1" smtClean="0">
+                <a:rPr lang="en-US" sz="1500" smtClean="0">
                   <a:solidFill>
                     <a:schemeClr val="accent6">
                       <a:lumMod val="50000"/>
                     </a:schemeClr>
                   </a:solidFill>
                 </a:rPr>
-                <a:t>{NGO, Women Union}</a:t>
-              </a:r>
-              <a:endParaRPr lang="en-US" sz="1500" b="1" dirty="0">
+                <a:t>{NGO, </a:t>
+              </a:r>
+              <a:r>
+                <a:rPr lang="en-US" sz="1500" smtClean="0">
+                  <a:solidFill>
+                    <a:schemeClr val="accent6">
+                      <a:lumMod val="50000"/>
+                    </a:schemeClr>
+                  </a:solidFill>
+                </a:rPr>
+                <a:t>Women’s Union</a:t>
+              </a:r>
+              <a:r>
+                <a:rPr lang="en-US" sz="1500" smtClean="0">
+                  <a:solidFill>
+                    <a:schemeClr val="accent6">
+                      <a:lumMod val="50000"/>
+                    </a:schemeClr>
+                  </a:solidFill>
+                </a:rPr>
+                <a:t>}</a:t>
+              </a:r>
+              <a:endParaRPr lang="en-US" sz="1500" dirty="0">
                 <a:solidFill>
                   <a:schemeClr val="accent6">
                     <a:lumMod val="50000"/>
@@ -5798,7 +6027,7 @@
           </p:nvSpPr>
           <p:spPr>
             <a:xfrm>
-              <a:off x="7319901" y="1056501"/>
+              <a:off x="6972884" y="978991"/>
               <a:ext cx="3393464" cy="553998"/>
             </a:xfrm>
             <a:prstGeom prst="rect">
@@ -5820,11 +6049,8 @@
                     </a:schemeClr>
                   </a:solidFill>
                 </a:rPr>
-                <a:t>{Mobile operator, Commune,</a:t>
-              </a:r>
-            </a:p>
-            <a:p>
-              <a:pPr algn="ctr"/>
+                <a:t>{Mobile operator, </a:t>
+              </a:r>
               <a:r>
                 <a:rPr lang="en-US" sz="1500" smtClean="0">
                   <a:solidFill>
@@ -5833,7 +6059,17 @@
                     </a:schemeClr>
                   </a:solidFill>
                 </a:rPr>
-                <a:t>Village leader </a:t>
+                <a:t>C</a:t>
+              </a:r>
+              <a:r>
+                <a:rPr lang="en-US" sz="1500" smtClean="0">
+                  <a:solidFill>
+                    <a:schemeClr val="accent6">
+                      <a:lumMod val="50000"/>
+                    </a:schemeClr>
+                  </a:solidFill>
+                </a:rPr>
+                <a:t>ommune People’s Committee, village leaders </a:t>
               </a:r>
               <a:r>
                 <a:rPr lang="en-US" sz="1500">
@@ -5956,7 +6192,7 @@
           <p:spPr>
             <a:xfrm>
               <a:off x="203763" y="1285811"/>
-              <a:ext cx="2413225" cy="323165"/>
+              <a:ext cx="2413225" cy="553998"/>
             </a:xfrm>
             <a:prstGeom prst="rect">
               <a:avLst/>
@@ -5969,6 +6205,7 @@
             </a:bodyPr>
             <a:lstStyle/>
             <a:p>
+              <a:pPr algn="ctr"/>
               <a:r>
                 <a:rPr lang="en-US" sz="1500" dirty="0">
                   <a:solidFill>
@@ -5987,7 +6224,47 @@
                     </a:schemeClr>
                   </a:solidFill>
                 </a:rPr>
-                <a:t>Provincial Met. </a:t>
+                <a:t>Provincial </a:t>
+              </a:r>
+              <a:r>
+                <a:rPr lang="en-US" sz="1500">
+                  <a:solidFill>
+                    <a:schemeClr val="accent6">
+                      <a:lumMod val="50000"/>
+                    </a:schemeClr>
+                  </a:solidFill>
+                </a:rPr>
+                <a:t>M</a:t>
+              </a:r>
+              <a:r>
+                <a:rPr lang="en-US" sz="1500" smtClean="0">
+                  <a:solidFill>
+                    <a:schemeClr val="accent6">
+                      <a:lumMod val="50000"/>
+                    </a:schemeClr>
+                  </a:solidFill>
+                </a:rPr>
+                <a:t>eteorological </a:t>
+              </a:r>
+              <a:r>
+                <a:rPr lang="en-US" sz="1500" dirty="0">
+                  <a:solidFill>
+                    <a:schemeClr val="accent6">
+                      <a:lumMod val="50000"/>
+                    </a:schemeClr>
+                  </a:solidFill>
+                </a:rPr>
+                <a:t>S</a:t>
+              </a:r>
+              <a:r>
+                <a:rPr lang="en-US" sz="1500" smtClean="0">
+                  <a:solidFill>
+                    <a:schemeClr val="accent6">
+                      <a:lumMod val="50000"/>
+                    </a:schemeClr>
+                  </a:solidFill>
+                </a:rPr>
+                <a:t>tation</a:t>
               </a:r>
               <a:r>
                 <a:rPr lang="en-US" sz="1500" dirty="0" smtClean="0">
@@ -5997,7 +6274,7 @@
                     </a:schemeClr>
                   </a:solidFill>
                 </a:rPr>
-                <a:t>station} </a:t>
+                <a:t>} </a:t>
               </a:r>
               <a:endParaRPr lang="en-US" sz="1500" dirty="0">
                 <a:solidFill>

--- a/Figures/Fig3-Intervention.pptx
+++ b/Figures/Fig3-Intervention.pptx
@@ -209,7 +209,7 @@
           <a:p>
             <a:fld id="{7E015754-A25B-4178-B3E4-70EF6662D410}" type="datetimeFigureOut">
               <a:rPr lang="en-US" smtClean="0"/>
-              <a:t>6/24/2021</a:t>
+              <a:t>6/29/2021</a:t>
             </a:fld>
             <a:endParaRPr lang="en-US"/>
           </a:p>
@@ -697,7 +697,7 @@
           <a:p>
             <a:fld id="{5812708C-2602-4C50-90B3-38403DD6A526}" type="datetimeFigureOut">
               <a:rPr lang="zh-CN" altLang="en-US" smtClean="0"/>
-              <a:t>2021/6/24</a:t>
+              <a:t>2021/6/29</a:t>
             </a:fld>
             <a:endParaRPr lang="zh-CN" altLang="en-US"/>
           </a:p>
@@ -867,7 +867,7 @@
           <a:p>
             <a:fld id="{5812708C-2602-4C50-90B3-38403DD6A526}" type="datetimeFigureOut">
               <a:rPr lang="zh-CN" altLang="en-US" smtClean="0"/>
-              <a:t>2021/6/24</a:t>
+              <a:t>2021/6/29</a:t>
             </a:fld>
             <a:endParaRPr lang="zh-CN" altLang="en-US"/>
           </a:p>
@@ -1047,7 +1047,7 @@
           <a:p>
             <a:fld id="{5812708C-2602-4C50-90B3-38403DD6A526}" type="datetimeFigureOut">
               <a:rPr lang="zh-CN" altLang="en-US" smtClean="0"/>
-              <a:t>2021/6/24</a:t>
+              <a:t>2021/6/29</a:t>
             </a:fld>
             <a:endParaRPr lang="zh-CN" altLang="en-US"/>
           </a:p>
@@ -1217,7 +1217,7 @@
           <a:p>
             <a:fld id="{5812708C-2602-4C50-90B3-38403DD6A526}" type="datetimeFigureOut">
               <a:rPr lang="zh-CN" altLang="en-US" smtClean="0"/>
-              <a:t>2021/6/24</a:t>
+              <a:t>2021/6/29</a:t>
             </a:fld>
             <a:endParaRPr lang="zh-CN" altLang="en-US"/>
           </a:p>
@@ -1461,7 +1461,7 @@
           <a:p>
             <a:fld id="{5812708C-2602-4C50-90B3-38403DD6A526}" type="datetimeFigureOut">
               <a:rPr lang="zh-CN" altLang="en-US" smtClean="0"/>
-              <a:t>2021/6/24</a:t>
+              <a:t>2021/6/29</a:t>
             </a:fld>
             <a:endParaRPr lang="zh-CN" altLang="en-US"/>
           </a:p>
@@ -1693,7 +1693,7 @@
           <a:p>
             <a:fld id="{5812708C-2602-4C50-90B3-38403DD6A526}" type="datetimeFigureOut">
               <a:rPr lang="zh-CN" altLang="en-US" smtClean="0"/>
-              <a:t>2021/6/24</a:t>
+              <a:t>2021/6/29</a:t>
             </a:fld>
             <a:endParaRPr lang="zh-CN" altLang="en-US"/>
           </a:p>
@@ -2060,7 +2060,7 @@
           <a:p>
             <a:fld id="{5812708C-2602-4C50-90B3-38403DD6A526}" type="datetimeFigureOut">
               <a:rPr lang="zh-CN" altLang="en-US" smtClean="0"/>
-              <a:t>2021/6/24</a:t>
+              <a:t>2021/6/29</a:t>
             </a:fld>
             <a:endParaRPr lang="zh-CN" altLang="en-US"/>
           </a:p>
@@ -2178,7 +2178,7 @@
           <a:p>
             <a:fld id="{5812708C-2602-4C50-90B3-38403DD6A526}" type="datetimeFigureOut">
               <a:rPr lang="zh-CN" altLang="en-US" smtClean="0"/>
-              <a:t>2021/6/24</a:t>
+              <a:t>2021/6/29</a:t>
             </a:fld>
             <a:endParaRPr lang="zh-CN" altLang="en-US"/>
           </a:p>
@@ -2273,7 +2273,7 @@
           <a:p>
             <a:fld id="{5812708C-2602-4C50-90B3-38403DD6A526}" type="datetimeFigureOut">
               <a:rPr lang="zh-CN" altLang="en-US" smtClean="0"/>
-              <a:t>2021/6/24</a:t>
+              <a:t>2021/6/29</a:t>
             </a:fld>
             <a:endParaRPr lang="zh-CN" altLang="en-US"/>
           </a:p>
@@ -2550,7 +2550,7 @@
           <a:p>
             <a:fld id="{5812708C-2602-4C50-90B3-38403DD6A526}" type="datetimeFigureOut">
               <a:rPr lang="zh-CN" altLang="en-US" smtClean="0"/>
-              <a:t>2021/6/24</a:t>
+              <a:t>2021/6/29</a:t>
             </a:fld>
             <a:endParaRPr lang="zh-CN" altLang="en-US"/>
           </a:p>
@@ -2807,7 +2807,7 @@
           <a:p>
             <a:fld id="{5812708C-2602-4C50-90B3-38403DD6A526}" type="datetimeFigureOut">
               <a:rPr lang="zh-CN" altLang="en-US" smtClean="0"/>
-              <a:t>2021/6/24</a:t>
+              <a:t>2021/6/29</a:t>
             </a:fld>
             <a:endParaRPr lang="zh-CN" altLang="en-US"/>
           </a:p>
@@ -3020,7 +3020,7 @@
           <a:p>
             <a:fld id="{5812708C-2602-4C50-90B3-38403DD6A526}" type="datetimeFigureOut">
               <a:rPr lang="zh-CN" altLang="en-US" smtClean="0"/>
-              <a:t>2021/6/24</a:t>
+              <a:t>2021/6/29</a:t>
             </a:fld>
             <a:endParaRPr lang="zh-CN" altLang="en-US"/>
           </a:p>
@@ -3427,7 +3427,7 @@
       </p:grpSpPr>
       <p:grpSp>
         <p:nvGrpSpPr>
-          <p:cNvPr id="2" name="Group 1"/>
+          <p:cNvPr id="6" name="Group 5"/>
           <p:cNvGrpSpPr/>
           <p:nvPr/>
         </p:nvGrpSpPr>
@@ -3439,1675 +3439,95 @@
             <a:chExt cx="10779922" cy="7656798"/>
           </a:xfrm>
         </p:grpSpPr>
-        <p:sp>
-          <p:nvSpPr>
-            <p:cNvPr id="37" name="Oval 36"/>
-            <p:cNvSpPr/>
-            <p:nvPr/>
-          </p:nvSpPr>
-          <p:spPr>
-            <a:xfrm>
-              <a:off x="3973673" y="192958"/>
-              <a:ext cx="1989543" cy="2026254"/>
-            </a:xfrm>
-            <a:prstGeom prst="ellipse">
-              <a:avLst/>
-            </a:prstGeom>
-            <a:noFill/>
-            <a:ln>
-              <a:noFill/>
-            </a:ln>
-          </p:spPr>
-          <p:style>
-            <a:lnRef idx="2">
-              <a:schemeClr val="accent1">
-                <a:shade val="50000"/>
-              </a:schemeClr>
-            </a:lnRef>
-            <a:fillRef idx="1">
-              <a:schemeClr val="accent1"/>
-            </a:fillRef>
-            <a:effectRef idx="0">
-              <a:schemeClr val="accent1"/>
-            </a:effectRef>
-            <a:fontRef idx="minor">
-              <a:schemeClr val="lt1"/>
-            </a:fontRef>
-          </p:style>
-          <p:txBody>
-            <a:bodyPr rtlCol="0" anchor="ctr"/>
-            <a:lstStyle/>
-            <a:p>
-              <a:pPr algn="ctr"/>
-              <a:endParaRPr lang="en-US" sz="1500"/>
-            </a:p>
-          </p:txBody>
-        </p:sp>
         <p:grpSp>
           <p:nvGrpSpPr>
-            <p:cNvPr id="60" name="Group 59"/>
+            <p:cNvPr id="2" name="Group 1"/>
             <p:cNvGrpSpPr/>
             <p:nvPr/>
           </p:nvGrpSpPr>
           <p:grpSpPr>
             <a:xfrm>
-              <a:off x="8610819" y="2675251"/>
-              <a:ext cx="1038116" cy="1253991"/>
-              <a:chOff x="108483" y="4535275"/>
-              <a:chExt cx="1628087" cy="1847815"/>
+              <a:off x="65470" y="78679"/>
+              <a:ext cx="10779922" cy="7656798"/>
+              <a:chOff x="65470" y="78679"/>
+              <a:chExt cx="10779922" cy="7656798"/>
             </a:xfrm>
           </p:grpSpPr>
-          <p:pic>
-            <p:nvPicPr>
-              <p:cNvPr id="25" name="Picture 24"/>
-              <p:cNvPicPr>
-                <a:picLocks noChangeAspect="1"/>
-              </p:cNvPicPr>
+          <p:sp>
+            <p:nvSpPr>
+              <p:cNvPr id="37" name="Oval 36"/>
+              <p:cNvSpPr/>
               <p:nvPr/>
-            </p:nvPicPr>
-            <p:blipFill rotWithShape="1">
-              <a:blip r:embed="rId3"/>
-              <a:srcRect l="19789" t="21301" r="49225" b="18785"/>
-              <a:stretch/>
-            </p:blipFill>
+            </p:nvSpPr>
             <p:spPr>
               <a:xfrm>
-                <a:off x="108483" y="5184581"/>
-                <a:ext cx="733086" cy="944988"/>
+                <a:off x="3973673" y="192958"/>
+                <a:ext cx="1989543" cy="2026254"/>
               </a:xfrm>
-              <a:prstGeom prst="rect">
+              <a:prstGeom prst="ellipse">
                 <a:avLst/>
               </a:prstGeom>
+              <a:noFill/>
+              <a:ln>
+                <a:noFill/>
+              </a:ln>
             </p:spPr>
-          </p:pic>
-          <p:pic>
-            <p:nvPicPr>
-              <p:cNvPr id="56" name="Picture 55"/>
-              <p:cNvPicPr>
-                <a:picLocks noChangeAspect="1"/>
-              </p:cNvPicPr>
-              <p:nvPr/>
-            </p:nvPicPr>
-            <p:blipFill rotWithShape="1">
-              <a:blip r:embed="rId3"/>
-              <a:srcRect l="19789" t="21301" r="49225" b="18785"/>
-              <a:stretch/>
-            </p:blipFill>
-            <p:spPr>
-              <a:xfrm>
-                <a:off x="840918" y="5438102"/>
-                <a:ext cx="733086" cy="944988"/>
-              </a:xfrm>
-              <a:prstGeom prst="rect">
-                <a:avLst/>
-              </a:prstGeom>
-            </p:spPr>
-          </p:pic>
-          <p:pic>
-            <p:nvPicPr>
-              <p:cNvPr id="57" name="Picture 56"/>
-              <p:cNvPicPr>
-                <a:picLocks noChangeAspect="1"/>
-              </p:cNvPicPr>
-              <p:nvPr/>
-            </p:nvPicPr>
-            <p:blipFill rotWithShape="1">
-              <a:blip r:embed="rId4" cstate="print">
-                <a:extLst>
-                  <a:ext uri="{28A0092B-C50C-407E-A947-70E740481C1C}">
-                    <a14:useLocalDpi xmlns:a14="http://schemas.microsoft.com/office/drawing/2010/main" val="0"/>
-                  </a:ext>
-                </a:extLst>
-              </a:blip>
-              <a:srcRect l="3517" t="10727" r="53863" b="19699"/>
-              <a:stretch/>
-            </p:blipFill>
-            <p:spPr>
-              <a:xfrm>
-                <a:off x="951302" y="4535275"/>
-                <a:ext cx="785268" cy="632789"/>
-              </a:xfrm>
-              <a:prstGeom prst="rect">
-                <a:avLst/>
-              </a:prstGeom>
-            </p:spPr>
-          </p:pic>
-        </p:grpSp>
-        <p:grpSp>
-          <p:nvGrpSpPr>
-            <p:cNvPr id="4" name="Group 3"/>
-            <p:cNvGrpSpPr/>
-            <p:nvPr/>
-          </p:nvGrpSpPr>
-          <p:grpSpPr>
-            <a:xfrm>
-              <a:off x="2253803" y="1726998"/>
-              <a:ext cx="852138" cy="960500"/>
-              <a:chOff x="1773841" y="1177243"/>
-              <a:chExt cx="1134072" cy="1309583"/>
-            </a:xfrm>
-          </p:grpSpPr>
-          <p:pic>
-            <p:nvPicPr>
-              <p:cNvPr id="3" name="Picture 2"/>
-              <p:cNvPicPr>
-                <a:picLocks noChangeAspect="1"/>
-              </p:cNvPicPr>
-              <p:nvPr/>
-            </p:nvPicPr>
-            <p:blipFill rotWithShape="1">
-              <a:blip r:embed="rId5" cstate="print">
-                <a:extLst>
-                  <a:ext uri="{28A0092B-C50C-407E-A947-70E740481C1C}">
-                    <a14:useLocalDpi xmlns:a14="http://schemas.microsoft.com/office/drawing/2010/main" val="0"/>
-                  </a:ext>
-                </a:extLst>
-              </a:blip>
-              <a:srcRect l="18828" t="8033" r="28455" b="10799"/>
-              <a:stretch/>
-            </p:blipFill>
-            <p:spPr>
-              <a:xfrm>
-                <a:off x="1773841" y="1177243"/>
-                <a:ext cx="1134072" cy="1309583"/>
-              </a:xfrm>
-              <a:prstGeom prst="rect">
-                <a:avLst/>
-              </a:prstGeom>
-            </p:spPr>
-          </p:pic>
-          <p:pic>
-            <p:nvPicPr>
-              <p:cNvPr id="62" name="Picture 61"/>
-              <p:cNvPicPr>
-                <a:picLocks noChangeAspect="1"/>
-              </p:cNvPicPr>
-              <p:nvPr/>
-            </p:nvPicPr>
-            <p:blipFill rotWithShape="1">
-              <a:blip r:embed="rId6" cstate="print">
-                <a:extLst>
-                  <a:ext uri="{28A0092B-C50C-407E-A947-70E740481C1C}">
-                    <a14:useLocalDpi xmlns:a14="http://schemas.microsoft.com/office/drawing/2010/main" val="0"/>
-                  </a:ext>
-                </a:extLst>
-              </a:blip>
-              <a:srcRect b="7699"/>
-              <a:stretch/>
-            </p:blipFill>
-            <p:spPr>
-              <a:xfrm>
-                <a:off x="2213953" y="1349008"/>
-                <a:ext cx="531850" cy="529681"/>
-              </a:xfrm>
-              <a:prstGeom prst="rect">
-                <a:avLst/>
-              </a:prstGeom>
-            </p:spPr>
-          </p:pic>
-        </p:grpSp>
-        <p:pic>
-          <p:nvPicPr>
-            <p:cNvPr id="13" name="Picture 12"/>
-            <p:cNvPicPr>
-              <a:picLocks noChangeAspect="1"/>
-            </p:cNvPicPr>
-            <p:nvPr/>
-          </p:nvPicPr>
-          <p:blipFill rotWithShape="1">
-            <a:blip r:embed="rId7">
-              <a:extLst>
-                <a:ext uri="{28A0092B-C50C-407E-A947-70E740481C1C}">
-                  <a14:useLocalDpi xmlns:a14="http://schemas.microsoft.com/office/drawing/2010/main" val="0"/>
-                </a:ext>
-              </a:extLst>
-            </a:blip>
-            <a:srcRect l="34747" t="55788" r="55134" b="25901"/>
-            <a:stretch/>
-          </p:blipFill>
-          <p:spPr>
-            <a:xfrm>
-              <a:off x="606365" y="1688119"/>
-              <a:ext cx="531802" cy="952334"/>
-            </a:xfrm>
-            <a:prstGeom prst="rect">
-              <a:avLst/>
-            </a:prstGeom>
-          </p:spPr>
-        </p:pic>
-        <p:sp>
-          <p:nvSpPr>
-            <p:cNvPr id="63" name="TextBox 62"/>
-            <p:cNvSpPr txBox="1"/>
-            <p:nvPr/>
-          </p:nvSpPr>
-          <p:spPr>
-            <a:xfrm>
-              <a:off x="111414" y="2824062"/>
-              <a:ext cx="1613805" cy="553998"/>
-            </a:xfrm>
-            <a:prstGeom prst="rect">
-              <a:avLst/>
-            </a:prstGeom>
-            <a:solidFill>
-              <a:schemeClr val="accent6">
-                <a:lumMod val="60000"/>
-                <a:lumOff val="40000"/>
-              </a:schemeClr>
-            </a:solidFill>
-          </p:spPr>
-          <p:txBody>
-            <a:bodyPr wrap="square" rtlCol="0">
-              <a:spAutoFit/>
-            </a:bodyPr>
-            <a:lstStyle/>
-            <a:p>
-              <a:r>
-                <a:rPr lang="en-US" sz="1500" smtClean="0"/>
-                <a:t>Collect data from observation point</a:t>
-              </a:r>
-              <a:endParaRPr lang="en-US" sz="1500" dirty="0"/>
-            </a:p>
-          </p:txBody>
-        </p:sp>
-        <p:pic>
-          <p:nvPicPr>
-            <p:cNvPr id="79" name="Picture 78"/>
-            <p:cNvPicPr>
-              <a:picLocks noChangeAspect="1"/>
-            </p:cNvPicPr>
-            <p:nvPr/>
-          </p:nvPicPr>
-          <p:blipFill rotWithShape="1">
-            <a:blip r:embed="rId8" cstate="print">
-              <a:extLst>
-                <a:ext uri="{28A0092B-C50C-407E-A947-70E740481C1C}">
-                  <a14:useLocalDpi xmlns:a14="http://schemas.microsoft.com/office/drawing/2010/main" val="0"/>
-                </a:ext>
-              </a:extLst>
-            </a:blip>
-            <a:srcRect l="31409" t="3792" r="30704" b="4684"/>
-            <a:stretch/>
-          </p:blipFill>
-          <p:spPr>
-            <a:xfrm>
-              <a:off x="8144452" y="4694500"/>
-              <a:ext cx="267532" cy="358035"/>
-            </a:xfrm>
-            <a:prstGeom prst="rect">
-              <a:avLst/>
-            </a:prstGeom>
-          </p:spPr>
-        </p:pic>
-        <p:pic>
-          <p:nvPicPr>
-            <p:cNvPr id="84" name="Picture 83"/>
-            <p:cNvPicPr>
-              <a:picLocks noChangeAspect="1"/>
-            </p:cNvPicPr>
-            <p:nvPr/>
-          </p:nvPicPr>
-          <p:blipFill>
-            <a:blip r:embed="rId9" cstate="print">
-              <a:extLst>
-                <a:ext uri="{28A0092B-C50C-407E-A947-70E740481C1C}">
-                  <a14:useLocalDpi xmlns:a14="http://schemas.microsoft.com/office/drawing/2010/main" val="0"/>
-                </a:ext>
-              </a:extLst>
-            </a:blip>
-            <a:stretch>
-              <a:fillRect/>
-            </a:stretch>
-          </p:blipFill>
-          <p:spPr>
-            <a:xfrm>
-              <a:off x="7763072" y="4694500"/>
-              <a:ext cx="337252" cy="381099"/>
-            </a:xfrm>
-            <a:prstGeom prst="rect">
-              <a:avLst/>
-            </a:prstGeom>
-          </p:spPr>
-        </p:pic>
-        <p:sp>
-          <p:nvSpPr>
-            <p:cNvPr id="87" name="TextBox 86"/>
-            <p:cNvSpPr txBox="1"/>
-            <p:nvPr/>
-          </p:nvSpPr>
-          <p:spPr>
-            <a:xfrm>
-              <a:off x="1882515" y="2821088"/>
-              <a:ext cx="1406872" cy="553998"/>
-            </a:xfrm>
-            <a:prstGeom prst="rect">
-              <a:avLst/>
-            </a:prstGeom>
-            <a:solidFill>
-              <a:schemeClr val="accent6">
-                <a:lumMod val="60000"/>
-                <a:lumOff val="40000"/>
-              </a:schemeClr>
-            </a:solidFill>
-          </p:spPr>
-          <p:txBody>
-            <a:bodyPr wrap="square" rtlCol="0">
-              <a:spAutoFit/>
-            </a:bodyPr>
-            <a:lstStyle/>
-            <a:p>
-              <a:pPr algn="ctr"/>
-              <a:r>
-                <a:rPr lang="en-US" sz="1500" smtClean="0"/>
-                <a:t>Forecast, </a:t>
-              </a:r>
-              <a:endParaRPr lang="en-US" sz="1500" dirty="0" smtClean="0"/>
-            </a:p>
-            <a:p>
-              <a:pPr algn="ctr"/>
-              <a:r>
-                <a:rPr lang="en-US" sz="1500"/>
-                <a:t>m</a:t>
-              </a:r>
-              <a:r>
-                <a:rPr lang="en-US" sz="1500" smtClean="0"/>
-                <a:t>onitor </a:t>
-              </a:r>
-              <a:r>
-                <a:rPr lang="en-US" sz="1500" smtClean="0"/>
-                <a:t>quality</a:t>
-              </a:r>
-              <a:endParaRPr lang="en-US" sz="1500" dirty="0"/>
-            </a:p>
-          </p:txBody>
-        </p:sp>
-        <p:sp>
-          <p:nvSpPr>
-            <p:cNvPr id="95" name="TextBox 94"/>
-            <p:cNvSpPr txBox="1"/>
-            <p:nvPr/>
-          </p:nvSpPr>
-          <p:spPr>
-            <a:xfrm>
-              <a:off x="5743514" y="5144122"/>
-              <a:ext cx="3232755" cy="553998"/>
-            </a:xfrm>
-            <a:prstGeom prst="rect">
-              <a:avLst/>
-            </a:prstGeom>
-            <a:solidFill>
-              <a:schemeClr val="accent4">
-                <a:lumMod val="60000"/>
-                <a:lumOff val="40000"/>
-              </a:schemeClr>
-            </a:solidFill>
-          </p:spPr>
-          <p:txBody>
-            <a:bodyPr wrap="square" rtlCol="0">
-              <a:spAutoFit/>
-            </a:bodyPr>
-            <a:lstStyle/>
-            <a:p>
-              <a:pPr algn="r"/>
-              <a:r>
-                <a:rPr lang="en-US" sz="1500" smtClean="0"/>
-                <a:t>Gender reflection &amp; dialogue (1,2)</a:t>
-              </a:r>
-            </a:p>
-            <a:p>
-              <a:pPr algn="r"/>
-              <a:r>
-                <a:rPr lang="en-US" sz="1500" smtClean="0"/>
-                <a:t>Gender sensitiveness (3,4)</a:t>
-              </a:r>
-              <a:endParaRPr lang="en-US" sz="1500" dirty="0"/>
-            </a:p>
-          </p:txBody>
-        </p:sp>
-        <p:sp>
-          <p:nvSpPr>
-            <p:cNvPr id="96" name="TextBox 95"/>
-            <p:cNvSpPr txBox="1"/>
-            <p:nvPr/>
-          </p:nvSpPr>
-          <p:spPr>
-            <a:xfrm>
-              <a:off x="5643314" y="6867144"/>
-              <a:ext cx="2405982" cy="323165"/>
-            </a:xfrm>
-            <a:prstGeom prst="rect">
-              <a:avLst/>
-            </a:prstGeom>
-            <a:solidFill>
-              <a:schemeClr val="accent6">
-                <a:lumMod val="60000"/>
-                <a:lumOff val="40000"/>
-              </a:schemeClr>
-            </a:solidFill>
-          </p:spPr>
-          <p:txBody>
-            <a:bodyPr wrap="square" rtlCol="0">
-              <a:spAutoFit/>
-            </a:bodyPr>
-            <a:lstStyle/>
-            <a:p>
-              <a:r>
-                <a:rPr lang="en-US" sz="1500" smtClean="0"/>
-                <a:t>Engage </a:t>
-              </a:r>
-              <a:r>
-                <a:rPr lang="en-US" sz="1500" smtClean="0"/>
-                <a:t>sub-gov </a:t>
-              </a:r>
-              <a:r>
-                <a:rPr lang="en-US" sz="1500" dirty="0"/>
-                <a:t>u</a:t>
-              </a:r>
-              <a:r>
-                <a:rPr lang="en-US" sz="1500" smtClean="0"/>
-                <a:t>nits</a:t>
-              </a:r>
-              <a:r>
-                <a:rPr lang="en-US" sz="1500" smtClean="0"/>
-                <a:t>, </a:t>
-              </a:r>
-              <a:r>
-                <a:rPr lang="en-US" sz="1500" smtClean="0"/>
-                <a:t>NGOs</a:t>
-              </a:r>
-              <a:endParaRPr lang="en-US" sz="1500" dirty="0">
-                <a:solidFill>
-                  <a:schemeClr val="accent5"/>
-                </a:solidFill>
-              </a:endParaRPr>
-            </a:p>
-          </p:txBody>
-        </p:sp>
-        <p:sp>
-          <p:nvSpPr>
-            <p:cNvPr id="97" name="TextBox 96"/>
-            <p:cNvSpPr txBox="1"/>
-            <p:nvPr/>
-          </p:nvSpPr>
-          <p:spPr>
-            <a:xfrm>
-              <a:off x="8360977" y="4114128"/>
-              <a:ext cx="1697423" cy="323165"/>
-            </a:xfrm>
-            <a:prstGeom prst="rect">
-              <a:avLst/>
-            </a:prstGeom>
-            <a:solidFill>
-              <a:schemeClr val="accent6">
-                <a:lumMod val="60000"/>
-                <a:lumOff val="40000"/>
-              </a:schemeClr>
-            </a:solidFill>
-          </p:spPr>
-          <p:txBody>
-            <a:bodyPr wrap="square" rtlCol="0">
-              <a:spAutoFit/>
-            </a:bodyPr>
-            <a:lstStyle/>
-            <a:p>
-              <a:r>
-                <a:rPr lang="en-US" sz="1500" dirty="0"/>
-                <a:t>Use of information</a:t>
-              </a:r>
-            </a:p>
-          </p:txBody>
-        </p:sp>
-        <p:sp>
-          <p:nvSpPr>
-            <p:cNvPr id="53" name="TextBox 52"/>
-            <p:cNvSpPr txBox="1"/>
-            <p:nvPr/>
-          </p:nvSpPr>
-          <p:spPr>
-            <a:xfrm>
-              <a:off x="4856700" y="78679"/>
-              <a:ext cx="1526442" cy="323165"/>
-            </a:xfrm>
-            <a:prstGeom prst="rect">
-              <a:avLst/>
-            </a:prstGeom>
-            <a:solidFill>
-              <a:schemeClr val="accent6">
-                <a:lumMod val="60000"/>
-                <a:lumOff val="40000"/>
-              </a:schemeClr>
-            </a:solidFill>
-          </p:spPr>
-          <p:txBody>
-            <a:bodyPr wrap="square" rtlCol="0">
-              <a:spAutoFit/>
-            </a:bodyPr>
-            <a:lstStyle/>
-            <a:p>
-              <a:pPr algn="ctr"/>
-              <a:r>
-                <a:rPr lang="en-US" sz="1500" smtClean="0"/>
-                <a:t>Capacity building</a:t>
-              </a:r>
-              <a:endParaRPr lang="en-US" sz="1500" dirty="0">
-                <a:solidFill>
-                  <a:schemeClr val="accent5"/>
-                </a:solidFill>
-              </a:endParaRPr>
-            </a:p>
-          </p:txBody>
-        </p:sp>
-        <p:cxnSp>
-          <p:nvCxnSpPr>
-            <p:cNvPr id="15" name="Straight Connector 14"/>
-            <p:cNvCxnSpPr>
-              <a:stCxn id="104" idx="1"/>
-            </p:cNvCxnSpPr>
-            <p:nvPr/>
-          </p:nvCxnSpPr>
-          <p:spPr>
-            <a:xfrm>
-              <a:off x="5118823" y="6519532"/>
-              <a:ext cx="4064753" cy="19936"/>
-            </a:xfrm>
-            <a:prstGeom prst="line">
-              <a:avLst/>
-            </a:prstGeom>
-            <a:ln w="38100">
-              <a:solidFill>
-                <a:schemeClr val="tx1"/>
-              </a:solidFill>
-            </a:ln>
-          </p:spPr>
-          <p:style>
-            <a:lnRef idx="1">
-              <a:schemeClr val="accent1"/>
-            </a:lnRef>
-            <a:fillRef idx="0">
-              <a:schemeClr val="accent1"/>
-            </a:fillRef>
-            <a:effectRef idx="0">
-              <a:schemeClr val="accent1"/>
-            </a:effectRef>
-            <a:fontRef idx="minor">
-              <a:schemeClr val="tx1"/>
-            </a:fontRef>
-          </p:style>
-        </p:cxnSp>
-        <p:sp>
-          <p:nvSpPr>
-            <p:cNvPr id="86" name="TextBox 85"/>
-            <p:cNvSpPr txBox="1"/>
-            <p:nvPr/>
-          </p:nvSpPr>
-          <p:spPr>
-            <a:xfrm>
-              <a:off x="6188193" y="1771943"/>
-              <a:ext cx="1026987" cy="323165"/>
-            </a:xfrm>
-            <a:prstGeom prst="rect">
-              <a:avLst/>
-            </a:prstGeom>
-            <a:solidFill>
-              <a:schemeClr val="accent6">
-                <a:lumMod val="60000"/>
-                <a:lumOff val="40000"/>
-              </a:schemeClr>
-            </a:solidFill>
-          </p:spPr>
-          <p:txBody>
-            <a:bodyPr wrap="square" rtlCol="0">
-              <a:spAutoFit/>
-            </a:bodyPr>
-            <a:lstStyle/>
-            <a:p>
-              <a:pPr algn="ctr"/>
-              <a:r>
-                <a:rPr lang="en-US" sz="1500" smtClean="0"/>
-                <a:t>Advice</a:t>
-              </a:r>
-              <a:endParaRPr lang="en-US" sz="1500" dirty="0"/>
-            </a:p>
-          </p:txBody>
-        </p:sp>
-        <p:sp>
-          <p:nvSpPr>
-            <p:cNvPr id="88" name="TextBox 87"/>
-            <p:cNvSpPr txBox="1"/>
-            <p:nvPr/>
-          </p:nvSpPr>
-          <p:spPr>
-            <a:xfrm>
-              <a:off x="3991342" y="2995296"/>
-              <a:ext cx="2920582" cy="323165"/>
-            </a:xfrm>
-            <a:prstGeom prst="rect">
-              <a:avLst/>
-            </a:prstGeom>
-            <a:solidFill>
-              <a:schemeClr val="accent6">
-                <a:lumMod val="60000"/>
-                <a:lumOff val="40000"/>
-              </a:schemeClr>
-            </a:solidFill>
-          </p:spPr>
-          <p:txBody>
-            <a:bodyPr wrap="square" rtlCol="0">
-              <a:spAutoFit/>
-            </a:bodyPr>
-            <a:lstStyle/>
-            <a:p>
-              <a:r>
-                <a:rPr lang="en-US" sz="1500" dirty="0"/>
-                <a:t>Translation </a:t>
-              </a:r>
-              <a:r>
-                <a:rPr lang="en-US" sz="1500"/>
-                <a:t>into </a:t>
-              </a:r>
-              <a:r>
-                <a:rPr lang="en-US" sz="1500" smtClean="0"/>
-                <a:t>advice, </a:t>
-              </a:r>
-              <a:r>
-                <a:rPr lang="en-US" sz="1500" smtClean="0"/>
-                <a:t>monitoring</a:t>
-              </a:r>
-              <a:endParaRPr lang="en-US" sz="1500" dirty="0"/>
-            </a:p>
-          </p:txBody>
-        </p:sp>
-        <p:sp>
-          <p:nvSpPr>
-            <p:cNvPr id="101" name="TextBox 100"/>
-            <p:cNvSpPr txBox="1"/>
-            <p:nvPr/>
-          </p:nvSpPr>
-          <p:spPr>
-            <a:xfrm>
-              <a:off x="3410792" y="1790128"/>
-              <a:ext cx="1100321" cy="323165"/>
-            </a:xfrm>
-            <a:prstGeom prst="rect">
-              <a:avLst/>
-            </a:prstGeom>
-            <a:solidFill>
-              <a:schemeClr val="accent6">
-                <a:lumMod val="60000"/>
-                <a:lumOff val="40000"/>
-              </a:schemeClr>
-            </a:solidFill>
-          </p:spPr>
-          <p:txBody>
-            <a:bodyPr wrap="square" rtlCol="0">
-              <a:spAutoFit/>
-            </a:bodyPr>
-            <a:lstStyle/>
-            <a:p>
-              <a:pPr algn="ctr"/>
-              <a:r>
-                <a:rPr lang="en-US" sz="1500" dirty="0" smtClean="0"/>
-                <a:t>Forecasts</a:t>
-              </a:r>
-              <a:endParaRPr lang="en-US" sz="1500" dirty="0"/>
-            </a:p>
-          </p:txBody>
-        </p:sp>
-        <p:sp>
-          <p:nvSpPr>
-            <p:cNvPr id="104" name="Right Arrow 103"/>
-            <p:cNvSpPr/>
-            <p:nvPr/>
-          </p:nvSpPr>
-          <p:spPr>
-            <a:xfrm rot="16200000" flipV="1">
-              <a:off x="3760017" y="5137866"/>
-              <a:ext cx="2717612" cy="45719"/>
-            </a:xfrm>
-            <a:prstGeom prst="rightArrow">
-              <a:avLst/>
-            </a:prstGeom>
-            <a:solidFill>
-              <a:schemeClr val="tx1"/>
-            </a:solidFill>
-            <a:ln w="19050">
-              <a:solidFill>
-                <a:schemeClr val="tx1"/>
-              </a:solidFill>
-            </a:ln>
-          </p:spPr>
-          <p:style>
-            <a:lnRef idx="2">
-              <a:schemeClr val="accent1">
-                <a:shade val="50000"/>
-              </a:schemeClr>
-            </a:lnRef>
-            <a:fillRef idx="1">
-              <a:schemeClr val="accent1"/>
-            </a:fillRef>
-            <a:effectRef idx="0">
-              <a:schemeClr val="accent1"/>
-            </a:effectRef>
-            <a:fontRef idx="minor">
-              <a:schemeClr val="lt1"/>
-            </a:fontRef>
-          </p:style>
-          <p:txBody>
-            <a:bodyPr rtlCol="0" anchor="ctr"/>
-            <a:lstStyle/>
-            <a:p>
-              <a:pPr algn="ctr"/>
-              <a:endParaRPr lang="en-US" sz="1500"/>
-            </a:p>
-          </p:txBody>
-        </p:sp>
-        <p:sp>
-          <p:nvSpPr>
-            <p:cNvPr id="105" name="Right Arrow 104"/>
-            <p:cNvSpPr/>
-            <p:nvPr/>
-          </p:nvSpPr>
-          <p:spPr>
-            <a:xfrm rot="16200000" flipV="1">
-              <a:off x="8194807" y="5545213"/>
-              <a:ext cx="1770711" cy="45719"/>
-            </a:xfrm>
-            <a:prstGeom prst="rightArrow">
-              <a:avLst/>
-            </a:prstGeom>
-            <a:solidFill>
-              <a:schemeClr val="tx1"/>
-            </a:solidFill>
-            <a:ln w="19050">
-              <a:solidFill>
-                <a:schemeClr val="tx1"/>
-              </a:solidFill>
-            </a:ln>
-          </p:spPr>
-          <p:style>
-            <a:lnRef idx="2">
-              <a:schemeClr val="accent1">
-                <a:shade val="50000"/>
-              </a:schemeClr>
-            </a:lnRef>
-            <a:fillRef idx="1">
-              <a:schemeClr val="accent1"/>
-            </a:fillRef>
-            <a:effectRef idx="0">
-              <a:schemeClr val="accent1"/>
-            </a:effectRef>
-            <a:fontRef idx="minor">
-              <a:schemeClr val="lt1"/>
-            </a:fontRef>
-          </p:style>
-          <p:txBody>
-            <a:bodyPr rtlCol="0" anchor="ctr"/>
-            <a:lstStyle/>
-            <a:p>
-              <a:pPr algn="ctr"/>
-              <a:endParaRPr lang="en-US" sz="1500"/>
-            </a:p>
-          </p:txBody>
-        </p:sp>
-        <p:sp>
-          <p:nvSpPr>
-            <p:cNvPr id="66" name="TextBox 65"/>
-            <p:cNvSpPr txBox="1"/>
-            <p:nvPr/>
-          </p:nvSpPr>
-          <p:spPr>
-            <a:xfrm>
-              <a:off x="3932119" y="3298600"/>
-              <a:ext cx="3393012" cy="553998"/>
-            </a:xfrm>
-            <a:prstGeom prst="rect">
-              <a:avLst/>
-            </a:prstGeom>
-            <a:noFill/>
-          </p:spPr>
-          <p:txBody>
-            <a:bodyPr wrap="square" rtlCol="0">
-              <a:spAutoFit/>
-            </a:bodyPr>
-            <a:lstStyle/>
-            <a:p>
-              <a:pPr algn="ctr"/>
-              <a:r>
-                <a:rPr lang="en-US" sz="1500" dirty="0" smtClean="0">
-                  <a:solidFill>
-                    <a:schemeClr val="accent6">
-                      <a:lumMod val="50000"/>
-                    </a:schemeClr>
-                  </a:solidFill>
-                </a:rPr>
-                <a:t>{District technical </a:t>
-              </a:r>
-              <a:r>
-                <a:rPr lang="en-US" sz="1500" smtClean="0">
-                  <a:solidFill>
-                    <a:schemeClr val="accent6">
-                      <a:lumMod val="50000"/>
-                    </a:schemeClr>
-                  </a:solidFill>
-                </a:rPr>
-                <a:t>working group at</a:t>
-              </a:r>
-            </a:p>
-            <a:p>
-              <a:pPr algn="ctr"/>
-              <a:r>
-                <a:rPr lang="en-US" sz="1500" smtClean="0">
-                  <a:solidFill>
-                    <a:schemeClr val="accent6">
-                      <a:lumMod val="50000"/>
-                    </a:schemeClr>
-                  </a:solidFill>
-                </a:rPr>
-                <a:t>Dien Bien Agricultural Service </a:t>
-              </a:r>
-              <a:r>
-                <a:rPr lang="en-US" sz="1500">
-                  <a:solidFill>
-                    <a:schemeClr val="accent6">
-                      <a:lumMod val="50000"/>
-                    </a:schemeClr>
-                  </a:solidFill>
-                </a:rPr>
-                <a:t>C</a:t>
-              </a:r>
-              <a:r>
-                <a:rPr lang="en-US" sz="1500" smtClean="0">
-                  <a:solidFill>
-                    <a:schemeClr val="accent6">
-                      <a:lumMod val="50000"/>
-                    </a:schemeClr>
-                  </a:solidFill>
-                </a:rPr>
-                <a:t>enter</a:t>
-              </a:r>
-              <a:r>
-                <a:rPr lang="en-US" sz="1500">
-                  <a:solidFill>
-                    <a:schemeClr val="accent6">
-                      <a:lumMod val="50000"/>
-                    </a:schemeClr>
-                  </a:solidFill>
-                </a:rPr>
-                <a:t>}</a:t>
-              </a:r>
-              <a:endParaRPr lang="en-US" sz="1500" dirty="0">
-                <a:solidFill>
-                  <a:schemeClr val="accent6">
-                    <a:lumMod val="50000"/>
-                  </a:schemeClr>
-                </a:solidFill>
-              </a:endParaRPr>
-            </a:p>
-          </p:txBody>
-        </p:sp>
-        <p:sp>
-          <p:nvSpPr>
-            <p:cNvPr id="69" name="TextBox 68"/>
-            <p:cNvSpPr txBox="1"/>
-            <p:nvPr/>
-          </p:nvSpPr>
-          <p:spPr>
-            <a:xfrm>
-              <a:off x="8406324" y="4382772"/>
-              <a:ext cx="2439068" cy="323165"/>
-            </a:xfrm>
-            <a:prstGeom prst="rect">
-              <a:avLst/>
-            </a:prstGeom>
-            <a:noFill/>
-          </p:spPr>
-          <p:txBody>
-            <a:bodyPr wrap="square" rtlCol="0">
-              <a:spAutoFit/>
-            </a:bodyPr>
-            <a:lstStyle/>
-            <a:p>
-              <a:r>
-                <a:rPr lang="en-US" sz="1500" dirty="0" smtClean="0">
-                  <a:solidFill>
-                    <a:schemeClr val="accent6">
-                      <a:lumMod val="50000"/>
-                    </a:schemeClr>
-                  </a:solidFill>
-                </a:rPr>
-                <a:t>{Women, men}</a:t>
-              </a:r>
-              <a:endParaRPr lang="en-US" sz="1500" dirty="0">
-                <a:solidFill>
-                  <a:schemeClr val="accent6">
-                    <a:lumMod val="50000"/>
-                  </a:schemeClr>
-                </a:solidFill>
-              </a:endParaRPr>
-            </a:p>
-          </p:txBody>
-        </p:sp>
-        <p:sp>
-          <p:nvSpPr>
-            <p:cNvPr id="7" name="Right Arrow 6"/>
-            <p:cNvSpPr/>
-            <p:nvPr/>
-          </p:nvSpPr>
-          <p:spPr>
-            <a:xfrm>
-              <a:off x="3477150" y="2152927"/>
-              <a:ext cx="1086436" cy="74180"/>
-            </a:xfrm>
-            <a:prstGeom prst="rightArrow">
-              <a:avLst/>
-            </a:prstGeom>
-          </p:spPr>
-          <p:style>
-            <a:lnRef idx="2">
-              <a:schemeClr val="dk1">
-                <a:shade val="50000"/>
-              </a:schemeClr>
-            </a:lnRef>
-            <a:fillRef idx="1">
-              <a:schemeClr val="dk1"/>
-            </a:fillRef>
-            <a:effectRef idx="0">
-              <a:schemeClr val="dk1"/>
-            </a:effectRef>
-            <a:fontRef idx="minor">
-              <a:schemeClr val="lt1"/>
-            </a:fontRef>
-          </p:style>
-          <p:txBody>
-            <a:bodyPr rtlCol="0" anchor="ctr"/>
-            <a:lstStyle/>
-            <a:p>
-              <a:pPr algn="ctr"/>
-              <a:endParaRPr lang="en-US" sz="1500"/>
-            </a:p>
-          </p:txBody>
-        </p:sp>
-        <p:sp>
-          <p:nvSpPr>
-            <p:cNvPr id="9" name="Left Arrow 8"/>
-            <p:cNvSpPr/>
-            <p:nvPr/>
-          </p:nvSpPr>
-          <p:spPr>
-            <a:xfrm>
-              <a:off x="3464934" y="2266741"/>
-              <a:ext cx="1082355" cy="62446"/>
-            </a:xfrm>
-            <a:prstGeom prst="leftArrow">
-              <a:avLst/>
-            </a:prstGeom>
-          </p:spPr>
-          <p:style>
-            <a:lnRef idx="2">
-              <a:schemeClr val="dk1">
-                <a:shade val="50000"/>
-              </a:schemeClr>
-            </a:lnRef>
-            <a:fillRef idx="1">
-              <a:schemeClr val="dk1"/>
-            </a:fillRef>
-            <a:effectRef idx="0">
-              <a:schemeClr val="dk1"/>
-            </a:effectRef>
-            <a:fontRef idx="minor">
-              <a:schemeClr val="lt1"/>
-            </a:fontRef>
-          </p:style>
-          <p:txBody>
-            <a:bodyPr rtlCol="0" anchor="ctr"/>
-            <a:lstStyle/>
-            <a:p>
-              <a:pPr algn="ctr"/>
-              <a:endParaRPr lang="en-US" sz="1500"/>
-            </a:p>
-          </p:txBody>
-        </p:sp>
-        <p:sp>
-          <p:nvSpPr>
-            <p:cNvPr id="72" name="Right Arrow 71"/>
-            <p:cNvSpPr/>
-            <p:nvPr/>
-          </p:nvSpPr>
-          <p:spPr>
-            <a:xfrm>
-              <a:off x="6234960" y="2145511"/>
-              <a:ext cx="933671" cy="80902"/>
-            </a:xfrm>
-            <a:prstGeom prst="rightArrow">
-              <a:avLst/>
-            </a:prstGeom>
-          </p:spPr>
-          <p:style>
-            <a:lnRef idx="2">
-              <a:schemeClr val="dk1">
-                <a:shade val="50000"/>
-              </a:schemeClr>
-            </a:lnRef>
-            <a:fillRef idx="1">
-              <a:schemeClr val="dk1"/>
-            </a:fillRef>
-            <a:effectRef idx="0">
-              <a:schemeClr val="dk1"/>
-            </a:effectRef>
-            <a:fontRef idx="minor">
-              <a:schemeClr val="lt1"/>
-            </a:fontRef>
-          </p:style>
-          <p:txBody>
-            <a:bodyPr rtlCol="0" anchor="ctr"/>
-            <a:lstStyle/>
-            <a:p>
-              <a:pPr algn="ctr"/>
-              <a:endParaRPr lang="en-US" sz="1500"/>
-            </a:p>
-          </p:txBody>
-        </p:sp>
-        <p:sp>
-          <p:nvSpPr>
-            <p:cNvPr id="73" name="Left Arrow 72"/>
-            <p:cNvSpPr/>
-            <p:nvPr/>
-          </p:nvSpPr>
-          <p:spPr>
-            <a:xfrm>
-              <a:off x="6216457" y="2236969"/>
-              <a:ext cx="943989" cy="94505"/>
-            </a:xfrm>
-            <a:prstGeom prst="leftArrow">
-              <a:avLst/>
-            </a:prstGeom>
-          </p:spPr>
-          <p:style>
-            <a:lnRef idx="2">
-              <a:schemeClr val="dk1">
-                <a:shade val="50000"/>
-              </a:schemeClr>
-            </a:lnRef>
-            <a:fillRef idx="1">
-              <a:schemeClr val="dk1"/>
-            </a:fillRef>
-            <a:effectRef idx="0">
-              <a:schemeClr val="dk1"/>
-            </a:effectRef>
-            <a:fontRef idx="minor">
-              <a:schemeClr val="lt1"/>
-            </a:fontRef>
-          </p:style>
-          <p:txBody>
-            <a:bodyPr rtlCol="0" anchor="ctr"/>
-            <a:lstStyle/>
-            <a:p>
-              <a:pPr algn="ctr"/>
-              <a:endParaRPr lang="en-US" sz="1500"/>
-            </a:p>
-          </p:txBody>
-        </p:sp>
-        <p:sp>
-          <p:nvSpPr>
-            <p:cNvPr id="111" name="TextBox 110"/>
-            <p:cNvSpPr txBox="1"/>
-            <p:nvPr/>
-          </p:nvSpPr>
-          <p:spPr>
-            <a:xfrm>
-              <a:off x="3435875" y="2411310"/>
-              <a:ext cx="1100783" cy="323165"/>
-            </a:xfrm>
-            <a:prstGeom prst="rect">
-              <a:avLst/>
-            </a:prstGeom>
-            <a:solidFill>
-              <a:schemeClr val="accent6">
-                <a:lumMod val="60000"/>
-                <a:lumOff val="40000"/>
-              </a:schemeClr>
-            </a:solidFill>
-          </p:spPr>
-          <p:txBody>
-            <a:bodyPr wrap="square" rtlCol="0">
-              <a:spAutoFit/>
-            </a:bodyPr>
-            <a:lstStyle/>
-            <a:p>
-              <a:pPr algn="ctr"/>
-              <a:r>
-                <a:rPr lang="en-US" sz="1500" smtClean="0"/>
-                <a:t>Feedback</a:t>
-              </a:r>
-              <a:endParaRPr lang="en-US" sz="1500" dirty="0"/>
-            </a:p>
-          </p:txBody>
-        </p:sp>
-        <p:cxnSp>
-          <p:nvCxnSpPr>
-            <p:cNvPr id="20" name="Straight Connector 19"/>
-            <p:cNvCxnSpPr/>
-            <p:nvPr/>
-          </p:nvCxnSpPr>
-          <p:spPr>
-            <a:xfrm>
-              <a:off x="5187419" y="3801920"/>
-              <a:ext cx="16452" cy="2649697"/>
-            </a:xfrm>
-            <a:prstGeom prst="line">
-              <a:avLst/>
-            </a:prstGeom>
-            <a:ln w="38100">
-              <a:solidFill>
-                <a:schemeClr val="tx1"/>
-              </a:solidFill>
-            </a:ln>
-          </p:spPr>
-          <p:style>
-            <a:lnRef idx="1">
-              <a:schemeClr val="accent1"/>
-            </a:lnRef>
-            <a:fillRef idx="0">
-              <a:schemeClr val="accent1"/>
-            </a:fillRef>
-            <a:effectRef idx="0">
-              <a:schemeClr val="accent1"/>
-            </a:effectRef>
-            <a:fontRef idx="minor">
-              <a:schemeClr val="tx1"/>
-            </a:fontRef>
-          </p:style>
-        </p:cxnSp>
-        <p:sp>
-          <p:nvSpPr>
-            <p:cNvPr id="21" name="Right Arrow 20"/>
-            <p:cNvSpPr/>
-            <p:nvPr/>
-          </p:nvSpPr>
-          <p:spPr>
-            <a:xfrm>
-              <a:off x="5208029" y="6404340"/>
-              <a:ext cx="506097" cy="45719"/>
-            </a:xfrm>
-            <a:prstGeom prst="rightArrow">
-              <a:avLst/>
-            </a:prstGeom>
-          </p:spPr>
-          <p:style>
-            <a:lnRef idx="2">
-              <a:schemeClr val="dk1">
-                <a:shade val="50000"/>
-              </a:schemeClr>
-            </a:lnRef>
-            <a:fillRef idx="1">
-              <a:schemeClr val="dk1"/>
-            </a:fillRef>
-            <a:effectRef idx="0">
-              <a:schemeClr val="dk1"/>
-            </a:effectRef>
-            <a:fontRef idx="minor">
-              <a:schemeClr val="lt1"/>
-            </a:fontRef>
-          </p:style>
-          <p:txBody>
-            <a:bodyPr rtlCol="0" anchor="ctr"/>
-            <a:lstStyle/>
-            <a:p>
-              <a:pPr algn="ctr"/>
-              <a:endParaRPr lang="en-US" sz="1500"/>
-            </a:p>
-          </p:txBody>
-        </p:sp>
-        <p:cxnSp>
-          <p:nvCxnSpPr>
-            <p:cNvPr id="120" name="Straight Connector 119"/>
-            <p:cNvCxnSpPr/>
-            <p:nvPr/>
-          </p:nvCxnSpPr>
-          <p:spPr>
-            <a:xfrm flipH="1">
-              <a:off x="9177893" y="4673091"/>
-              <a:ext cx="5683" cy="1881721"/>
-            </a:xfrm>
-            <a:prstGeom prst="line">
-              <a:avLst/>
-            </a:prstGeom>
-            <a:ln w="38100">
-              <a:solidFill>
-                <a:schemeClr val="tx1"/>
-              </a:solidFill>
-            </a:ln>
-          </p:spPr>
-          <p:style>
-            <a:lnRef idx="1">
-              <a:schemeClr val="accent1"/>
-            </a:lnRef>
-            <a:fillRef idx="0">
-              <a:schemeClr val="accent1"/>
-            </a:fillRef>
-            <a:effectRef idx="0">
-              <a:schemeClr val="accent1"/>
-            </a:effectRef>
-            <a:fontRef idx="minor">
-              <a:schemeClr val="tx1"/>
-            </a:fontRef>
-          </p:style>
-        </p:cxnSp>
-        <p:sp>
-          <p:nvSpPr>
-            <p:cNvPr id="100" name="Left Arrow 99"/>
-            <p:cNvSpPr/>
-            <p:nvPr/>
-          </p:nvSpPr>
-          <p:spPr>
-            <a:xfrm>
-              <a:off x="7781964" y="6420419"/>
-              <a:ext cx="1275339" cy="60725"/>
-            </a:xfrm>
-            <a:prstGeom prst="leftArrow">
-              <a:avLst/>
-            </a:prstGeom>
-          </p:spPr>
-          <p:style>
-            <a:lnRef idx="2">
-              <a:schemeClr val="dk1">
-                <a:shade val="50000"/>
-              </a:schemeClr>
-            </a:lnRef>
-            <a:fillRef idx="1">
-              <a:schemeClr val="dk1"/>
-            </a:fillRef>
-            <a:effectRef idx="0">
-              <a:schemeClr val="dk1"/>
-            </a:effectRef>
-            <a:fontRef idx="minor">
-              <a:schemeClr val="lt1"/>
-            </a:fontRef>
-          </p:style>
-          <p:txBody>
-            <a:bodyPr rtlCol="0" anchor="ctr"/>
-            <a:lstStyle/>
-            <a:p>
-              <a:pPr algn="ctr"/>
-              <a:endParaRPr lang="en-US" sz="1500"/>
-            </a:p>
-          </p:txBody>
-        </p:sp>
-        <p:pic>
-          <p:nvPicPr>
-            <p:cNvPr id="90" name="Picture 89"/>
-            <p:cNvPicPr>
-              <a:picLocks noChangeAspect="1"/>
-            </p:cNvPicPr>
-            <p:nvPr/>
-          </p:nvPicPr>
-          <p:blipFill rotWithShape="1">
-            <a:blip r:embed="rId7" cstate="print">
-              <a:extLst>
-                <a:ext uri="{28A0092B-C50C-407E-A947-70E740481C1C}">
-                  <a14:useLocalDpi xmlns:a14="http://schemas.microsoft.com/office/drawing/2010/main" val="0"/>
-                </a:ext>
-              </a:extLst>
-            </a:blip>
-            <a:srcRect l="34747" t="55788" r="55134" b="25901"/>
-            <a:stretch/>
-          </p:blipFill>
-          <p:spPr>
-            <a:xfrm>
-              <a:off x="723572" y="364232"/>
-              <a:ext cx="286034" cy="375267"/>
-            </a:xfrm>
-            <a:prstGeom prst="rect">
-              <a:avLst/>
-            </a:prstGeom>
-          </p:spPr>
-        </p:pic>
-        <p:sp>
-          <p:nvSpPr>
-            <p:cNvPr id="124" name="Right Arrow 123"/>
-            <p:cNvSpPr/>
-            <p:nvPr/>
-          </p:nvSpPr>
-          <p:spPr>
-            <a:xfrm>
-              <a:off x="1388562" y="2207248"/>
-              <a:ext cx="801287" cy="72372"/>
-            </a:xfrm>
-            <a:prstGeom prst="rightArrow">
-              <a:avLst/>
-            </a:prstGeom>
-          </p:spPr>
-          <p:style>
-            <a:lnRef idx="2">
-              <a:schemeClr val="dk1">
-                <a:shade val="50000"/>
-              </a:schemeClr>
-            </a:lnRef>
-            <a:fillRef idx="1">
-              <a:schemeClr val="dk1"/>
-            </a:fillRef>
-            <a:effectRef idx="0">
-              <a:schemeClr val="dk1"/>
-            </a:effectRef>
-            <a:fontRef idx="minor">
-              <a:schemeClr val="lt1"/>
-            </a:fontRef>
-          </p:style>
-          <p:txBody>
-            <a:bodyPr rtlCol="0" anchor="ctr"/>
-            <a:lstStyle/>
-            <a:p>
-              <a:pPr algn="ctr"/>
-              <a:endParaRPr lang="en-US" sz="1500"/>
-            </a:p>
-          </p:txBody>
-        </p:sp>
-        <p:sp>
-          <p:nvSpPr>
-            <p:cNvPr id="132" name="TextBox 131"/>
-            <p:cNvSpPr txBox="1"/>
-            <p:nvPr/>
-          </p:nvSpPr>
-          <p:spPr>
-            <a:xfrm>
-              <a:off x="7350410" y="1921687"/>
-              <a:ext cx="2840175" cy="784830"/>
-            </a:xfrm>
-            <a:prstGeom prst="rect">
-              <a:avLst/>
-            </a:prstGeom>
-            <a:solidFill>
-              <a:schemeClr val="accent4">
-                <a:lumMod val="60000"/>
-                <a:lumOff val="40000"/>
-              </a:schemeClr>
-            </a:solidFill>
-          </p:spPr>
-          <p:txBody>
-            <a:bodyPr wrap="square" rtlCol="0">
-              <a:spAutoFit/>
-            </a:bodyPr>
-            <a:lstStyle/>
-            <a:p>
-              <a:pPr algn="r"/>
-              <a:r>
-                <a:rPr lang="en-US" sz="1500" smtClean="0"/>
-                <a:t>Weekly SMS (1,2)</a:t>
-              </a:r>
-            </a:p>
-            <a:p>
-              <a:pPr algn="r"/>
-              <a:r>
-                <a:rPr lang="en-US" sz="1500" smtClean="0"/>
-                <a:t>Weekly </a:t>
-              </a:r>
-              <a:r>
-                <a:rPr lang="en-US" sz="1500" smtClean="0"/>
-                <a:t>SMS + loudspeaker </a:t>
-              </a:r>
-              <a:r>
-                <a:rPr lang="en-US" sz="1500" smtClean="0"/>
-                <a:t>(3)</a:t>
-              </a:r>
-            </a:p>
-            <a:p>
-              <a:pPr algn="r"/>
-              <a:r>
-                <a:rPr lang="en-US" sz="1500" smtClean="0"/>
-                <a:t>Weekly Paper + loudspeaker (4)</a:t>
-              </a:r>
-              <a:endParaRPr lang="en-US" sz="1500" dirty="0"/>
-            </a:p>
-          </p:txBody>
-        </p:sp>
-        <p:pic>
-          <p:nvPicPr>
-            <p:cNvPr id="127" name="Picture 126"/>
-            <p:cNvPicPr>
-              <a:picLocks noChangeAspect="1"/>
-            </p:cNvPicPr>
-            <p:nvPr/>
-          </p:nvPicPr>
-          <p:blipFill rotWithShape="1">
-            <a:blip r:embed="rId7" cstate="print">
-              <a:extLst>
-                <a:ext uri="{28A0092B-C50C-407E-A947-70E740481C1C}">
-                  <a14:useLocalDpi xmlns:a14="http://schemas.microsoft.com/office/drawing/2010/main" val="0"/>
-                </a:ext>
-              </a:extLst>
-            </a:blip>
-            <a:srcRect l="34747" t="55788" r="55134" b="25901"/>
-            <a:stretch/>
-          </p:blipFill>
-          <p:spPr>
-            <a:xfrm>
-              <a:off x="1103078" y="574723"/>
-              <a:ext cx="286034" cy="375267"/>
-            </a:xfrm>
-            <a:prstGeom prst="rect">
-              <a:avLst/>
-            </a:prstGeom>
-          </p:spPr>
-        </p:pic>
-        <p:sp>
-          <p:nvSpPr>
-            <p:cNvPr id="142" name="TextBox 141"/>
-            <p:cNvSpPr txBox="1"/>
-            <p:nvPr/>
-          </p:nvSpPr>
-          <p:spPr>
-            <a:xfrm>
-              <a:off x="65470" y="963341"/>
-              <a:ext cx="2709184" cy="323165"/>
-            </a:xfrm>
-            <a:prstGeom prst="rect">
-              <a:avLst/>
-            </a:prstGeom>
-            <a:solidFill>
-              <a:schemeClr val="accent4">
-                <a:lumMod val="60000"/>
-                <a:lumOff val="40000"/>
-              </a:schemeClr>
-            </a:solidFill>
-          </p:spPr>
-          <p:txBody>
-            <a:bodyPr wrap="square" rtlCol="0">
-              <a:spAutoFit/>
-            </a:bodyPr>
-            <a:lstStyle/>
-            <a:p>
-              <a:r>
-                <a:rPr lang="en-US" sz="1500" smtClean="0"/>
-                <a:t>New mini weather stations (1)</a:t>
-              </a:r>
-              <a:endParaRPr lang="en-US" sz="1500" dirty="0"/>
-            </a:p>
-          </p:txBody>
-        </p:sp>
-        <p:pic>
-          <p:nvPicPr>
-            <p:cNvPr id="106" name="Picture 105"/>
-            <p:cNvPicPr>
-              <a:picLocks noChangeAspect="1"/>
-            </p:cNvPicPr>
-            <p:nvPr/>
-          </p:nvPicPr>
-          <p:blipFill rotWithShape="1">
-            <a:blip r:embed="rId7" cstate="print">
-              <a:extLst>
-                <a:ext uri="{28A0092B-C50C-407E-A947-70E740481C1C}">
-                  <a14:useLocalDpi xmlns:a14="http://schemas.microsoft.com/office/drawing/2010/main" val="0"/>
-                </a:ext>
-              </a:extLst>
-            </a:blip>
-            <a:srcRect l="34747" t="55788" r="55134" b="25901"/>
-            <a:stretch/>
-          </p:blipFill>
-          <p:spPr>
-            <a:xfrm>
-              <a:off x="875972" y="516632"/>
-              <a:ext cx="286034" cy="375267"/>
-            </a:xfrm>
-            <a:prstGeom prst="rect">
-              <a:avLst/>
-            </a:prstGeom>
-          </p:spPr>
-        </p:pic>
-        <p:sp>
-          <p:nvSpPr>
-            <p:cNvPr id="126" name="TextBox 125"/>
-            <p:cNvSpPr txBox="1"/>
-            <p:nvPr/>
-          </p:nvSpPr>
-          <p:spPr>
-            <a:xfrm>
-              <a:off x="668011" y="3385191"/>
-              <a:ext cx="2242388" cy="553998"/>
-            </a:xfrm>
-            <a:prstGeom prst="rect">
-              <a:avLst/>
-            </a:prstGeom>
-            <a:noFill/>
-          </p:spPr>
-          <p:txBody>
-            <a:bodyPr wrap="square" rtlCol="0">
-              <a:spAutoFit/>
-            </a:bodyPr>
-            <a:lstStyle/>
-            <a:p>
-              <a:pPr algn="ctr"/>
-              <a:r>
-                <a:rPr lang="en-US" sz="1500" dirty="0">
-                  <a:solidFill>
-                    <a:schemeClr val="accent6">
-                      <a:lumMod val="50000"/>
-                    </a:schemeClr>
-                  </a:solidFill>
-                </a:rPr>
-                <a:t>{</a:t>
-              </a:r>
-              <a:r>
-                <a:rPr lang="en-US" sz="1500" smtClean="0">
-                  <a:solidFill>
-                    <a:schemeClr val="accent6">
-                      <a:lumMod val="50000"/>
-                    </a:schemeClr>
-                  </a:solidFill>
-                </a:rPr>
-                <a:t>Provincial </a:t>
-              </a:r>
-              <a:r>
-                <a:rPr lang="en-US" sz="1500">
-                  <a:solidFill>
-                    <a:schemeClr val="accent6">
-                      <a:lumMod val="50000"/>
-                    </a:schemeClr>
-                  </a:solidFill>
-                </a:rPr>
-                <a:t>M</a:t>
-              </a:r>
-              <a:r>
-                <a:rPr lang="en-US" sz="1500" smtClean="0">
-                  <a:solidFill>
-                    <a:schemeClr val="accent6">
-                      <a:lumMod val="50000"/>
-                    </a:schemeClr>
-                  </a:solidFill>
-                </a:rPr>
-                <a:t>eteorological </a:t>
-              </a:r>
-              <a:r>
-                <a:rPr lang="en-US" sz="1500" dirty="0">
-                  <a:solidFill>
-                    <a:schemeClr val="accent6">
-                      <a:lumMod val="50000"/>
-                    </a:schemeClr>
-                  </a:solidFill>
-                </a:rPr>
-                <a:t>S</a:t>
-              </a:r>
-              <a:r>
-                <a:rPr lang="en-US" sz="1500" smtClean="0">
-                  <a:solidFill>
-                    <a:schemeClr val="accent6">
-                      <a:lumMod val="50000"/>
-                    </a:schemeClr>
-                  </a:solidFill>
-                </a:rPr>
-                <a:t>tation</a:t>
-              </a:r>
-              <a:r>
-                <a:rPr lang="en-US" sz="1500" dirty="0" smtClean="0">
-                  <a:solidFill>
-                    <a:schemeClr val="accent6">
-                      <a:lumMod val="50000"/>
-                    </a:schemeClr>
-                  </a:solidFill>
-                </a:rPr>
-                <a:t>} </a:t>
-              </a:r>
-              <a:endParaRPr lang="en-US" sz="1500" dirty="0">
-                <a:solidFill>
-                  <a:schemeClr val="accent6">
-                    <a:lumMod val="50000"/>
-                  </a:schemeClr>
-                </a:solidFill>
-              </a:endParaRPr>
-            </a:p>
-          </p:txBody>
-        </p:sp>
-        <p:grpSp>
-          <p:nvGrpSpPr>
-            <p:cNvPr id="5" name="Group 4"/>
-            <p:cNvGrpSpPr/>
-            <p:nvPr/>
-          </p:nvGrpSpPr>
-          <p:grpSpPr>
-            <a:xfrm>
-              <a:off x="3999007" y="639574"/>
-              <a:ext cx="2716755" cy="2300194"/>
-              <a:chOff x="4172562" y="770090"/>
-              <a:chExt cx="2716755" cy="2300194"/>
-            </a:xfrm>
-          </p:grpSpPr>
+            <p:style>
+              <a:lnRef idx="2">
+                <a:schemeClr val="accent1">
+                  <a:shade val="50000"/>
+                </a:schemeClr>
+              </a:lnRef>
+              <a:fillRef idx="1">
+                <a:schemeClr val="accent1"/>
+              </a:fillRef>
+              <a:effectRef idx="0">
+                <a:schemeClr val="accent1"/>
+              </a:effectRef>
+              <a:fontRef idx="minor">
+                <a:schemeClr val="lt1"/>
+              </a:fontRef>
+            </p:style>
+            <p:txBody>
+              <a:bodyPr rtlCol="0" anchor="ctr"/>
+              <a:lstStyle/>
+              <a:p>
+                <a:pPr algn="ctr"/>
+                <a:endParaRPr lang="en-US" sz="1500"/>
+              </a:p>
+            </p:txBody>
+          </p:sp>
           <p:grpSp>
             <p:nvGrpSpPr>
-              <p:cNvPr id="78" name="Group 77"/>
+              <p:cNvPr id="60" name="Group 59"/>
               <p:cNvGrpSpPr/>
               <p:nvPr/>
             </p:nvGrpSpPr>
             <p:grpSpPr>
               <a:xfrm>
-                <a:off x="5914790" y="788920"/>
-                <a:ext cx="974527" cy="843830"/>
-                <a:chOff x="6626731" y="3180234"/>
-                <a:chExt cx="1247706" cy="825096"/>
+                <a:off x="8610819" y="2675251"/>
+                <a:ext cx="1038116" cy="1253991"/>
+                <a:chOff x="108483" y="4535275"/>
+                <a:chExt cx="1628087" cy="1847815"/>
               </a:xfrm>
             </p:grpSpPr>
             <p:pic>
               <p:nvPicPr>
-                <p:cNvPr id="75" name="Picture 74"/>
+                <p:cNvPr id="25" name="Picture 24"/>
                 <p:cNvPicPr>
                   <a:picLocks noChangeAspect="1"/>
                 </p:cNvPicPr>
                 <p:nvPr/>
               </p:nvPicPr>
-              <p:blipFill>
-                <a:blip r:embed="rId10" cstate="print">
-                  <a:extLst>
-                    <a:ext uri="{28A0092B-C50C-407E-A947-70E740481C1C}">
-                      <a14:useLocalDpi xmlns:a14="http://schemas.microsoft.com/office/drawing/2010/main" val="0"/>
-                    </a:ext>
-                  </a:extLst>
-                </a:blip>
-                <a:stretch>
-                  <a:fillRect/>
-                </a:stretch>
+              <p:blipFill rotWithShape="1">
+                <a:blip r:embed="rId3"/>
+                <a:srcRect l="19789" t="21301" r="49225" b="18785"/>
+                <a:stretch/>
               </p:blipFill>
               <p:spPr>
                 <a:xfrm>
-                  <a:off x="6626731" y="3180234"/>
-                  <a:ext cx="1247706" cy="825096"/>
+                  <a:off x="108483" y="5184581"/>
+                  <a:ext cx="733086" cy="944988"/>
                 </a:xfrm>
                 <a:prstGeom prst="rect">
                   <a:avLst/>
@@ -5116,27 +3536,123 @@
             </p:pic>
             <p:pic>
               <p:nvPicPr>
-                <p:cNvPr id="76" name="Picture 75"/>
+                <p:cNvPr id="56" name="Picture 55"/>
                 <p:cNvPicPr>
                   <a:picLocks noChangeAspect="1"/>
                 </p:cNvPicPr>
                 <p:nvPr/>
               </p:nvPicPr>
               <p:blipFill rotWithShape="1">
-                <a:blip r:embed="rId11" cstate="print">
+                <a:blip r:embed="rId3"/>
+                <a:srcRect l="19789" t="21301" r="49225" b="18785"/>
+                <a:stretch/>
+              </p:blipFill>
+              <p:spPr>
+                <a:xfrm>
+                  <a:off x="840918" y="5438102"/>
+                  <a:ext cx="733086" cy="944988"/>
+                </a:xfrm>
+                <a:prstGeom prst="rect">
+                  <a:avLst/>
+                </a:prstGeom>
+              </p:spPr>
+            </p:pic>
+            <p:pic>
+              <p:nvPicPr>
+                <p:cNvPr id="57" name="Picture 56"/>
+                <p:cNvPicPr>
+                  <a:picLocks noChangeAspect="1"/>
+                </p:cNvPicPr>
+                <p:nvPr/>
+              </p:nvPicPr>
+              <p:blipFill rotWithShape="1">
+                <a:blip r:embed="rId4" cstate="print">
                   <a:extLst>
                     <a:ext uri="{28A0092B-C50C-407E-A947-70E740481C1C}">
                       <a14:useLocalDpi xmlns:a14="http://schemas.microsoft.com/office/drawing/2010/main" val="0"/>
                     </a:ext>
                   </a:extLst>
                 </a:blip>
-                <a:srcRect l="28716" t="7043" r="23709" b="11831"/>
+                <a:srcRect l="3517" t="10727" r="53863" b="19699"/>
                 <a:stretch/>
               </p:blipFill>
               <p:spPr>
                 <a:xfrm>
-                  <a:off x="7116841" y="3231553"/>
-                  <a:ext cx="142593" cy="324211"/>
+                  <a:off x="951302" y="4535275"/>
+                  <a:ext cx="785268" cy="632789"/>
+                </a:xfrm>
+                <a:prstGeom prst="rect">
+                  <a:avLst/>
+                </a:prstGeom>
+              </p:spPr>
+            </p:pic>
+          </p:grpSp>
+          <p:grpSp>
+            <p:nvGrpSpPr>
+              <p:cNvPr id="4" name="Group 3"/>
+              <p:cNvGrpSpPr/>
+              <p:nvPr/>
+            </p:nvGrpSpPr>
+            <p:grpSpPr>
+              <a:xfrm>
+                <a:off x="2253803" y="1726998"/>
+                <a:ext cx="852138" cy="960500"/>
+                <a:chOff x="1773841" y="1177243"/>
+                <a:chExt cx="1134072" cy="1309583"/>
+              </a:xfrm>
+            </p:grpSpPr>
+            <p:pic>
+              <p:nvPicPr>
+                <p:cNvPr id="3" name="Picture 2"/>
+                <p:cNvPicPr>
+                  <a:picLocks noChangeAspect="1"/>
+                </p:cNvPicPr>
+                <p:nvPr/>
+              </p:nvPicPr>
+              <p:blipFill rotWithShape="1">
+                <a:blip r:embed="rId5" cstate="print">
+                  <a:extLst>
+                    <a:ext uri="{28A0092B-C50C-407E-A947-70E740481C1C}">
+                      <a14:useLocalDpi xmlns:a14="http://schemas.microsoft.com/office/drawing/2010/main" val="0"/>
+                    </a:ext>
+                  </a:extLst>
+                </a:blip>
+                <a:srcRect l="18828" t="8033" r="28455" b="10799"/>
+                <a:stretch/>
+              </p:blipFill>
+              <p:spPr>
+                <a:xfrm>
+                  <a:off x="1773841" y="1177243"/>
+                  <a:ext cx="1134072" cy="1309583"/>
+                </a:xfrm>
+                <a:prstGeom prst="rect">
+                  <a:avLst/>
+                </a:prstGeom>
+              </p:spPr>
+            </p:pic>
+            <p:pic>
+              <p:nvPicPr>
+                <p:cNvPr id="62" name="Picture 61"/>
+                <p:cNvPicPr>
+                  <a:picLocks noChangeAspect="1"/>
+                </p:cNvPicPr>
+                <p:nvPr/>
+              </p:nvPicPr>
+              <p:blipFill rotWithShape="1">
+                <a:blip r:embed="rId6" cstate="print">
+                  <a:extLst>
+                    <a:ext uri="{28A0092B-C50C-407E-A947-70E740481C1C}">
+                      <a14:useLocalDpi xmlns:a14="http://schemas.microsoft.com/office/drawing/2010/main" val="0"/>
+                    </a:ext>
+                  </a:extLst>
+                </a:blip>
+                <a:srcRect b="7699"/>
+                <a:stretch/>
+              </p:blipFill>
+              <p:spPr>
+                <a:xfrm>
+                  <a:off x="2213953" y="1349008"/>
+                  <a:ext cx="531850" cy="529681"/>
                 </a:xfrm>
                 <a:prstGeom prst="rect">
                   <a:avLst/>
@@ -5146,101 +3662,107 @@
           </p:grpSp>
           <p:pic>
             <p:nvPicPr>
-              <p:cNvPr id="32" name="Picture 31"/>
+              <p:cNvPr id="13" name="Picture 12"/>
               <p:cNvPicPr>
                 <a:picLocks noChangeAspect="1"/>
               </p:cNvPicPr>
               <p:nvPr/>
             </p:nvPicPr>
             <p:blipFill rotWithShape="1">
-              <a:blip r:embed="rId12" cstate="print">
+              <a:blip r:embed="rId7">
                 <a:extLst>
                   <a:ext uri="{28A0092B-C50C-407E-A947-70E740481C1C}">
                     <a14:useLocalDpi xmlns:a14="http://schemas.microsoft.com/office/drawing/2010/main" val="0"/>
                   </a:ext>
                 </a:extLst>
               </a:blip>
-              <a:srcRect l="16768" t="1765" r="14616"/>
+              <a:srcRect l="34747" t="55788" r="55134" b="25901"/>
               <a:stretch/>
             </p:blipFill>
             <p:spPr>
               <a:xfrm>
-                <a:off x="4205487" y="770090"/>
-                <a:ext cx="853535" cy="871990"/>
+                <a:off x="606365" y="1688119"/>
+                <a:ext cx="531802" cy="952334"/>
               </a:xfrm>
-              <a:prstGeom prst="ellipse">
+              <a:prstGeom prst="rect">
+                <a:avLst/>
+              </a:prstGeom>
+            </p:spPr>
+          </p:pic>
+          <p:sp>
+            <p:nvSpPr>
+              <p:cNvPr id="63" name="TextBox 62"/>
+              <p:cNvSpPr txBox="1"/>
+              <p:nvPr/>
+            </p:nvSpPr>
+            <p:spPr>
+              <a:xfrm>
+                <a:off x="111414" y="2824062"/>
+                <a:ext cx="1613805" cy="553998"/>
+              </a:xfrm>
+              <a:prstGeom prst="rect">
+                <a:avLst/>
+              </a:prstGeom>
+              <a:solidFill>
+                <a:schemeClr val="accent6">
+                  <a:lumMod val="60000"/>
+                  <a:lumOff val="40000"/>
+                </a:schemeClr>
+              </a:solidFill>
+            </p:spPr>
+            <p:txBody>
+              <a:bodyPr wrap="square" rtlCol="0">
+                <a:spAutoFit/>
+              </a:bodyPr>
+              <a:lstStyle/>
+              <a:p>
+                <a:r>
+                  <a:rPr lang="en-US" sz="1500" smtClean="0"/>
+                  <a:t>Collect data from observation point</a:t>
+                </a:r>
+                <a:endParaRPr lang="en-US" sz="1500" dirty="0"/>
+              </a:p>
+            </p:txBody>
+          </p:sp>
+          <p:pic>
+            <p:nvPicPr>
+              <p:cNvPr id="79" name="Picture 78"/>
+              <p:cNvPicPr>
+                <a:picLocks noChangeAspect="1"/>
+              </p:cNvPicPr>
+              <p:nvPr/>
+            </p:nvPicPr>
+            <p:blipFill rotWithShape="1">
+              <a:blip r:embed="rId8" cstate="print">
+                <a:extLst>
+                  <a:ext uri="{28A0092B-C50C-407E-A947-70E740481C1C}">
+                    <a14:useLocalDpi xmlns:a14="http://schemas.microsoft.com/office/drawing/2010/main" val="0"/>
+                  </a:ext>
+                </a:extLst>
+              </a:blip>
+              <a:srcRect l="31409" t="3792" r="30704" b="4684"/>
+              <a:stretch/>
+            </p:blipFill>
+            <p:spPr>
+              <a:xfrm>
+                <a:off x="8144452" y="4694500"/>
+                <a:ext cx="267532" cy="358035"/>
+              </a:xfrm>
+              <a:prstGeom prst="rect">
                 <a:avLst/>
               </a:prstGeom>
             </p:spPr>
           </p:pic>
           <p:pic>
             <p:nvPicPr>
-              <p:cNvPr id="33" name="Picture 32"/>
-              <p:cNvPicPr>
-                <a:picLocks noChangeAspect="1"/>
-              </p:cNvPicPr>
-              <p:nvPr/>
-            </p:nvPicPr>
-            <p:blipFill rotWithShape="1">
-              <a:blip r:embed="rId13" cstate="print">
-                <a:extLst>
-                  <a:ext uri="{28A0092B-C50C-407E-A947-70E740481C1C}">
-                    <a14:useLocalDpi xmlns:a14="http://schemas.microsoft.com/office/drawing/2010/main" val="0"/>
-                  </a:ext>
-                </a:extLst>
-              </a:blip>
-              <a:srcRect t="9410"/>
-              <a:stretch/>
-            </p:blipFill>
-            <p:spPr>
-              <a:xfrm>
-                <a:off x="4491897" y="817995"/>
-                <a:ext cx="306098" cy="378493"/>
-              </a:xfrm>
-              <a:prstGeom prst="ellipse">
-                <a:avLst/>
-              </a:prstGeom>
-            </p:spPr>
-          </p:pic>
-          <p:pic>
-            <p:nvPicPr>
-              <p:cNvPr id="34" name="Picture 33"/>
-              <p:cNvPicPr>
-                <a:picLocks noChangeAspect="1"/>
-              </p:cNvPicPr>
-              <p:nvPr/>
-            </p:nvPicPr>
-            <p:blipFill rotWithShape="1">
-              <a:blip r:embed="rId14" cstate="print">
-                <a:extLst>
-                  <a:ext uri="{28A0092B-C50C-407E-A947-70E740481C1C}">
-                    <a14:useLocalDpi xmlns:a14="http://schemas.microsoft.com/office/drawing/2010/main" val="0"/>
-                  </a:ext>
-                </a:extLst>
-              </a:blip>
-              <a:srcRect l="6831" t="5744" r="51268" b="4616"/>
-              <a:stretch/>
-            </p:blipFill>
-            <p:spPr>
-              <a:xfrm>
-                <a:off x="4305849" y="806857"/>
-                <a:ext cx="226323" cy="349793"/>
-              </a:xfrm>
-              <a:prstGeom prst="ellipse">
-                <a:avLst/>
-              </a:prstGeom>
-            </p:spPr>
-          </p:pic>
-          <p:pic>
-            <p:nvPicPr>
-              <p:cNvPr id="18" name="Picture 17"/>
+              <p:cNvPr id="84" name="Picture 83"/>
               <p:cNvPicPr>
                 <a:picLocks noChangeAspect="1"/>
               </p:cNvPicPr>
               <p:nvPr/>
             </p:nvPicPr>
             <p:blipFill>
-              <a:blip r:embed="rId15" cstate="print">
+              <a:blip r:embed="rId9" cstate="print">
                 <a:extLst>
                   <a:ext uri="{28A0092B-C50C-407E-A947-70E740481C1C}">
                     <a14:useLocalDpi xmlns:a14="http://schemas.microsoft.com/office/drawing/2010/main" val="0"/>
@@ -5253,24 +3775,388 @@
             </p:blipFill>
             <p:spPr>
               <a:xfrm>
-                <a:off x="4856700" y="1652235"/>
-                <a:ext cx="1309070" cy="1418049"/>
+                <a:off x="7763072" y="4694500"/>
+                <a:ext cx="337252" cy="381099"/>
               </a:xfrm>
-              <a:prstGeom prst="ellipse">
+              <a:prstGeom prst="rect">
                 <a:avLst/>
               </a:prstGeom>
             </p:spPr>
           </p:pic>
           <p:sp>
             <p:nvSpPr>
-              <p:cNvPr id="51" name="Right Arrow 50"/>
+              <p:cNvPr id="87" name="TextBox 86"/>
+              <p:cNvSpPr txBox="1"/>
+              <p:nvPr/>
+            </p:nvSpPr>
+            <p:spPr>
+              <a:xfrm>
+                <a:off x="1882515" y="2821088"/>
+                <a:ext cx="1406872" cy="553998"/>
+              </a:xfrm>
+              <a:prstGeom prst="rect">
+                <a:avLst/>
+              </a:prstGeom>
+              <a:solidFill>
+                <a:schemeClr val="accent6">
+                  <a:lumMod val="60000"/>
+                  <a:lumOff val="40000"/>
+                </a:schemeClr>
+              </a:solidFill>
+            </p:spPr>
+            <p:txBody>
+              <a:bodyPr wrap="square" rtlCol="0">
+                <a:spAutoFit/>
+              </a:bodyPr>
+              <a:lstStyle/>
+              <a:p>
+                <a:pPr algn="ctr"/>
+                <a:r>
+                  <a:rPr lang="en-US" sz="1500" smtClean="0"/>
+                  <a:t>Forecast, </a:t>
+                </a:r>
+                <a:endParaRPr lang="en-US" sz="1500" dirty="0" smtClean="0"/>
+              </a:p>
+              <a:p>
+                <a:pPr algn="ctr"/>
+                <a:r>
+                  <a:rPr lang="en-US" sz="1500"/>
+                  <a:t>m</a:t>
+                </a:r>
+                <a:r>
+                  <a:rPr lang="en-US" sz="1500" smtClean="0"/>
+                  <a:t>onitor quality</a:t>
+                </a:r>
+                <a:endParaRPr lang="en-US" sz="1500" dirty="0"/>
+              </a:p>
+            </p:txBody>
+          </p:sp>
+          <p:sp>
+            <p:nvSpPr>
+              <p:cNvPr id="95" name="TextBox 94"/>
+              <p:cNvSpPr txBox="1"/>
+              <p:nvPr/>
+            </p:nvSpPr>
+            <p:spPr>
+              <a:xfrm>
+                <a:off x="5743514" y="5144122"/>
+                <a:ext cx="3232755" cy="553998"/>
+              </a:xfrm>
+              <a:prstGeom prst="rect">
+                <a:avLst/>
+              </a:prstGeom>
+              <a:solidFill>
+                <a:schemeClr val="accent4">
+                  <a:lumMod val="60000"/>
+                  <a:lumOff val="40000"/>
+                </a:schemeClr>
+              </a:solidFill>
+            </p:spPr>
+            <p:txBody>
+              <a:bodyPr wrap="square" rtlCol="0">
+                <a:spAutoFit/>
+              </a:bodyPr>
+              <a:lstStyle/>
+              <a:p>
+                <a:pPr algn="r"/>
+                <a:r>
+                  <a:rPr lang="en-US" sz="1500" smtClean="0"/>
+                  <a:t>Gender reflection &amp; dialogue (1,2)</a:t>
+                </a:r>
+              </a:p>
+              <a:p>
+                <a:pPr algn="r"/>
+                <a:r>
+                  <a:rPr lang="en-US" sz="1500" smtClean="0"/>
+                  <a:t>Gender sensitiveness (3,4)</a:t>
+                </a:r>
+                <a:endParaRPr lang="en-US" sz="1500" dirty="0"/>
+              </a:p>
+            </p:txBody>
+          </p:sp>
+          <p:sp>
+            <p:nvSpPr>
+              <p:cNvPr id="96" name="TextBox 95"/>
+              <p:cNvSpPr txBox="1"/>
+              <p:nvPr/>
+            </p:nvSpPr>
+            <p:spPr>
+              <a:xfrm>
+                <a:off x="5643314" y="6867144"/>
+                <a:ext cx="2405982" cy="323165"/>
+              </a:xfrm>
+              <a:prstGeom prst="rect">
+                <a:avLst/>
+              </a:prstGeom>
+              <a:solidFill>
+                <a:schemeClr val="accent6">
+                  <a:lumMod val="60000"/>
+                  <a:lumOff val="40000"/>
+                </a:schemeClr>
+              </a:solidFill>
+            </p:spPr>
+            <p:txBody>
+              <a:bodyPr wrap="square" rtlCol="0">
+                <a:spAutoFit/>
+              </a:bodyPr>
+              <a:lstStyle/>
+              <a:p>
+                <a:r>
+                  <a:rPr lang="en-US" sz="1500" smtClean="0"/>
+                  <a:t>Engage sub-gov </a:t>
+                </a:r>
+                <a:r>
+                  <a:rPr lang="en-US" sz="1500" dirty="0"/>
+                  <a:t>u</a:t>
+                </a:r>
+                <a:r>
+                  <a:rPr lang="en-US" sz="1500" smtClean="0"/>
+                  <a:t>nits, NGOs</a:t>
+                </a:r>
+                <a:endParaRPr lang="en-US" sz="1500" dirty="0">
+                  <a:solidFill>
+                    <a:schemeClr val="accent5"/>
+                  </a:solidFill>
+                </a:endParaRPr>
+              </a:p>
+            </p:txBody>
+          </p:sp>
+          <p:sp>
+            <p:nvSpPr>
+              <p:cNvPr id="97" name="TextBox 96"/>
+              <p:cNvSpPr txBox="1"/>
+              <p:nvPr/>
+            </p:nvSpPr>
+            <p:spPr>
+              <a:xfrm>
+                <a:off x="8360977" y="4114128"/>
+                <a:ext cx="1697423" cy="323165"/>
+              </a:xfrm>
+              <a:prstGeom prst="rect">
+                <a:avLst/>
+              </a:prstGeom>
+              <a:solidFill>
+                <a:schemeClr val="accent6">
+                  <a:lumMod val="60000"/>
+                  <a:lumOff val="40000"/>
+                </a:schemeClr>
+              </a:solidFill>
+            </p:spPr>
+            <p:txBody>
+              <a:bodyPr wrap="square" rtlCol="0">
+                <a:spAutoFit/>
+              </a:bodyPr>
+              <a:lstStyle/>
+              <a:p>
+                <a:r>
+                  <a:rPr lang="en-US" sz="1500" dirty="0"/>
+                  <a:t>Use of information</a:t>
+                </a:r>
+              </a:p>
+            </p:txBody>
+          </p:sp>
+          <p:sp>
+            <p:nvSpPr>
+              <p:cNvPr id="53" name="TextBox 52"/>
+              <p:cNvSpPr txBox="1"/>
+              <p:nvPr/>
+            </p:nvSpPr>
+            <p:spPr>
+              <a:xfrm>
+                <a:off x="4856700" y="78679"/>
+                <a:ext cx="1526442" cy="323165"/>
+              </a:xfrm>
+              <a:prstGeom prst="rect">
+                <a:avLst/>
+              </a:prstGeom>
+              <a:solidFill>
+                <a:schemeClr val="accent6">
+                  <a:lumMod val="60000"/>
+                  <a:lumOff val="40000"/>
+                </a:schemeClr>
+              </a:solidFill>
+            </p:spPr>
+            <p:txBody>
+              <a:bodyPr wrap="square" rtlCol="0">
+                <a:spAutoFit/>
+              </a:bodyPr>
+              <a:lstStyle/>
+              <a:p>
+                <a:pPr algn="ctr"/>
+                <a:r>
+                  <a:rPr lang="en-US" sz="1500" smtClean="0"/>
+                  <a:t>Capacity building</a:t>
+                </a:r>
+                <a:endParaRPr lang="en-US" sz="1500" dirty="0">
+                  <a:solidFill>
+                    <a:schemeClr val="accent5"/>
+                  </a:solidFill>
+                </a:endParaRPr>
+              </a:p>
+            </p:txBody>
+          </p:sp>
+          <p:cxnSp>
+            <p:nvCxnSpPr>
+              <p:cNvPr id="15" name="Straight Connector 14"/>
+              <p:cNvCxnSpPr>
+                <a:stCxn id="104" idx="1"/>
+              </p:cNvCxnSpPr>
+              <p:nvPr/>
+            </p:nvCxnSpPr>
+            <p:spPr>
+              <a:xfrm>
+                <a:off x="5118823" y="6519532"/>
+                <a:ext cx="4064753" cy="19936"/>
+              </a:xfrm>
+              <a:prstGeom prst="line">
+                <a:avLst/>
+              </a:prstGeom>
+              <a:ln w="38100">
+                <a:solidFill>
+                  <a:schemeClr val="tx1"/>
+                </a:solidFill>
+              </a:ln>
+            </p:spPr>
+            <p:style>
+              <a:lnRef idx="1">
+                <a:schemeClr val="accent1"/>
+              </a:lnRef>
+              <a:fillRef idx="0">
+                <a:schemeClr val="accent1"/>
+              </a:fillRef>
+              <a:effectRef idx="0">
+                <a:schemeClr val="accent1"/>
+              </a:effectRef>
+              <a:fontRef idx="minor">
+                <a:schemeClr val="tx1"/>
+              </a:fontRef>
+            </p:style>
+          </p:cxnSp>
+          <p:sp>
+            <p:nvSpPr>
+              <p:cNvPr id="86" name="TextBox 85"/>
+              <p:cNvSpPr txBox="1"/>
+              <p:nvPr/>
+            </p:nvSpPr>
+            <p:spPr>
+              <a:xfrm>
+                <a:off x="6188193" y="1771943"/>
+                <a:ext cx="1026987" cy="323165"/>
+              </a:xfrm>
+              <a:prstGeom prst="rect">
+                <a:avLst/>
+              </a:prstGeom>
+              <a:solidFill>
+                <a:schemeClr val="accent6">
+                  <a:lumMod val="60000"/>
+                  <a:lumOff val="40000"/>
+                </a:schemeClr>
+              </a:solidFill>
+            </p:spPr>
+            <p:txBody>
+              <a:bodyPr wrap="square" rtlCol="0">
+                <a:spAutoFit/>
+              </a:bodyPr>
+              <a:lstStyle/>
+              <a:p>
+                <a:pPr algn="ctr"/>
+                <a:r>
+                  <a:rPr lang="en-US" sz="1500" smtClean="0"/>
+                  <a:t>Advice</a:t>
+                </a:r>
+                <a:endParaRPr lang="en-US" sz="1500" dirty="0"/>
+              </a:p>
+            </p:txBody>
+          </p:sp>
+          <p:sp>
+            <p:nvSpPr>
+              <p:cNvPr id="88" name="TextBox 87"/>
+              <p:cNvSpPr txBox="1"/>
+              <p:nvPr/>
+            </p:nvSpPr>
+            <p:spPr>
+              <a:xfrm>
+                <a:off x="3991342" y="2995296"/>
+                <a:ext cx="2920582" cy="323165"/>
+              </a:xfrm>
+              <a:prstGeom prst="rect">
+                <a:avLst/>
+              </a:prstGeom>
+              <a:solidFill>
+                <a:schemeClr val="accent6">
+                  <a:lumMod val="60000"/>
+                  <a:lumOff val="40000"/>
+                </a:schemeClr>
+              </a:solidFill>
+            </p:spPr>
+            <p:txBody>
+              <a:bodyPr wrap="square" rtlCol="0">
+                <a:spAutoFit/>
+              </a:bodyPr>
+              <a:lstStyle/>
+              <a:p>
+                <a:r>
+                  <a:rPr lang="en-US" sz="1500" dirty="0"/>
+                  <a:t>Translation </a:t>
+                </a:r>
+                <a:r>
+                  <a:rPr lang="en-US" sz="1500"/>
+                  <a:t>into </a:t>
+                </a:r>
+                <a:r>
+                  <a:rPr lang="en-US" sz="1500" smtClean="0"/>
+                  <a:t>advice, monitoring</a:t>
+                </a:r>
+                <a:endParaRPr lang="en-US" sz="1500" dirty="0"/>
+              </a:p>
+            </p:txBody>
+          </p:sp>
+          <p:sp>
+            <p:nvSpPr>
+              <p:cNvPr id="101" name="TextBox 100"/>
+              <p:cNvSpPr txBox="1"/>
+              <p:nvPr/>
+            </p:nvSpPr>
+            <p:spPr>
+              <a:xfrm>
+                <a:off x="3410792" y="1790128"/>
+                <a:ext cx="1100321" cy="323165"/>
+              </a:xfrm>
+              <a:prstGeom prst="rect">
+                <a:avLst/>
+              </a:prstGeom>
+              <a:solidFill>
+                <a:schemeClr val="accent6">
+                  <a:lumMod val="60000"/>
+                  <a:lumOff val="40000"/>
+                </a:schemeClr>
+              </a:solidFill>
+            </p:spPr>
+            <p:txBody>
+              <a:bodyPr wrap="square" rtlCol="0">
+                <a:spAutoFit/>
+              </a:bodyPr>
+              <a:lstStyle/>
+              <a:p>
+                <a:pPr algn="ctr"/>
+                <a:r>
+                  <a:rPr lang="en-US" sz="1500" dirty="0" smtClean="0"/>
+                  <a:t>Forecasts</a:t>
+                </a:r>
+                <a:endParaRPr lang="en-US" sz="1500" dirty="0"/>
+              </a:p>
+            </p:txBody>
+          </p:sp>
+          <p:sp>
+            <p:nvSpPr>
+              <p:cNvPr id="104" name="Right Arrow 103"/>
               <p:cNvSpPr/>
               <p:nvPr/>
             </p:nvSpPr>
             <p:spPr>
-              <a:xfrm rot="2134217">
-                <a:off x="4899232" y="1568051"/>
-                <a:ext cx="324738" cy="102304"/>
+              <a:xfrm rot="16200000" flipV="1">
+                <a:off x="3760017" y="5137866"/>
+                <a:ext cx="2717612" cy="45719"/>
               </a:xfrm>
               <a:prstGeom prst="rightArrow">
                 <a:avLst/>
@@ -5278,7 +4164,7 @@
               <a:solidFill>
                 <a:schemeClr val="tx1"/>
               </a:solidFill>
-              <a:ln>
+              <a:ln w="19050">
                 <a:solidFill>
                   <a:schemeClr val="tx1"/>
                 </a:solidFill>
@@ -5311,14 +4197,14 @@
           </p:sp>
           <p:sp>
             <p:nvSpPr>
-              <p:cNvPr id="52" name="Right Arrow 51"/>
+              <p:cNvPr id="105" name="Right Arrow 104"/>
               <p:cNvSpPr/>
               <p:nvPr/>
             </p:nvSpPr>
             <p:spPr>
-              <a:xfrm rot="8443709">
-                <a:off x="5752177" y="1545281"/>
-                <a:ext cx="365176" cy="88532"/>
+              <a:xfrm rot="16200000" flipV="1">
+                <a:off x="8194807" y="5545213"/>
+                <a:ext cx="1770711" cy="45719"/>
               </a:xfrm>
               <a:prstGeom prst="rightArrow">
                 <a:avLst/>
@@ -5326,7 +4212,7 @@
               <a:solidFill>
                 <a:schemeClr val="tx1"/>
               </a:solidFill>
-              <a:ln>
+              <a:ln w="19050">
                 <a:solidFill>
                   <a:schemeClr val="tx1"/>
                 </a:solidFill>
@@ -5357,103 +4243,1000 @@
               </a:p>
             </p:txBody>
           </p:sp>
+          <p:sp>
+            <p:nvSpPr>
+              <p:cNvPr id="66" name="TextBox 65"/>
+              <p:cNvSpPr txBox="1"/>
+              <p:nvPr/>
+            </p:nvSpPr>
+            <p:spPr>
+              <a:xfrm>
+                <a:off x="3932119" y="3298600"/>
+                <a:ext cx="3393012" cy="553998"/>
+              </a:xfrm>
+              <a:prstGeom prst="rect">
+                <a:avLst/>
+              </a:prstGeom>
+              <a:noFill/>
+            </p:spPr>
+            <p:txBody>
+              <a:bodyPr wrap="square" rtlCol="0">
+                <a:spAutoFit/>
+              </a:bodyPr>
+              <a:lstStyle/>
+              <a:p>
+                <a:pPr algn="ctr"/>
+                <a:r>
+                  <a:rPr lang="en-US" sz="1500" dirty="0" smtClean="0">
+                    <a:solidFill>
+                      <a:schemeClr val="accent6">
+                        <a:lumMod val="50000"/>
+                      </a:schemeClr>
+                    </a:solidFill>
+                  </a:rPr>
+                  <a:t>{District technical </a:t>
+                </a:r>
+                <a:r>
+                  <a:rPr lang="en-US" sz="1500" smtClean="0">
+                    <a:solidFill>
+                      <a:schemeClr val="accent6">
+                        <a:lumMod val="50000"/>
+                      </a:schemeClr>
+                    </a:solidFill>
+                  </a:rPr>
+                  <a:t>working group at</a:t>
+                </a:r>
+              </a:p>
+              <a:p>
+                <a:pPr algn="ctr"/>
+                <a:r>
+                  <a:rPr lang="en-US" sz="1500" smtClean="0">
+                    <a:solidFill>
+                      <a:schemeClr val="accent6">
+                        <a:lumMod val="50000"/>
+                      </a:schemeClr>
+                    </a:solidFill>
+                  </a:rPr>
+                  <a:t>Dien Bien Agricultural Service </a:t>
+                </a:r>
+                <a:r>
+                  <a:rPr lang="en-US" sz="1500">
+                    <a:solidFill>
+                      <a:schemeClr val="accent6">
+                        <a:lumMod val="50000"/>
+                      </a:schemeClr>
+                    </a:solidFill>
+                  </a:rPr>
+                  <a:t>C</a:t>
+                </a:r>
+                <a:r>
+                  <a:rPr lang="en-US" sz="1500" smtClean="0">
+                    <a:solidFill>
+                      <a:schemeClr val="accent6">
+                        <a:lumMod val="50000"/>
+                      </a:schemeClr>
+                    </a:solidFill>
+                  </a:rPr>
+                  <a:t>enter</a:t>
+                </a:r>
+                <a:r>
+                  <a:rPr lang="en-US" sz="1500">
+                    <a:solidFill>
+                      <a:schemeClr val="accent6">
+                        <a:lumMod val="50000"/>
+                      </a:schemeClr>
+                    </a:solidFill>
+                  </a:rPr>
+                  <a:t>}</a:t>
+                </a:r>
+                <a:endParaRPr lang="en-US" sz="1500" dirty="0">
+                  <a:solidFill>
+                    <a:schemeClr val="accent6">
+                      <a:lumMod val="50000"/>
+                    </a:schemeClr>
+                  </a:solidFill>
+                </a:endParaRPr>
+              </a:p>
+            </p:txBody>
+          </p:sp>
+          <p:sp>
+            <p:nvSpPr>
+              <p:cNvPr id="69" name="TextBox 68"/>
+              <p:cNvSpPr txBox="1"/>
+              <p:nvPr/>
+            </p:nvSpPr>
+            <p:spPr>
+              <a:xfrm>
+                <a:off x="8406324" y="4382772"/>
+                <a:ext cx="2439068" cy="323165"/>
+              </a:xfrm>
+              <a:prstGeom prst="rect">
+                <a:avLst/>
+              </a:prstGeom>
+              <a:noFill/>
+            </p:spPr>
+            <p:txBody>
+              <a:bodyPr wrap="square" rtlCol="0">
+                <a:spAutoFit/>
+              </a:bodyPr>
+              <a:lstStyle/>
+              <a:p>
+                <a:r>
+                  <a:rPr lang="en-US" sz="1500" smtClean="0">
+                    <a:solidFill>
+                      <a:schemeClr val="accent6">
+                        <a:lumMod val="50000"/>
+                      </a:schemeClr>
+                    </a:solidFill>
+                  </a:rPr>
+                  <a:t>{women</a:t>
+                </a:r>
+                <a:r>
+                  <a:rPr lang="en-US" sz="1500" dirty="0" smtClean="0">
+                    <a:solidFill>
+                      <a:schemeClr val="accent6">
+                        <a:lumMod val="50000"/>
+                      </a:schemeClr>
+                    </a:solidFill>
+                  </a:rPr>
+                  <a:t>, men}</a:t>
+                </a:r>
+                <a:endParaRPr lang="en-US" sz="1500" dirty="0">
+                  <a:solidFill>
+                    <a:schemeClr val="accent6">
+                      <a:lumMod val="50000"/>
+                    </a:schemeClr>
+                  </a:solidFill>
+                </a:endParaRPr>
+              </a:p>
+            </p:txBody>
+          </p:sp>
+          <p:sp>
+            <p:nvSpPr>
+              <p:cNvPr id="7" name="Right Arrow 6"/>
+              <p:cNvSpPr/>
+              <p:nvPr/>
+            </p:nvSpPr>
+            <p:spPr>
+              <a:xfrm>
+                <a:off x="3477150" y="2152927"/>
+                <a:ext cx="1086436" cy="74180"/>
+              </a:xfrm>
+              <a:prstGeom prst="rightArrow">
+                <a:avLst/>
+              </a:prstGeom>
+            </p:spPr>
+            <p:style>
+              <a:lnRef idx="2">
+                <a:schemeClr val="dk1">
+                  <a:shade val="50000"/>
+                </a:schemeClr>
+              </a:lnRef>
+              <a:fillRef idx="1">
+                <a:schemeClr val="dk1"/>
+              </a:fillRef>
+              <a:effectRef idx="0">
+                <a:schemeClr val="dk1"/>
+              </a:effectRef>
+              <a:fontRef idx="minor">
+                <a:schemeClr val="lt1"/>
+              </a:fontRef>
+            </p:style>
+            <p:txBody>
+              <a:bodyPr rtlCol="0" anchor="ctr"/>
+              <a:lstStyle/>
+              <a:p>
+                <a:pPr algn="ctr"/>
+                <a:endParaRPr lang="en-US" sz="1500"/>
+              </a:p>
+            </p:txBody>
+          </p:sp>
+          <p:sp>
+            <p:nvSpPr>
+              <p:cNvPr id="9" name="Left Arrow 8"/>
+              <p:cNvSpPr/>
+              <p:nvPr/>
+            </p:nvSpPr>
+            <p:spPr>
+              <a:xfrm>
+                <a:off x="3464934" y="2266741"/>
+                <a:ext cx="1082355" cy="62446"/>
+              </a:xfrm>
+              <a:prstGeom prst="leftArrow">
+                <a:avLst/>
+              </a:prstGeom>
+            </p:spPr>
+            <p:style>
+              <a:lnRef idx="2">
+                <a:schemeClr val="dk1">
+                  <a:shade val="50000"/>
+                </a:schemeClr>
+              </a:lnRef>
+              <a:fillRef idx="1">
+                <a:schemeClr val="dk1"/>
+              </a:fillRef>
+              <a:effectRef idx="0">
+                <a:schemeClr val="dk1"/>
+              </a:effectRef>
+              <a:fontRef idx="minor">
+                <a:schemeClr val="lt1"/>
+              </a:fontRef>
+            </p:style>
+            <p:txBody>
+              <a:bodyPr rtlCol="0" anchor="ctr"/>
+              <a:lstStyle/>
+              <a:p>
+                <a:pPr algn="ctr"/>
+                <a:endParaRPr lang="en-US" sz="1500"/>
+              </a:p>
+            </p:txBody>
+          </p:sp>
+          <p:sp>
+            <p:nvSpPr>
+              <p:cNvPr id="72" name="Right Arrow 71"/>
+              <p:cNvSpPr/>
+              <p:nvPr/>
+            </p:nvSpPr>
+            <p:spPr>
+              <a:xfrm>
+                <a:off x="6234960" y="2145511"/>
+                <a:ext cx="933671" cy="80902"/>
+              </a:xfrm>
+              <a:prstGeom prst="rightArrow">
+                <a:avLst/>
+              </a:prstGeom>
+            </p:spPr>
+            <p:style>
+              <a:lnRef idx="2">
+                <a:schemeClr val="dk1">
+                  <a:shade val="50000"/>
+                </a:schemeClr>
+              </a:lnRef>
+              <a:fillRef idx="1">
+                <a:schemeClr val="dk1"/>
+              </a:fillRef>
+              <a:effectRef idx="0">
+                <a:schemeClr val="dk1"/>
+              </a:effectRef>
+              <a:fontRef idx="minor">
+                <a:schemeClr val="lt1"/>
+              </a:fontRef>
+            </p:style>
+            <p:txBody>
+              <a:bodyPr rtlCol="0" anchor="ctr"/>
+              <a:lstStyle/>
+              <a:p>
+                <a:pPr algn="ctr"/>
+                <a:endParaRPr lang="en-US" sz="1500"/>
+              </a:p>
+            </p:txBody>
+          </p:sp>
+          <p:sp>
+            <p:nvSpPr>
+              <p:cNvPr id="73" name="Left Arrow 72"/>
+              <p:cNvSpPr/>
+              <p:nvPr/>
+            </p:nvSpPr>
+            <p:spPr>
+              <a:xfrm>
+                <a:off x="6216457" y="2236969"/>
+                <a:ext cx="943989" cy="94505"/>
+              </a:xfrm>
+              <a:prstGeom prst="leftArrow">
+                <a:avLst/>
+              </a:prstGeom>
+            </p:spPr>
+            <p:style>
+              <a:lnRef idx="2">
+                <a:schemeClr val="dk1">
+                  <a:shade val="50000"/>
+                </a:schemeClr>
+              </a:lnRef>
+              <a:fillRef idx="1">
+                <a:schemeClr val="dk1"/>
+              </a:fillRef>
+              <a:effectRef idx="0">
+                <a:schemeClr val="dk1"/>
+              </a:effectRef>
+              <a:fontRef idx="minor">
+                <a:schemeClr val="lt1"/>
+              </a:fontRef>
+            </p:style>
+            <p:txBody>
+              <a:bodyPr rtlCol="0" anchor="ctr"/>
+              <a:lstStyle/>
+              <a:p>
+                <a:pPr algn="ctr"/>
+                <a:endParaRPr lang="en-US" sz="1500"/>
+              </a:p>
+            </p:txBody>
+          </p:sp>
+          <p:sp>
+            <p:nvSpPr>
+              <p:cNvPr id="111" name="TextBox 110"/>
+              <p:cNvSpPr txBox="1"/>
+              <p:nvPr/>
+            </p:nvSpPr>
+            <p:spPr>
+              <a:xfrm>
+                <a:off x="3435875" y="2411310"/>
+                <a:ext cx="1100783" cy="323165"/>
+              </a:xfrm>
+              <a:prstGeom prst="rect">
+                <a:avLst/>
+              </a:prstGeom>
+              <a:solidFill>
+                <a:schemeClr val="accent6">
+                  <a:lumMod val="60000"/>
+                  <a:lumOff val="40000"/>
+                </a:schemeClr>
+              </a:solidFill>
+            </p:spPr>
+            <p:txBody>
+              <a:bodyPr wrap="square" rtlCol="0">
+                <a:spAutoFit/>
+              </a:bodyPr>
+              <a:lstStyle/>
+              <a:p>
+                <a:pPr algn="ctr"/>
+                <a:r>
+                  <a:rPr lang="en-US" sz="1500" smtClean="0"/>
+                  <a:t>Feedback</a:t>
+                </a:r>
+                <a:endParaRPr lang="en-US" sz="1500" dirty="0"/>
+              </a:p>
+            </p:txBody>
+          </p:sp>
+          <p:cxnSp>
+            <p:nvCxnSpPr>
+              <p:cNvPr id="20" name="Straight Connector 19"/>
+              <p:cNvCxnSpPr/>
+              <p:nvPr/>
+            </p:nvCxnSpPr>
+            <p:spPr>
+              <a:xfrm>
+                <a:off x="5187419" y="3801920"/>
+                <a:ext cx="16452" cy="2649697"/>
+              </a:xfrm>
+              <a:prstGeom prst="line">
+                <a:avLst/>
+              </a:prstGeom>
+              <a:ln w="38100">
+                <a:solidFill>
+                  <a:schemeClr val="tx1"/>
+                </a:solidFill>
+              </a:ln>
+            </p:spPr>
+            <p:style>
+              <a:lnRef idx="1">
+                <a:schemeClr val="accent1"/>
+              </a:lnRef>
+              <a:fillRef idx="0">
+                <a:schemeClr val="accent1"/>
+              </a:fillRef>
+              <a:effectRef idx="0">
+                <a:schemeClr val="accent1"/>
+              </a:effectRef>
+              <a:fontRef idx="minor">
+                <a:schemeClr val="tx1"/>
+              </a:fontRef>
+            </p:style>
+          </p:cxnSp>
+          <p:sp>
+            <p:nvSpPr>
+              <p:cNvPr id="21" name="Right Arrow 20"/>
+              <p:cNvSpPr/>
+              <p:nvPr/>
+            </p:nvSpPr>
+            <p:spPr>
+              <a:xfrm>
+                <a:off x="5208029" y="6404340"/>
+                <a:ext cx="506097" cy="45719"/>
+              </a:xfrm>
+              <a:prstGeom prst="rightArrow">
+                <a:avLst/>
+              </a:prstGeom>
+            </p:spPr>
+            <p:style>
+              <a:lnRef idx="2">
+                <a:schemeClr val="dk1">
+                  <a:shade val="50000"/>
+                </a:schemeClr>
+              </a:lnRef>
+              <a:fillRef idx="1">
+                <a:schemeClr val="dk1"/>
+              </a:fillRef>
+              <a:effectRef idx="0">
+                <a:schemeClr val="dk1"/>
+              </a:effectRef>
+              <a:fontRef idx="minor">
+                <a:schemeClr val="lt1"/>
+              </a:fontRef>
+            </p:style>
+            <p:txBody>
+              <a:bodyPr rtlCol="0" anchor="ctr"/>
+              <a:lstStyle/>
+              <a:p>
+                <a:pPr algn="ctr"/>
+                <a:endParaRPr lang="en-US" sz="1500"/>
+              </a:p>
+            </p:txBody>
+          </p:sp>
+          <p:cxnSp>
+            <p:nvCxnSpPr>
+              <p:cNvPr id="120" name="Straight Connector 119"/>
+              <p:cNvCxnSpPr/>
+              <p:nvPr/>
+            </p:nvCxnSpPr>
+            <p:spPr>
+              <a:xfrm flipH="1">
+                <a:off x="9177893" y="4673091"/>
+                <a:ext cx="5683" cy="1881721"/>
+              </a:xfrm>
+              <a:prstGeom prst="line">
+                <a:avLst/>
+              </a:prstGeom>
+              <a:ln w="38100">
+                <a:solidFill>
+                  <a:schemeClr val="tx1"/>
+                </a:solidFill>
+              </a:ln>
+            </p:spPr>
+            <p:style>
+              <a:lnRef idx="1">
+                <a:schemeClr val="accent1"/>
+              </a:lnRef>
+              <a:fillRef idx="0">
+                <a:schemeClr val="accent1"/>
+              </a:fillRef>
+              <a:effectRef idx="0">
+                <a:schemeClr val="accent1"/>
+              </a:effectRef>
+              <a:fontRef idx="minor">
+                <a:schemeClr val="tx1"/>
+              </a:fontRef>
+            </p:style>
+          </p:cxnSp>
+          <p:sp>
+            <p:nvSpPr>
+              <p:cNvPr id="100" name="Left Arrow 99"/>
+              <p:cNvSpPr/>
+              <p:nvPr/>
+            </p:nvSpPr>
+            <p:spPr>
+              <a:xfrm>
+                <a:off x="7781964" y="6420419"/>
+                <a:ext cx="1275339" cy="60725"/>
+              </a:xfrm>
+              <a:prstGeom prst="leftArrow">
+                <a:avLst/>
+              </a:prstGeom>
+            </p:spPr>
+            <p:style>
+              <a:lnRef idx="2">
+                <a:schemeClr val="dk1">
+                  <a:shade val="50000"/>
+                </a:schemeClr>
+              </a:lnRef>
+              <a:fillRef idx="1">
+                <a:schemeClr val="dk1"/>
+              </a:fillRef>
+              <a:effectRef idx="0">
+                <a:schemeClr val="dk1"/>
+              </a:effectRef>
+              <a:fontRef idx="minor">
+                <a:schemeClr val="lt1"/>
+              </a:fontRef>
+            </p:style>
+            <p:txBody>
+              <a:bodyPr rtlCol="0" anchor="ctr"/>
+              <a:lstStyle/>
+              <a:p>
+                <a:pPr algn="ctr"/>
+                <a:endParaRPr lang="en-US" sz="1500"/>
+              </a:p>
+            </p:txBody>
+          </p:sp>
           <p:pic>
             <p:nvPicPr>
-              <p:cNvPr id="16" name="Picture 15"/>
+              <p:cNvPr id="90" name="Picture 89"/>
               <p:cNvPicPr>
                 <a:picLocks noChangeAspect="1"/>
               </p:cNvPicPr>
               <p:nvPr/>
             </p:nvPicPr>
             <p:blipFill rotWithShape="1">
-              <a:blip r:embed="rId16" cstate="print">
+              <a:blip r:embed="rId7" cstate="print">
                 <a:extLst>
                   <a:ext uri="{28A0092B-C50C-407E-A947-70E740481C1C}">
                     <a14:useLocalDpi xmlns:a14="http://schemas.microsoft.com/office/drawing/2010/main" val="0"/>
                   </a:ext>
                 </a:extLst>
               </a:blip>
-              <a:srcRect r="60045" b="19181"/>
+              <a:srcRect l="34747" t="55788" r="55134" b="25901"/>
               <a:stretch/>
             </p:blipFill>
             <p:spPr>
               <a:xfrm>
-                <a:off x="4172562" y="930231"/>
-                <a:ext cx="158652" cy="369231"/>
+                <a:off x="723572" y="364232"/>
+                <a:ext cx="286034" cy="375267"/>
               </a:xfrm>
               <a:prstGeom prst="rect">
                 <a:avLst/>
               </a:prstGeom>
             </p:spPr>
           </p:pic>
+          <p:sp>
+            <p:nvSpPr>
+              <p:cNvPr id="124" name="Right Arrow 123"/>
+              <p:cNvSpPr/>
+              <p:nvPr/>
+            </p:nvSpPr>
+            <p:spPr>
+              <a:xfrm>
+                <a:off x="1388562" y="2207248"/>
+                <a:ext cx="801287" cy="72372"/>
+              </a:xfrm>
+              <a:prstGeom prst="rightArrow">
+                <a:avLst/>
+              </a:prstGeom>
+            </p:spPr>
+            <p:style>
+              <a:lnRef idx="2">
+                <a:schemeClr val="dk1">
+                  <a:shade val="50000"/>
+                </a:schemeClr>
+              </a:lnRef>
+              <a:fillRef idx="1">
+                <a:schemeClr val="dk1"/>
+              </a:fillRef>
+              <a:effectRef idx="0">
+                <a:schemeClr val="dk1"/>
+              </a:effectRef>
+              <a:fontRef idx="minor">
+                <a:schemeClr val="lt1"/>
+              </a:fontRef>
+            </p:style>
+            <p:txBody>
+              <a:bodyPr rtlCol="0" anchor="ctr"/>
+              <a:lstStyle/>
+              <a:p>
+                <a:pPr algn="ctr"/>
+                <a:endParaRPr lang="en-US" sz="1500"/>
+              </a:p>
+            </p:txBody>
+          </p:sp>
+          <p:sp>
+            <p:nvSpPr>
+              <p:cNvPr id="132" name="TextBox 131"/>
+              <p:cNvSpPr txBox="1"/>
+              <p:nvPr/>
+            </p:nvSpPr>
+            <p:spPr>
+              <a:xfrm>
+                <a:off x="7350410" y="1921687"/>
+                <a:ext cx="2840175" cy="784830"/>
+              </a:xfrm>
+              <a:prstGeom prst="rect">
+                <a:avLst/>
+              </a:prstGeom>
+              <a:solidFill>
+                <a:schemeClr val="accent4">
+                  <a:lumMod val="60000"/>
+                  <a:lumOff val="40000"/>
+                </a:schemeClr>
+              </a:solidFill>
+            </p:spPr>
+            <p:txBody>
+              <a:bodyPr wrap="square" rtlCol="0">
+                <a:spAutoFit/>
+              </a:bodyPr>
+              <a:lstStyle/>
+              <a:p>
+                <a:pPr algn="r"/>
+                <a:r>
+                  <a:rPr lang="en-US" sz="1500" smtClean="0"/>
+                  <a:t>Weekly SMS (1,2)</a:t>
+                </a:r>
+              </a:p>
+              <a:p>
+                <a:pPr algn="r"/>
+                <a:r>
+                  <a:rPr lang="en-US" sz="1500" smtClean="0"/>
+                  <a:t>Weekly SMS + loudspeaker (3)</a:t>
+                </a:r>
+              </a:p>
+              <a:p>
+                <a:pPr algn="r"/>
+                <a:r>
+                  <a:rPr lang="en-US" sz="1500" smtClean="0"/>
+                  <a:t>Weekly Paper + loudspeaker (4)</a:t>
+                </a:r>
+                <a:endParaRPr lang="en-US" sz="1500" dirty="0"/>
+              </a:p>
+            </p:txBody>
+          </p:sp>
           <p:pic>
             <p:nvPicPr>
-              <p:cNvPr id="129" name="Picture 128"/>
+              <p:cNvPr id="127" name="Picture 126"/>
               <p:cNvPicPr>
                 <a:picLocks noChangeAspect="1"/>
               </p:cNvPicPr>
               <p:nvPr/>
             </p:nvPicPr>
             <p:blipFill rotWithShape="1">
-              <a:blip r:embed="rId17" cstate="print">
+              <a:blip r:embed="rId7" cstate="print">
                 <a:extLst>
                   <a:ext uri="{28A0092B-C50C-407E-A947-70E740481C1C}">
                     <a14:useLocalDpi xmlns:a14="http://schemas.microsoft.com/office/drawing/2010/main" val="0"/>
                   </a:ext>
                 </a:extLst>
               </a:blip>
-              <a:srcRect r="60045" b="19181"/>
+              <a:srcRect l="34747" t="55788" r="55134" b="25901"/>
               <a:stretch/>
             </p:blipFill>
             <p:spPr>
               <a:xfrm>
-                <a:off x="5887473" y="870394"/>
-                <a:ext cx="177020" cy="411979"/>
+                <a:off x="1103078" y="574723"/>
+                <a:ext cx="286034" cy="375267"/>
               </a:xfrm>
               <a:prstGeom prst="rect">
                 <a:avLst/>
               </a:prstGeom>
             </p:spPr>
           </p:pic>
-        </p:grpSp>
-        <p:grpSp>
-          <p:nvGrpSpPr>
-            <p:cNvPr id="8" name="Group 7"/>
-            <p:cNvGrpSpPr/>
-            <p:nvPr/>
-          </p:nvGrpSpPr>
-          <p:grpSpPr>
-            <a:xfrm>
-              <a:off x="5730503" y="6121877"/>
-              <a:ext cx="2051461" cy="706879"/>
-              <a:chOff x="6064900" y="4783256"/>
-              <a:chExt cx="2051461" cy="706879"/>
-            </a:xfrm>
-          </p:grpSpPr>
+          <p:sp>
+            <p:nvSpPr>
+              <p:cNvPr id="142" name="TextBox 141"/>
+              <p:cNvSpPr txBox="1"/>
+              <p:nvPr/>
+            </p:nvSpPr>
+            <p:spPr>
+              <a:xfrm>
+                <a:off x="65470" y="963341"/>
+                <a:ext cx="2709184" cy="323165"/>
+              </a:xfrm>
+              <a:prstGeom prst="rect">
+                <a:avLst/>
+              </a:prstGeom>
+              <a:solidFill>
+                <a:schemeClr val="accent4">
+                  <a:lumMod val="60000"/>
+                  <a:lumOff val="40000"/>
+                </a:schemeClr>
+              </a:solidFill>
+            </p:spPr>
+            <p:txBody>
+              <a:bodyPr wrap="square" rtlCol="0">
+                <a:spAutoFit/>
+              </a:bodyPr>
+              <a:lstStyle/>
+              <a:p>
+                <a:r>
+                  <a:rPr lang="en-US" sz="1500" smtClean="0"/>
+                  <a:t>New mini weather stations (1)</a:t>
+                </a:r>
+                <a:endParaRPr lang="en-US" sz="1500" dirty="0"/>
+              </a:p>
+            </p:txBody>
+          </p:sp>
+          <p:pic>
+            <p:nvPicPr>
+              <p:cNvPr id="106" name="Picture 105"/>
+              <p:cNvPicPr>
+                <a:picLocks noChangeAspect="1"/>
+              </p:cNvPicPr>
+              <p:nvPr/>
+            </p:nvPicPr>
+            <p:blipFill rotWithShape="1">
+              <a:blip r:embed="rId7" cstate="print">
+                <a:extLst>
+                  <a:ext uri="{28A0092B-C50C-407E-A947-70E740481C1C}">
+                    <a14:useLocalDpi xmlns:a14="http://schemas.microsoft.com/office/drawing/2010/main" val="0"/>
+                  </a:ext>
+                </a:extLst>
+              </a:blip>
+              <a:srcRect l="34747" t="55788" r="55134" b="25901"/>
+              <a:stretch/>
+            </p:blipFill>
+            <p:spPr>
+              <a:xfrm>
+                <a:off x="875972" y="516632"/>
+                <a:ext cx="286034" cy="375267"/>
+              </a:xfrm>
+              <a:prstGeom prst="rect">
+                <a:avLst/>
+              </a:prstGeom>
+            </p:spPr>
+          </p:pic>
+          <p:sp>
+            <p:nvSpPr>
+              <p:cNvPr id="126" name="TextBox 125"/>
+              <p:cNvSpPr txBox="1"/>
+              <p:nvPr/>
+            </p:nvSpPr>
+            <p:spPr>
+              <a:xfrm>
+                <a:off x="668011" y="3385191"/>
+                <a:ext cx="2242388" cy="553998"/>
+              </a:xfrm>
+              <a:prstGeom prst="rect">
+                <a:avLst/>
+              </a:prstGeom>
+              <a:noFill/>
+            </p:spPr>
+            <p:txBody>
+              <a:bodyPr wrap="square" rtlCol="0">
+                <a:spAutoFit/>
+              </a:bodyPr>
+              <a:lstStyle/>
+              <a:p>
+                <a:pPr algn="ctr"/>
+                <a:r>
+                  <a:rPr lang="en-US" sz="1500" dirty="0">
+                    <a:solidFill>
+                      <a:schemeClr val="accent6">
+                        <a:lumMod val="50000"/>
+                      </a:schemeClr>
+                    </a:solidFill>
+                  </a:rPr>
+                  <a:t>{</a:t>
+                </a:r>
+                <a:r>
+                  <a:rPr lang="en-US" sz="1500" smtClean="0">
+                    <a:solidFill>
+                      <a:schemeClr val="accent6">
+                        <a:lumMod val="50000"/>
+                      </a:schemeClr>
+                    </a:solidFill>
+                  </a:rPr>
+                  <a:t>Provincial </a:t>
+                </a:r>
+                <a:r>
+                  <a:rPr lang="en-US" sz="1500">
+                    <a:solidFill>
+                      <a:schemeClr val="accent6">
+                        <a:lumMod val="50000"/>
+                      </a:schemeClr>
+                    </a:solidFill>
+                  </a:rPr>
+                  <a:t>M</a:t>
+                </a:r>
+                <a:r>
+                  <a:rPr lang="en-US" sz="1500" smtClean="0">
+                    <a:solidFill>
+                      <a:schemeClr val="accent6">
+                        <a:lumMod val="50000"/>
+                      </a:schemeClr>
+                    </a:solidFill>
+                  </a:rPr>
+                  <a:t>eteorological </a:t>
+                </a:r>
+                <a:r>
+                  <a:rPr lang="en-US" sz="1500" dirty="0">
+                    <a:solidFill>
+                      <a:schemeClr val="accent6">
+                        <a:lumMod val="50000"/>
+                      </a:schemeClr>
+                    </a:solidFill>
+                  </a:rPr>
+                  <a:t>S</a:t>
+                </a:r>
+                <a:r>
+                  <a:rPr lang="en-US" sz="1500" smtClean="0">
+                    <a:solidFill>
+                      <a:schemeClr val="accent6">
+                        <a:lumMod val="50000"/>
+                      </a:schemeClr>
+                    </a:solidFill>
+                  </a:rPr>
+                  <a:t>tation</a:t>
+                </a:r>
+                <a:r>
+                  <a:rPr lang="en-US" sz="1500" dirty="0" smtClean="0">
+                    <a:solidFill>
+                      <a:schemeClr val="accent6">
+                        <a:lumMod val="50000"/>
+                      </a:schemeClr>
+                    </a:solidFill>
+                  </a:rPr>
+                  <a:t>} </a:t>
+                </a:r>
+                <a:endParaRPr lang="en-US" sz="1500" dirty="0">
+                  <a:solidFill>
+                    <a:schemeClr val="accent6">
+                      <a:lumMod val="50000"/>
+                    </a:schemeClr>
+                  </a:solidFill>
+                </a:endParaRPr>
+              </a:p>
+            </p:txBody>
+          </p:sp>
           <p:grpSp>
             <p:nvGrpSpPr>
-              <p:cNvPr id="92" name="Group 91"/>
+              <p:cNvPr id="5" name="Group 4"/>
               <p:cNvGrpSpPr/>
               <p:nvPr/>
             </p:nvGrpSpPr>
             <p:grpSpPr>
               <a:xfrm>
-                <a:off x="7056378" y="4799285"/>
-                <a:ext cx="1059983" cy="690850"/>
-                <a:chOff x="6626731" y="3180234"/>
-                <a:chExt cx="1247706" cy="825096"/>
+                <a:off x="3999007" y="639574"/>
+                <a:ext cx="2716755" cy="2300194"/>
+                <a:chOff x="4172562" y="770090"/>
+                <a:chExt cx="2716755" cy="2300194"/>
               </a:xfrm>
             </p:grpSpPr>
+            <p:grpSp>
+              <p:nvGrpSpPr>
+                <p:cNvPr id="78" name="Group 77"/>
+                <p:cNvGrpSpPr/>
+                <p:nvPr/>
+              </p:nvGrpSpPr>
+              <p:grpSpPr>
+                <a:xfrm>
+                  <a:off x="5914790" y="788920"/>
+                  <a:ext cx="974527" cy="843830"/>
+                  <a:chOff x="6626731" y="3180234"/>
+                  <a:chExt cx="1247706" cy="825096"/>
+                </a:xfrm>
+              </p:grpSpPr>
+              <p:pic>
+                <p:nvPicPr>
+                  <p:cNvPr id="75" name="Picture 74"/>
+                  <p:cNvPicPr>
+                    <a:picLocks noChangeAspect="1"/>
+                  </p:cNvPicPr>
+                  <p:nvPr/>
+                </p:nvPicPr>
+                <p:blipFill>
+                  <a:blip r:embed="rId10" cstate="print">
+                    <a:extLst>
+                      <a:ext uri="{28A0092B-C50C-407E-A947-70E740481C1C}">
+                        <a14:useLocalDpi xmlns:a14="http://schemas.microsoft.com/office/drawing/2010/main" val="0"/>
+                      </a:ext>
+                    </a:extLst>
+                  </a:blip>
+                  <a:stretch>
+                    <a:fillRect/>
+                  </a:stretch>
+                </p:blipFill>
+                <p:spPr>
+                  <a:xfrm>
+                    <a:off x="6626731" y="3180234"/>
+                    <a:ext cx="1247706" cy="825096"/>
+                  </a:xfrm>
+                  <a:prstGeom prst="rect">
+                    <a:avLst/>
+                  </a:prstGeom>
+                </p:spPr>
+              </p:pic>
+              <p:pic>
+                <p:nvPicPr>
+                  <p:cNvPr id="76" name="Picture 75"/>
+                  <p:cNvPicPr>
+                    <a:picLocks noChangeAspect="1"/>
+                  </p:cNvPicPr>
+                  <p:nvPr/>
+                </p:nvPicPr>
+                <p:blipFill rotWithShape="1">
+                  <a:blip r:embed="rId11" cstate="print">
+                    <a:extLst>
+                      <a:ext uri="{28A0092B-C50C-407E-A947-70E740481C1C}">
+                        <a14:useLocalDpi xmlns:a14="http://schemas.microsoft.com/office/drawing/2010/main" val="0"/>
+                      </a:ext>
+                    </a:extLst>
+                  </a:blip>
+                  <a:srcRect l="28716" t="7043" r="23709" b="11831"/>
+                  <a:stretch/>
+                </p:blipFill>
+                <p:spPr>
+                  <a:xfrm>
+                    <a:off x="7116841" y="3231553"/>
+                    <a:ext cx="142593" cy="324211"/>
+                  </a:xfrm>
+                  <a:prstGeom prst="rect">
+                    <a:avLst/>
+                  </a:prstGeom>
+                </p:spPr>
+              </p:pic>
+            </p:grpSp>
             <p:pic>
               <p:nvPicPr>
-                <p:cNvPr id="93" name="Picture 92"/>
+                <p:cNvPr id="32" name="Picture 31"/>
+                <p:cNvPicPr>
+                  <a:picLocks noChangeAspect="1"/>
+                </p:cNvPicPr>
+                <p:nvPr/>
+              </p:nvPicPr>
+              <p:blipFill rotWithShape="1">
+                <a:blip r:embed="rId12" cstate="print">
+                  <a:extLst>
+                    <a:ext uri="{28A0092B-C50C-407E-A947-70E740481C1C}">
+                      <a14:useLocalDpi xmlns:a14="http://schemas.microsoft.com/office/drawing/2010/main" val="0"/>
+                    </a:ext>
+                  </a:extLst>
+                </a:blip>
+                <a:srcRect l="16768" t="1765" r="14616"/>
+                <a:stretch/>
+              </p:blipFill>
+              <p:spPr>
+                <a:xfrm>
+                  <a:off x="4205487" y="770090"/>
+                  <a:ext cx="853535" cy="871990"/>
+                </a:xfrm>
+                <a:prstGeom prst="ellipse">
+                  <a:avLst/>
+                </a:prstGeom>
+              </p:spPr>
+            </p:pic>
+            <p:pic>
+              <p:nvPicPr>
+                <p:cNvPr id="33" name="Picture 32"/>
+                <p:cNvPicPr>
+                  <a:picLocks noChangeAspect="1"/>
+                </p:cNvPicPr>
+                <p:nvPr/>
+              </p:nvPicPr>
+              <p:blipFill rotWithShape="1">
+                <a:blip r:embed="rId13" cstate="print">
+                  <a:extLst>
+                    <a:ext uri="{28A0092B-C50C-407E-A947-70E740481C1C}">
+                      <a14:useLocalDpi xmlns:a14="http://schemas.microsoft.com/office/drawing/2010/main" val="0"/>
+                    </a:ext>
+                  </a:extLst>
+                </a:blip>
+                <a:srcRect t="9410"/>
+                <a:stretch/>
+              </p:blipFill>
+              <p:spPr>
+                <a:xfrm>
+                  <a:off x="4491897" y="817995"/>
+                  <a:ext cx="306098" cy="378493"/>
+                </a:xfrm>
+                <a:prstGeom prst="ellipse">
+                  <a:avLst/>
+                </a:prstGeom>
+              </p:spPr>
+            </p:pic>
+            <p:pic>
+              <p:nvPicPr>
+                <p:cNvPr id="34" name="Picture 33"/>
+                <p:cNvPicPr>
+                  <a:picLocks noChangeAspect="1"/>
+                </p:cNvPicPr>
+                <p:nvPr/>
+              </p:nvPicPr>
+              <p:blipFill rotWithShape="1">
+                <a:blip r:embed="rId14" cstate="print">
+                  <a:extLst>
+                    <a:ext uri="{28A0092B-C50C-407E-A947-70E740481C1C}">
+                      <a14:useLocalDpi xmlns:a14="http://schemas.microsoft.com/office/drawing/2010/main" val="0"/>
+                    </a:ext>
+                  </a:extLst>
+                </a:blip>
+                <a:srcRect l="6831" t="5744" r="51268" b="4616"/>
+                <a:stretch/>
+              </p:blipFill>
+              <p:spPr>
+                <a:xfrm>
+                  <a:off x="4305849" y="806857"/>
+                  <a:ext cx="226323" cy="349793"/>
+                </a:xfrm>
+                <a:prstGeom prst="ellipse">
+                  <a:avLst/>
+                </a:prstGeom>
+              </p:spPr>
+            </p:pic>
+            <p:pic>
+              <p:nvPicPr>
+                <p:cNvPr id="18" name="Picture 17"/>
                 <p:cNvPicPr>
                   <a:picLocks noChangeAspect="1"/>
                 </p:cNvPicPr>
                 <p:nvPr/>
               </p:nvPicPr>
               <p:blipFill>
-                <a:blip r:embed="rId10" cstate="print">
+                <a:blip r:embed="rId15" cstate="print">
                   <a:extLst>
                     <a:ext uri="{28A0092B-C50C-407E-A947-70E740481C1C}">
                       <a14:useLocalDpi xmlns:a14="http://schemas.microsoft.com/office/drawing/2010/main" val="0"/>
@@ -5466,8 +5249,133 @@
               </p:blipFill>
               <p:spPr>
                 <a:xfrm>
-                  <a:off x="6626731" y="3180234"/>
-                  <a:ext cx="1247706" cy="825096"/>
+                  <a:off x="4856700" y="1652235"/>
+                  <a:ext cx="1309070" cy="1418049"/>
+                </a:xfrm>
+                <a:prstGeom prst="ellipse">
+                  <a:avLst/>
+                </a:prstGeom>
+              </p:spPr>
+            </p:pic>
+            <p:sp>
+              <p:nvSpPr>
+                <p:cNvPr id="51" name="Right Arrow 50"/>
+                <p:cNvSpPr/>
+                <p:nvPr/>
+              </p:nvSpPr>
+              <p:spPr>
+                <a:xfrm rot="2134217">
+                  <a:off x="4899232" y="1568051"/>
+                  <a:ext cx="324738" cy="102304"/>
+                </a:xfrm>
+                <a:prstGeom prst="rightArrow">
+                  <a:avLst/>
+                </a:prstGeom>
+                <a:solidFill>
+                  <a:schemeClr val="tx1"/>
+                </a:solidFill>
+                <a:ln>
+                  <a:solidFill>
+                    <a:schemeClr val="tx1"/>
+                  </a:solidFill>
+                </a:ln>
+              </p:spPr>
+              <p:style>
+                <a:lnRef idx="2">
+                  <a:schemeClr val="accent1">
+                    <a:shade val="50000"/>
+                  </a:schemeClr>
+                </a:lnRef>
+                <a:fillRef idx="1">
+                  <a:schemeClr val="accent1"/>
+                </a:fillRef>
+                <a:effectRef idx="0">
+                  <a:schemeClr val="accent1"/>
+                </a:effectRef>
+                <a:fontRef idx="minor">
+                  <a:schemeClr val="lt1"/>
+                </a:fontRef>
+              </p:style>
+              <p:txBody>
+                <a:bodyPr rtlCol="0" anchor="ctr"/>
+                <a:lstStyle/>
+                <a:p>
+                  <a:pPr algn="ctr"/>
+                  <a:endParaRPr lang="en-US" sz="1500"/>
+                </a:p>
+              </p:txBody>
+            </p:sp>
+            <p:sp>
+              <p:nvSpPr>
+                <p:cNvPr id="52" name="Right Arrow 51"/>
+                <p:cNvSpPr/>
+                <p:nvPr/>
+              </p:nvSpPr>
+              <p:spPr>
+                <a:xfrm rot="8443709">
+                  <a:off x="5752177" y="1545281"/>
+                  <a:ext cx="365176" cy="88532"/>
+                </a:xfrm>
+                <a:prstGeom prst="rightArrow">
+                  <a:avLst/>
+                </a:prstGeom>
+                <a:solidFill>
+                  <a:schemeClr val="tx1"/>
+                </a:solidFill>
+                <a:ln>
+                  <a:solidFill>
+                    <a:schemeClr val="tx1"/>
+                  </a:solidFill>
+                </a:ln>
+              </p:spPr>
+              <p:style>
+                <a:lnRef idx="2">
+                  <a:schemeClr val="accent1">
+                    <a:shade val="50000"/>
+                  </a:schemeClr>
+                </a:lnRef>
+                <a:fillRef idx="1">
+                  <a:schemeClr val="accent1"/>
+                </a:fillRef>
+                <a:effectRef idx="0">
+                  <a:schemeClr val="accent1"/>
+                </a:effectRef>
+                <a:fontRef idx="minor">
+                  <a:schemeClr val="lt1"/>
+                </a:fontRef>
+              </p:style>
+              <p:txBody>
+                <a:bodyPr rtlCol="0" anchor="ctr"/>
+                <a:lstStyle/>
+                <a:p>
+                  <a:pPr algn="ctr"/>
+                  <a:endParaRPr lang="en-US" sz="1500"/>
+                </a:p>
+              </p:txBody>
+            </p:sp>
+            <p:pic>
+              <p:nvPicPr>
+                <p:cNvPr id="16" name="Picture 15"/>
+                <p:cNvPicPr>
+                  <a:picLocks noChangeAspect="1"/>
+                </p:cNvPicPr>
+                <p:nvPr/>
+              </p:nvPicPr>
+              <p:blipFill rotWithShape="1">
+                <a:blip r:embed="rId16" cstate="print">
+                  <a:extLst>
+                    <a:ext uri="{28A0092B-C50C-407E-A947-70E740481C1C}">
+                      <a14:useLocalDpi xmlns:a14="http://schemas.microsoft.com/office/drawing/2010/main" val="0"/>
+                    </a:ext>
+                  </a:extLst>
+                </a:blip>
+                <a:srcRect r="60045" b="19181"/>
+                <a:stretch/>
+              </p:blipFill>
+              <p:spPr>
+                <a:xfrm>
+                  <a:off x="4172562" y="930231"/>
+                  <a:ext cx="158652" cy="369231"/>
                 </a:xfrm>
                 <a:prstGeom prst="rect">
                   <a:avLst/>
@@ -5476,27 +5384,27 @@
             </p:pic>
             <p:pic>
               <p:nvPicPr>
-                <p:cNvPr id="94" name="Picture 93"/>
+                <p:cNvPr id="129" name="Picture 128"/>
                 <p:cNvPicPr>
                   <a:picLocks noChangeAspect="1"/>
                 </p:cNvPicPr>
                 <p:nvPr/>
               </p:nvPicPr>
               <p:blipFill rotWithShape="1">
-                <a:blip r:embed="rId11" cstate="print">
+                <a:blip r:embed="rId17" cstate="print">
                   <a:extLst>
                     <a:ext uri="{28A0092B-C50C-407E-A947-70E740481C1C}">
                       <a14:useLocalDpi xmlns:a14="http://schemas.microsoft.com/office/drawing/2010/main" val="0"/>
                     </a:ext>
                   </a:extLst>
                 </a:blip>
-                <a:srcRect l="28716" t="7043" r="23709" b="11831"/>
+                <a:srcRect r="60045" b="19181"/>
                 <a:stretch/>
               </p:blipFill>
               <p:spPr>
                 <a:xfrm>
-                  <a:off x="7116841" y="3231553"/>
-                  <a:ext cx="142593" cy="324211"/>
+                  <a:off x="5887473" y="870394"/>
+                  <a:ext cx="177020" cy="411979"/>
                 </a:xfrm>
                 <a:prstGeom prst="rect">
                   <a:avLst/>
@@ -5506,42 +5414,218 @@
           </p:grpSp>
           <p:grpSp>
             <p:nvGrpSpPr>
-              <p:cNvPr id="80" name="Group 79"/>
+              <p:cNvPr id="8" name="Group 7"/>
               <p:cNvGrpSpPr/>
               <p:nvPr/>
             </p:nvGrpSpPr>
             <p:grpSpPr>
               <a:xfrm>
-                <a:off x="6064900" y="4783256"/>
-                <a:ext cx="1008914" cy="672392"/>
-                <a:chOff x="7176684" y="5168064"/>
-                <a:chExt cx="1889244" cy="1249339"/>
+                <a:off x="5730503" y="6121877"/>
+                <a:ext cx="2051461" cy="706879"/>
+                <a:chOff x="6064900" y="4783256"/>
+                <a:chExt cx="2051461" cy="706879"/>
               </a:xfrm>
             </p:grpSpPr>
+            <p:grpSp>
+              <p:nvGrpSpPr>
+                <p:cNvPr id="92" name="Group 91"/>
+                <p:cNvGrpSpPr/>
+                <p:nvPr/>
+              </p:nvGrpSpPr>
+              <p:grpSpPr>
+                <a:xfrm>
+                  <a:off x="7056378" y="4799285"/>
+                  <a:ext cx="1059983" cy="690850"/>
+                  <a:chOff x="6626731" y="3180234"/>
+                  <a:chExt cx="1247706" cy="825096"/>
+                </a:xfrm>
+              </p:grpSpPr>
+              <p:pic>
+                <p:nvPicPr>
+                  <p:cNvPr id="93" name="Picture 92"/>
+                  <p:cNvPicPr>
+                    <a:picLocks noChangeAspect="1"/>
+                  </p:cNvPicPr>
+                  <p:nvPr/>
+                </p:nvPicPr>
+                <p:blipFill>
+                  <a:blip r:embed="rId10" cstate="print">
+                    <a:extLst>
+                      <a:ext uri="{28A0092B-C50C-407E-A947-70E740481C1C}">
+                        <a14:useLocalDpi xmlns:a14="http://schemas.microsoft.com/office/drawing/2010/main" val="0"/>
+                      </a:ext>
+                    </a:extLst>
+                  </a:blip>
+                  <a:stretch>
+                    <a:fillRect/>
+                  </a:stretch>
+                </p:blipFill>
+                <p:spPr>
+                  <a:xfrm>
+                    <a:off x="6626731" y="3180234"/>
+                    <a:ext cx="1247706" cy="825096"/>
+                  </a:xfrm>
+                  <a:prstGeom prst="rect">
+                    <a:avLst/>
+                  </a:prstGeom>
+                </p:spPr>
+              </p:pic>
+              <p:pic>
+                <p:nvPicPr>
+                  <p:cNvPr id="94" name="Picture 93"/>
+                  <p:cNvPicPr>
+                    <a:picLocks noChangeAspect="1"/>
+                  </p:cNvPicPr>
+                  <p:nvPr/>
+                </p:nvPicPr>
+                <p:blipFill rotWithShape="1">
+                  <a:blip r:embed="rId11" cstate="print">
+                    <a:extLst>
+                      <a:ext uri="{28A0092B-C50C-407E-A947-70E740481C1C}">
+                        <a14:useLocalDpi xmlns:a14="http://schemas.microsoft.com/office/drawing/2010/main" val="0"/>
+                      </a:ext>
+                    </a:extLst>
+                  </a:blip>
+                  <a:srcRect l="28716" t="7043" r="23709" b="11831"/>
+                  <a:stretch/>
+                </p:blipFill>
+                <p:spPr>
+                  <a:xfrm>
+                    <a:off x="7116841" y="3231553"/>
+                    <a:ext cx="142593" cy="324211"/>
+                  </a:xfrm>
+                  <a:prstGeom prst="rect">
+                    <a:avLst/>
+                  </a:prstGeom>
+                </p:spPr>
+              </p:pic>
+            </p:grpSp>
+            <p:grpSp>
+              <p:nvGrpSpPr>
+                <p:cNvPr id="80" name="Group 79"/>
+                <p:cNvGrpSpPr/>
+                <p:nvPr/>
+              </p:nvGrpSpPr>
+              <p:grpSpPr>
+                <a:xfrm>
+                  <a:off x="6064900" y="4783256"/>
+                  <a:ext cx="1008914" cy="672392"/>
+                  <a:chOff x="7176684" y="5168064"/>
+                  <a:chExt cx="1889244" cy="1249339"/>
+                </a:xfrm>
+              </p:grpSpPr>
+              <p:pic>
+                <p:nvPicPr>
+                  <p:cNvPr id="81" name="Picture 80"/>
+                  <p:cNvPicPr>
+                    <a:picLocks noChangeAspect="1"/>
+                  </p:cNvPicPr>
+                  <p:nvPr/>
+                </p:nvPicPr>
+                <p:blipFill>
+                  <a:blip r:embed="rId10" cstate="print">
+                    <a:extLst>
+                      <a:ext uri="{28A0092B-C50C-407E-A947-70E740481C1C}">
+                        <a14:useLocalDpi xmlns:a14="http://schemas.microsoft.com/office/drawing/2010/main" val="0"/>
+                      </a:ext>
+                    </a:extLst>
+                  </a:blip>
+                  <a:stretch>
+                    <a:fillRect/>
+                  </a:stretch>
+                </p:blipFill>
+                <p:spPr>
+                  <a:xfrm>
+                    <a:off x="7176684" y="5168064"/>
+                    <a:ext cx="1889244" cy="1249339"/>
+                  </a:xfrm>
+                  <a:prstGeom prst="rect">
+                    <a:avLst/>
+                  </a:prstGeom>
+                </p:spPr>
+              </p:pic>
+              <p:pic>
+                <p:nvPicPr>
+                  <p:cNvPr id="82" name="Picture 81"/>
+                  <p:cNvPicPr>
+                    <a:picLocks noChangeAspect="1"/>
+                  </p:cNvPicPr>
+                  <p:nvPr/>
+                </p:nvPicPr>
+                <p:blipFill rotWithShape="1">
+                  <a:blip r:embed="rId18" cstate="print">
+                    <a:extLst>
+                      <a:ext uri="{28A0092B-C50C-407E-A947-70E740481C1C}">
+                        <a14:useLocalDpi xmlns:a14="http://schemas.microsoft.com/office/drawing/2010/main" val="0"/>
+                      </a:ext>
+                    </a:extLst>
+                  </a:blip>
+                  <a:srcRect l="3517" t="10727" r="53863" b="19699"/>
+                  <a:stretch/>
+                </p:blipFill>
+                <p:spPr>
+                  <a:xfrm>
+                    <a:off x="7541852" y="5294878"/>
+                    <a:ext cx="339796" cy="273816"/>
+                  </a:xfrm>
+                  <a:prstGeom prst="rect">
+                    <a:avLst/>
+                  </a:prstGeom>
+                </p:spPr>
+              </p:pic>
+              <p:pic>
+                <p:nvPicPr>
+                  <p:cNvPr id="83" name="Picture 82"/>
+                  <p:cNvPicPr>
+                    <a:picLocks noChangeAspect="1"/>
+                  </p:cNvPicPr>
+                  <p:nvPr/>
+                </p:nvPicPr>
+                <p:blipFill rotWithShape="1">
+                  <a:blip r:embed="rId19" cstate="print">
+                    <a:extLst>
+                      <a:ext uri="{28A0092B-C50C-407E-A947-70E740481C1C}">
+                        <a14:useLocalDpi xmlns:a14="http://schemas.microsoft.com/office/drawing/2010/main" val="0"/>
+                      </a:ext>
+                    </a:extLst>
+                  </a:blip>
+                  <a:srcRect l="6831" t="5744" r="51268" b="4616"/>
+                  <a:stretch/>
+                </p:blipFill>
+                <p:spPr>
+                  <a:xfrm>
+                    <a:off x="7913080" y="5282861"/>
+                    <a:ext cx="296125" cy="322531"/>
+                  </a:xfrm>
+                  <a:prstGeom prst="ellipse">
+                    <a:avLst/>
+                  </a:prstGeom>
+                </p:spPr>
+              </p:pic>
+            </p:grpSp>
             <p:pic>
               <p:nvPicPr>
-                <p:cNvPr id="81" name="Picture 80"/>
+                <p:cNvPr id="138" name="Picture 137"/>
                 <p:cNvPicPr>
                   <a:picLocks noChangeAspect="1"/>
                 </p:cNvPicPr>
                 <p:nvPr/>
               </p:nvPicPr>
-              <p:blipFill>
-                <a:blip r:embed="rId10" cstate="print">
+              <p:blipFill rotWithShape="1">
+                <a:blip r:embed="rId16" cstate="print">
                   <a:extLst>
                     <a:ext uri="{28A0092B-C50C-407E-A947-70E740481C1C}">
                       <a14:useLocalDpi xmlns:a14="http://schemas.microsoft.com/office/drawing/2010/main" val="0"/>
                     </a:ext>
                   </a:extLst>
                 </a:blip>
-                <a:stretch>
-                  <a:fillRect/>
-                </a:stretch>
+                <a:srcRect r="60045" b="19181"/>
+                <a:stretch/>
               </p:blipFill>
               <p:spPr>
                 <a:xfrm>
-                  <a:off x="7176684" y="5168064"/>
-                  <a:ext cx="1889244" cy="1249339"/>
+                  <a:off x="6097652" y="4856586"/>
+                  <a:ext cx="158652" cy="369231"/>
                 </a:xfrm>
                 <a:prstGeom prst="rect">
                   <a:avLst/>
@@ -5550,284 +5634,641 @@
             </p:pic>
             <p:pic>
               <p:nvPicPr>
-                <p:cNvPr id="82" name="Picture 81"/>
+                <p:cNvPr id="139" name="Picture 138"/>
                 <p:cNvPicPr>
                   <a:picLocks noChangeAspect="1"/>
                 </p:cNvPicPr>
                 <p:nvPr/>
               </p:nvPicPr>
               <p:blipFill rotWithShape="1">
-                <a:blip r:embed="rId18" cstate="print">
+                <a:blip r:embed="rId16" cstate="print">
                   <a:extLst>
                     <a:ext uri="{28A0092B-C50C-407E-A947-70E740481C1C}">
                       <a14:useLocalDpi xmlns:a14="http://schemas.microsoft.com/office/drawing/2010/main" val="0"/>
                     </a:ext>
                   </a:extLst>
                 </a:blip>
-                <a:srcRect l="3517" t="10727" r="53863" b="19699"/>
+                <a:srcRect r="60045" b="19181"/>
                 <a:stretch/>
               </p:blipFill>
               <p:spPr>
                 <a:xfrm>
-                  <a:off x="7541852" y="5294878"/>
-                  <a:ext cx="339796" cy="273816"/>
+                  <a:off x="7067947" y="4838392"/>
+                  <a:ext cx="158652" cy="369231"/>
                 </a:xfrm>
                 <a:prstGeom prst="rect">
                   <a:avLst/>
                 </a:prstGeom>
               </p:spPr>
             </p:pic>
-            <p:pic>
-              <p:nvPicPr>
-                <p:cNvPr id="83" name="Picture 82"/>
-                <p:cNvPicPr>
-                  <a:picLocks noChangeAspect="1"/>
-                </p:cNvPicPr>
-                <p:nvPr/>
-              </p:nvPicPr>
-              <p:blipFill rotWithShape="1">
-                <a:blip r:embed="rId19" cstate="print">
-                  <a:extLst>
-                    <a:ext uri="{28A0092B-C50C-407E-A947-70E740481C1C}">
-                      <a14:useLocalDpi xmlns:a14="http://schemas.microsoft.com/office/drawing/2010/main" val="0"/>
-                    </a:ext>
-                  </a:extLst>
-                </a:blip>
-                <a:srcRect l="6831" t="5744" r="51268" b="4616"/>
-                <a:stretch/>
-              </p:blipFill>
-              <p:spPr>
-                <a:xfrm>
-                  <a:off x="7913080" y="5282861"/>
-                  <a:ext cx="296125" cy="322531"/>
-                </a:xfrm>
-                <a:prstGeom prst="ellipse">
-                  <a:avLst/>
-                </a:prstGeom>
-              </p:spPr>
-            </p:pic>
           </p:grpSp>
-          <p:pic>
-            <p:nvPicPr>
-              <p:cNvPr id="138" name="Picture 137"/>
-              <p:cNvPicPr>
-                <a:picLocks noChangeAspect="1"/>
-              </p:cNvPicPr>
+          <p:sp>
+            <p:nvSpPr>
+              <p:cNvPr id="140" name="TextBox 139"/>
+              <p:cNvSpPr txBox="1"/>
               <p:nvPr/>
-            </p:nvPicPr>
-            <p:blipFill rotWithShape="1">
-              <a:blip r:embed="rId16" cstate="print">
-                <a:extLst>
-                  <a:ext uri="{28A0092B-C50C-407E-A947-70E740481C1C}">
-                    <a14:useLocalDpi xmlns:a14="http://schemas.microsoft.com/office/drawing/2010/main" val="0"/>
-                  </a:ext>
-                </a:extLst>
-              </a:blip>
-              <a:srcRect r="60045" b="19181"/>
-              <a:stretch/>
-            </p:blipFill>
+            </p:nvSpPr>
             <p:spPr>
               <a:xfrm>
-                <a:off x="6097652" y="4856586"/>
-                <a:ext cx="158652" cy="369231"/>
+                <a:off x="3104931" y="399238"/>
+                <a:ext cx="5173287" cy="323165"/>
+              </a:xfrm>
+              <a:prstGeom prst="rect">
+                <a:avLst/>
+              </a:prstGeom>
+              <a:noFill/>
+            </p:spPr>
+            <p:txBody>
+              <a:bodyPr wrap="square" rtlCol="0">
+                <a:spAutoFit/>
+              </a:bodyPr>
+              <a:lstStyle/>
+              <a:p>
+                <a:r>
+                  <a:rPr lang="en-US" sz="1500" smtClean="0">
+                    <a:solidFill>
+                      <a:schemeClr val="accent6">
+                        <a:lumMod val="50000"/>
+                      </a:schemeClr>
+                    </a:solidFill>
+                  </a:rPr>
+                  <a:t>{Provincial </a:t>
+                </a:r>
+                <a:r>
+                  <a:rPr lang="en-US" sz="1500" dirty="0" smtClean="0">
+                    <a:solidFill>
+                      <a:schemeClr val="accent6">
+                        <a:lumMod val="50000"/>
+                      </a:schemeClr>
+                    </a:solidFill>
+                  </a:rPr>
+                  <a:t>D</a:t>
+                </a:r>
+                <a:r>
+                  <a:rPr lang="en-US" sz="1500" smtClean="0">
+                    <a:solidFill>
+                      <a:schemeClr val="accent6">
+                        <a:lumMod val="50000"/>
+                      </a:schemeClr>
+                    </a:solidFill>
+                  </a:rPr>
+                  <a:t>epartment of </a:t>
+                </a:r>
+                <a:r>
+                  <a:rPr lang="en-US" sz="1500">
+                    <a:solidFill>
+                      <a:schemeClr val="accent6">
+                        <a:lumMod val="50000"/>
+                      </a:schemeClr>
+                    </a:solidFill>
+                  </a:rPr>
+                  <a:t>A</a:t>
+                </a:r>
+                <a:r>
+                  <a:rPr lang="en-US" sz="1500" smtClean="0">
+                    <a:solidFill>
+                      <a:schemeClr val="accent6">
+                        <a:lumMod val="50000"/>
+                      </a:schemeClr>
+                    </a:solidFill>
+                  </a:rPr>
+                  <a:t>griculture and </a:t>
+                </a:r>
+                <a:r>
+                  <a:rPr lang="en-US" sz="1500">
+                    <a:solidFill>
+                      <a:schemeClr val="accent6">
+                        <a:lumMod val="50000"/>
+                      </a:schemeClr>
+                    </a:solidFill>
+                  </a:rPr>
+                  <a:t>R</a:t>
+                </a:r>
+                <a:r>
+                  <a:rPr lang="en-US" sz="1500" smtClean="0">
+                    <a:solidFill>
+                      <a:schemeClr val="accent6">
+                        <a:lumMod val="50000"/>
+                      </a:schemeClr>
+                    </a:solidFill>
+                  </a:rPr>
+                  <a:t>ural </a:t>
+                </a:r>
+                <a:r>
+                  <a:rPr lang="en-US" sz="1500" dirty="0" smtClean="0">
+                    <a:solidFill>
+                      <a:schemeClr val="accent6">
+                        <a:lumMod val="50000"/>
+                      </a:schemeClr>
+                    </a:solidFill>
+                  </a:rPr>
+                  <a:t>D</a:t>
+                </a:r>
+                <a:r>
+                  <a:rPr lang="en-US" sz="1500" smtClean="0">
+                    <a:solidFill>
+                      <a:schemeClr val="accent6">
+                        <a:lumMod val="50000"/>
+                      </a:schemeClr>
+                    </a:solidFill>
+                  </a:rPr>
+                  <a:t>evelopment</a:t>
+                </a:r>
+                <a:r>
+                  <a:rPr lang="en-US" sz="1500" dirty="0" smtClean="0">
+                    <a:solidFill>
+                      <a:schemeClr val="accent6">
+                        <a:lumMod val="50000"/>
+                      </a:schemeClr>
+                    </a:solidFill>
+                  </a:rPr>
+                  <a:t>}</a:t>
+                </a:r>
+                <a:endParaRPr lang="en-US" sz="1500" dirty="0">
+                  <a:solidFill>
+                    <a:schemeClr val="accent6">
+                      <a:lumMod val="50000"/>
+                    </a:schemeClr>
+                  </a:solidFill>
+                </a:endParaRPr>
+              </a:p>
+            </p:txBody>
+          </p:sp>
+          <p:sp>
+            <p:nvSpPr>
+              <p:cNvPr id="144" name="TextBox 143"/>
+              <p:cNvSpPr txBox="1"/>
+              <p:nvPr/>
+            </p:nvSpPr>
+            <p:spPr>
+              <a:xfrm>
+                <a:off x="6222568" y="2387293"/>
+                <a:ext cx="992612" cy="323165"/>
+              </a:xfrm>
+              <a:prstGeom prst="rect">
+                <a:avLst/>
+              </a:prstGeom>
+              <a:solidFill>
+                <a:schemeClr val="accent6">
+                  <a:lumMod val="60000"/>
+                  <a:lumOff val="40000"/>
+                </a:schemeClr>
+              </a:solidFill>
+            </p:spPr>
+            <p:txBody>
+              <a:bodyPr wrap="square" rtlCol="0">
+                <a:spAutoFit/>
+              </a:bodyPr>
+              <a:lstStyle/>
+              <a:p>
+                <a:pPr algn="ctr"/>
+                <a:r>
+                  <a:rPr lang="en-US" sz="1500" smtClean="0"/>
+                  <a:t>Feedback</a:t>
+                </a:r>
+                <a:endParaRPr lang="en-US" sz="1500" dirty="0"/>
+              </a:p>
+            </p:txBody>
+          </p:sp>
+          <p:sp>
+            <p:nvSpPr>
+              <p:cNvPr id="145" name="TextBox 144"/>
+              <p:cNvSpPr txBox="1"/>
+              <p:nvPr/>
+            </p:nvSpPr>
+            <p:spPr>
+              <a:xfrm>
+                <a:off x="4571679" y="7181479"/>
+                <a:ext cx="4586742" cy="553998"/>
+              </a:xfrm>
+              <a:prstGeom prst="rect">
+                <a:avLst/>
+              </a:prstGeom>
+              <a:noFill/>
+            </p:spPr>
+            <p:txBody>
+              <a:bodyPr wrap="square" rtlCol="0">
+                <a:spAutoFit/>
+              </a:bodyPr>
+              <a:lstStyle/>
+              <a:p>
+                <a:pPr algn="ctr"/>
+                <a:r>
+                  <a:rPr lang="en-US" sz="1500" smtClean="0">
+                    <a:solidFill>
+                      <a:schemeClr val="accent6">
+                        <a:lumMod val="50000"/>
+                      </a:schemeClr>
+                    </a:solidFill>
+                  </a:rPr>
+                  <a:t>{Commune People’s Committee</a:t>
+                </a:r>
+                <a:r>
+                  <a:rPr lang="en-US" sz="1500" dirty="0" smtClean="0">
+                    <a:solidFill>
+                      <a:schemeClr val="accent6">
+                        <a:lumMod val="50000"/>
+                      </a:schemeClr>
+                    </a:solidFill>
+                  </a:rPr>
+                  <a:t>, extension workers, </a:t>
+                </a:r>
+                <a:r>
+                  <a:rPr lang="en-US" sz="1500" smtClean="0">
+                    <a:solidFill>
+                      <a:schemeClr val="accent6">
+                        <a:lumMod val="50000"/>
+                      </a:schemeClr>
+                    </a:solidFill>
+                  </a:rPr>
+                  <a:t>village leaders, Women’s Union, NGOs}</a:t>
+                </a:r>
+                <a:endParaRPr lang="en-US" sz="1500" dirty="0">
+                  <a:solidFill>
+                    <a:schemeClr val="accent6">
+                      <a:lumMod val="50000"/>
+                    </a:schemeClr>
+                  </a:solidFill>
+                </a:endParaRPr>
+              </a:p>
+            </p:txBody>
+          </p:sp>
+          <p:sp>
+            <p:nvSpPr>
+              <p:cNvPr id="22" name="Rectangle 21"/>
+              <p:cNvSpPr/>
+              <p:nvPr/>
+            </p:nvSpPr>
+            <p:spPr>
+              <a:xfrm>
+                <a:off x="6911923" y="5681277"/>
+                <a:ext cx="2007024" cy="323165"/>
               </a:xfrm>
               <a:prstGeom prst="rect">
                 <a:avLst/>
               </a:prstGeom>
             </p:spPr>
-          </p:pic>
-          <p:pic>
-            <p:nvPicPr>
-              <p:cNvPr id="139" name="Picture 138"/>
-              <p:cNvPicPr>
-                <a:picLocks noChangeAspect="1"/>
-              </p:cNvPicPr>
+            <p:txBody>
+              <a:bodyPr wrap="none">
+                <a:spAutoFit/>
+              </a:bodyPr>
+              <a:lstStyle/>
+              <a:p>
+                <a:pPr algn="r"/>
+                <a:r>
+                  <a:rPr lang="en-US" sz="1500" smtClean="0">
+                    <a:solidFill>
+                      <a:schemeClr val="accent6">
+                        <a:lumMod val="50000"/>
+                      </a:schemeClr>
+                    </a:solidFill>
+                  </a:rPr>
+                  <a:t>{NGO, Women’s Union}</a:t>
+                </a:r>
+                <a:endParaRPr lang="en-US" sz="1500" dirty="0">
+                  <a:solidFill>
+                    <a:schemeClr val="accent6">
+                      <a:lumMod val="50000"/>
+                    </a:schemeClr>
+                  </a:solidFill>
+                </a:endParaRPr>
+              </a:p>
+            </p:txBody>
+          </p:sp>
+          <p:sp>
+            <p:nvSpPr>
+              <p:cNvPr id="146" name="Rectangle 145"/>
+              <p:cNvSpPr/>
               <p:nvPr/>
-            </p:nvPicPr>
-            <p:blipFill rotWithShape="1">
-              <a:blip r:embed="rId16" cstate="print">
-                <a:extLst>
-                  <a:ext uri="{28A0092B-C50C-407E-A947-70E740481C1C}">
-                    <a14:useLocalDpi xmlns:a14="http://schemas.microsoft.com/office/drawing/2010/main" val="0"/>
-                  </a:ext>
-                </a:extLst>
-              </a:blip>
-              <a:srcRect r="60045" b="19181"/>
-              <a:stretch/>
-            </p:blipFill>
+            </p:nvSpPr>
             <p:spPr>
               <a:xfrm>
-                <a:off x="7067947" y="4838392"/>
-                <a:ext cx="158652" cy="369231"/>
+                <a:off x="6972884" y="978991"/>
+                <a:ext cx="3393464" cy="553998"/>
               </a:xfrm>
               <a:prstGeom prst="rect">
                 <a:avLst/>
               </a:prstGeom>
             </p:spPr>
-          </p:pic>
+            <p:txBody>
+              <a:bodyPr wrap="square">
+                <a:spAutoFit/>
+              </a:bodyPr>
+              <a:lstStyle/>
+              <a:p>
+                <a:pPr algn="ctr"/>
+                <a:r>
+                  <a:rPr lang="en-US" sz="1500" smtClean="0">
+                    <a:solidFill>
+                      <a:schemeClr val="accent6">
+                        <a:lumMod val="50000"/>
+                      </a:schemeClr>
+                    </a:solidFill>
+                  </a:rPr>
+                  <a:t>{Mobile operator, Commune People’s Committee, village leaders </a:t>
+                </a:r>
+                <a:r>
+                  <a:rPr lang="en-US" sz="1500">
+                    <a:solidFill>
+                      <a:schemeClr val="accent6">
+                        <a:lumMod val="50000"/>
+                      </a:schemeClr>
+                    </a:solidFill>
+                  </a:rPr>
+                  <a:t>}</a:t>
+                </a:r>
+                <a:endParaRPr lang="en-US" sz="1500" dirty="0">
+                  <a:solidFill>
+                    <a:schemeClr val="accent6">
+                      <a:lumMod val="50000"/>
+                    </a:schemeClr>
+                  </a:solidFill>
+                </a:endParaRPr>
+              </a:p>
+            </p:txBody>
+          </p:sp>
+          <p:sp>
+            <p:nvSpPr>
+              <p:cNvPr id="150" name="TextBox 149"/>
+              <p:cNvSpPr txBox="1"/>
+              <p:nvPr/>
+            </p:nvSpPr>
+            <p:spPr>
+              <a:xfrm>
+                <a:off x="361617" y="7374826"/>
+                <a:ext cx="1430929" cy="323165"/>
+              </a:xfrm>
+              <a:prstGeom prst="rect">
+                <a:avLst/>
+              </a:prstGeom>
+              <a:noFill/>
+              <a:ln>
+                <a:noFill/>
+              </a:ln>
+            </p:spPr>
+            <p:txBody>
+              <a:bodyPr wrap="square" rtlCol="0">
+                <a:spAutoFit/>
+              </a:bodyPr>
+              <a:lstStyle/>
+              <a:p>
+                <a:pPr algn="ctr"/>
+                <a:r>
+                  <a:rPr lang="en-US" sz="1500" smtClean="0">
+                    <a:solidFill>
+                      <a:schemeClr val="accent6">
+                        <a:lumMod val="50000"/>
+                      </a:schemeClr>
+                    </a:solidFill>
+                  </a:rPr>
+                  <a:t>{Stakeholder}</a:t>
+                </a:r>
+                <a:endParaRPr lang="en-US" sz="1500" dirty="0">
+                  <a:solidFill>
+                    <a:schemeClr val="accent6">
+                      <a:lumMod val="50000"/>
+                    </a:schemeClr>
+                  </a:solidFill>
+                </a:endParaRPr>
+              </a:p>
+            </p:txBody>
+          </p:sp>
+          <p:sp>
+            <p:nvSpPr>
+              <p:cNvPr id="26" name="Rectangle 25"/>
+              <p:cNvSpPr/>
+              <p:nvPr/>
+            </p:nvSpPr>
+            <p:spPr>
+              <a:xfrm>
+                <a:off x="87307" y="6192006"/>
+                <a:ext cx="2166496" cy="1539340"/>
+              </a:xfrm>
+              <a:prstGeom prst="rect">
+                <a:avLst/>
+              </a:prstGeom>
+              <a:noFill/>
+              <a:ln>
+                <a:solidFill>
+                  <a:schemeClr val="bg2">
+                    <a:lumMod val="75000"/>
+                  </a:schemeClr>
+                </a:solidFill>
+              </a:ln>
+            </p:spPr>
+            <p:style>
+              <a:lnRef idx="2">
+                <a:schemeClr val="dk1"/>
+              </a:lnRef>
+              <a:fillRef idx="1">
+                <a:schemeClr val="lt1"/>
+              </a:fillRef>
+              <a:effectRef idx="0">
+                <a:schemeClr val="dk1"/>
+              </a:effectRef>
+              <a:fontRef idx="minor">
+                <a:schemeClr val="dk1"/>
+              </a:fontRef>
+            </p:style>
+            <p:txBody>
+              <a:bodyPr rtlCol="0" anchor="ctr"/>
+              <a:lstStyle/>
+              <a:p>
+                <a:pPr algn="ctr"/>
+                <a:endParaRPr lang="en-US" sz="1500"/>
+              </a:p>
+            </p:txBody>
+          </p:sp>
+          <p:sp>
+            <p:nvSpPr>
+              <p:cNvPr id="156" name="TextBox 155"/>
+              <p:cNvSpPr txBox="1"/>
+              <p:nvPr/>
+            </p:nvSpPr>
+            <p:spPr>
+              <a:xfrm>
+                <a:off x="203763" y="1285811"/>
+                <a:ext cx="2413225" cy="553998"/>
+              </a:xfrm>
+              <a:prstGeom prst="rect">
+                <a:avLst/>
+              </a:prstGeom>
+              <a:noFill/>
+            </p:spPr>
+            <p:txBody>
+              <a:bodyPr wrap="square" rtlCol="0">
+                <a:spAutoFit/>
+              </a:bodyPr>
+              <a:lstStyle/>
+              <a:p>
+                <a:pPr algn="ctr"/>
+                <a:r>
+                  <a:rPr lang="en-US" sz="1500" dirty="0">
+                    <a:solidFill>
+                      <a:schemeClr val="accent6">
+                        <a:lumMod val="50000"/>
+                      </a:schemeClr>
+                    </a:solidFill>
+                  </a:rPr>
+                  <a:t>{</a:t>
+                </a:r>
+                <a:r>
+                  <a:rPr lang="en-US" sz="1500" smtClean="0">
+                    <a:solidFill>
+                      <a:schemeClr val="accent6">
+                        <a:lumMod val="50000"/>
+                      </a:schemeClr>
+                    </a:solidFill>
+                  </a:rPr>
+                  <a:t>Provincial </a:t>
+                </a:r>
+                <a:r>
+                  <a:rPr lang="en-US" sz="1500">
+                    <a:solidFill>
+                      <a:schemeClr val="accent6">
+                        <a:lumMod val="50000"/>
+                      </a:schemeClr>
+                    </a:solidFill>
+                  </a:rPr>
+                  <a:t>M</a:t>
+                </a:r>
+                <a:r>
+                  <a:rPr lang="en-US" sz="1500" smtClean="0">
+                    <a:solidFill>
+                      <a:schemeClr val="accent6">
+                        <a:lumMod val="50000"/>
+                      </a:schemeClr>
+                    </a:solidFill>
+                  </a:rPr>
+                  <a:t>eteorological </a:t>
+                </a:r>
+                <a:r>
+                  <a:rPr lang="en-US" sz="1500" dirty="0">
+                    <a:solidFill>
+                      <a:schemeClr val="accent6">
+                        <a:lumMod val="50000"/>
+                      </a:schemeClr>
+                    </a:solidFill>
+                  </a:rPr>
+                  <a:t>S</a:t>
+                </a:r>
+                <a:r>
+                  <a:rPr lang="en-US" sz="1500" smtClean="0">
+                    <a:solidFill>
+                      <a:schemeClr val="accent6">
+                        <a:lumMod val="50000"/>
+                      </a:schemeClr>
+                    </a:solidFill>
+                  </a:rPr>
+                  <a:t>tation</a:t>
+                </a:r>
+                <a:r>
+                  <a:rPr lang="en-US" sz="1500" dirty="0" smtClean="0">
+                    <a:solidFill>
+                      <a:schemeClr val="accent6">
+                        <a:lumMod val="50000"/>
+                      </a:schemeClr>
+                    </a:solidFill>
+                  </a:rPr>
+                  <a:t>} </a:t>
+                </a:r>
+                <a:endParaRPr lang="en-US" sz="1500" dirty="0">
+                  <a:solidFill>
+                    <a:schemeClr val="accent6">
+                      <a:lumMod val="50000"/>
+                    </a:schemeClr>
+                  </a:solidFill>
+                </a:endParaRPr>
+              </a:p>
+            </p:txBody>
+          </p:sp>
+          <p:sp>
+            <p:nvSpPr>
+              <p:cNvPr id="85" name="TextBox 84"/>
+              <p:cNvSpPr txBox="1"/>
+              <p:nvPr/>
+            </p:nvSpPr>
+            <p:spPr>
+              <a:xfrm>
+                <a:off x="128621" y="6238595"/>
+                <a:ext cx="2075278" cy="553998"/>
+              </a:xfrm>
+              <a:prstGeom prst="rect">
+                <a:avLst/>
+              </a:prstGeom>
+              <a:solidFill>
+                <a:schemeClr val="accent6">
+                  <a:lumMod val="60000"/>
+                  <a:lumOff val="40000"/>
+                </a:schemeClr>
+              </a:solidFill>
+            </p:spPr>
+            <p:txBody>
+              <a:bodyPr wrap="square" rtlCol="0">
+                <a:spAutoFit/>
+              </a:bodyPr>
+              <a:lstStyle/>
+              <a:p>
+                <a:pPr algn="ctr"/>
+                <a:r>
+                  <a:rPr lang="en-US" sz="1500" smtClean="0"/>
+                  <a:t>Activities for all interventions</a:t>
+                </a:r>
+                <a:endParaRPr lang="en-US" sz="1500" dirty="0"/>
+              </a:p>
+            </p:txBody>
+          </p:sp>
+          <p:sp>
+            <p:nvSpPr>
+              <p:cNvPr id="89" name="TextBox 88"/>
+              <p:cNvSpPr txBox="1"/>
+              <p:nvPr/>
+            </p:nvSpPr>
+            <p:spPr>
+              <a:xfrm>
+                <a:off x="128621" y="6828620"/>
+                <a:ext cx="2075278" cy="553998"/>
+              </a:xfrm>
+              <a:prstGeom prst="rect">
+                <a:avLst/>
+              </a:prstGeom>
+              <a:solidFill>
+                <a:schemeClr val="accent4">
+                  <a:lumMod val="60000"/>
+                  <a:lumOff val="40000"/>
+                </a:schemeClr>
+              </a:solidFill>
+            </p:spPr>
+            <p:txBody>
+              <a:bodyPr wrap="square" rtlCol="0">
+                <a:spAutoFit/>
+              </a:bodyPr>
+              <a:lstStyle/>
+              <a:p>
+                <a:pPr algn="ctr"/>
+                <a:r>
+                  <a:rPr lang="en-US" sz="1500"/>
+                  <a:t>V</a:t>
+                </a:r>
+                <a:r>
+                  <a:rPr lang="en-US" sz="1500" smtClean="0"/>
+                  <a:t>ariations for different interventions (1,2,3,4)</a:t>
+                </a:r>
+                <a:endParaRPr lang="en-US" sz="1500" dirty="0"/>
+              </a:p>
+            </p:txBody>
+          </p:sp>
         </p:grpSp>
         <p:sp>
           <p:nvSpPr>
-            <p:cNvPr id="140" name="TextBox 139"/>
+            <p:cNvPr id="77" name="TextBox 76"/>
             <p:cNvSpPr txBox="1"/>
             <p:nvPr/>
           </p:nvSpPr>
           <p:spPr>
             <a:xfrm>
-              <a:off x="3104931" y="399238"/>
-              <a:ext cx="5173287" cy="323165"/>
-            </a:xfrm>
-            <a:prstGeom prst="rect">
-              <a:avLst/>
-            </a:prstGeom>
-            <a:noFill/>
-          </p:spPr>
-          <p:txBody>
-            <a:bodyPr wrap="square" rtlCol="0">
-              <a:spAutoFit/>
-            </a:bodyPr>
-            <a:lstStyle/>
-            <a:p>
-              <a:r>
-                <a:rPr lang="en-US" sz="1500" smtClean="0">
-                  <a:solidFill>
-                    <a:schemeClr val="accent6">
-                      <a:lumMod val="50000"/>
-                    </a:schemeClr>
-                  </a:solidFill>
-                </a:rPr>
-                <a:t>{Provincial </a:t>
-              </a:r>
-              <a:r>
-                <a:rPr lang="en-US" sz="1500" dirty="0" smtClean="0">
-                  <a:solidFill>
-                    <a:schemeClr val="accent6">
-                      <a:lumMod val="50000"/>
-                    </a:schemeClr>
-                  </a:solidFill>
-                </a:rPr>
-                <a:t>D</a:t>
-              </a:r>
-              <a:r>
-                <a:rPr lang="en-US" sz="1500" smtClean="0">
-                  <a:solidFill>
-                    <a:schemeClr val="accent6">
-                      <a:lumMod val="50000"/>
-                    </a:schemeClr>
-                  </a:solidFill>
-                </a:rPr>
-                <a:t>epartment </a:t>
-              </a:r>
-              <a:r>
-                <a:rPr lang="en-US" sz="1500" smtClean="0">
-                  <a:solidFill>
-                    <a:schemeClr val="accent6">
-                      <a:lumMod val="50000"/>
-                    </a:schemeClr>
-                  </a:solidFill>
-                </a:rPr>
-                <a:t>of </a:t>
-              </a:r>
-              <a:r>
-                <a:rPr lang="en-US" sz="1500">
-                  <a:solidFill>
-                    <a:schemeClr val="accent6">
-                      <a:lumMod val="50000"/>
-                    </a:schemeClr>
-                  </a:solidFill>
-                </a:rPr>
-                <a:t>A</a:t>
-              </a:r>
-              <a:r>
-                <a:rPr lang="en-US" sz="1500" smtClean="0">
-                  <a:solidFill>
-                    <a:schemeClr val="accent6">
-                      <a:lumMod val="50000"/>
-                    </a:schemeClr>
-                  </a:solidFill>
-                </a:rPr>
-                <a:t>griculture </a:t>
-              </a:r>
-              <a:r>
-                <a:rPr lang="en-US" sz="1500" smtClean="0">
-                  <a:solidFill>
-                    <a:schemeClr val="accent6">
-                      <a:lumMod val="50000"/>
-                    </a:schemeClr>
-                  </a:solidFill>
-                </a:rPr>
-                <a:t>and </a:t>
-              </a:r>
-              <a:r>
-                <a:rPr lang="en-US" sz="1500">
-                  <a:solidFill>
-                    <a:schemeClr val="accent6">
-                      <a:lumMod val="50000"/>
-                    </a:schemeClr>
-                  </a:solidFill>
-                </a:rPr>
-                <a:t>R</a:t>
-              </a:r>
-              <a:r>
-                <a:rPr lang="en-US" sz="1500" smtClean="0">
-                  <a:solidFill>
-                    <a:schemeClr val="accent6">
-                      <a:lumMod val="50000"/>
-                    </a:schemeClr>
-                  </a:solidFill>
-                </a:rPr>
-                <a:t>ural </a:t>
-              </a:r>
-              <a:r>
-                <a:rPr lang="en-US" sz="1500" dirty="0" smtClean="0">
-                  <a:solidFill>
-                    <a:schemeClr val="accent6">
-                      <a:lumMod val="50000"/>
-                    </a:schemeClr>
-                  </a:solidFill>
-                </a:rPr>
-                <a:t>D</a:t>
-              </a:r>
-              <a:r>
-                <a:rPr lang="en-US" sz="1500" smtClean="0">
-                  <a:solidFill>
-                    <a:schemeClr val="accent6">
-                      <a:lumMod val="50000"/>
-                    </a:schemeClr>
-                  </a:solidFill>
-                </a:rPr>
-                <a:t>evelopment</a:t>
-              </a:r>
-              <a:r>
-                <a:rPr lang="en-US" sz="1500" dirty="0" smtClean="0">
-                  <a:solidFill>
-                    <a:schemeClr val="accent6">
-                      <a:lumMod val="50000"/>
-                    </a:schemeClr>
-                  </a:solidFill>
-                </a:rPr>
-                <a:t>}</a:t>
-              </a:r>
-              <a:endParaRPr lang="en-US" sz="1500" dirty="0">
-                <a:solidFill>
-                  <a:schemeClr val="accent6">
-                    <a:lumMod val="50000"/>
-                  </a:schemeClr>
-                </a:solidFill>
-              </a:endParaRPr>
-            </a:p>
-          </p:txBody>
-        </p:sp>
-        <p:sp>
-          <p:nvSpPr>
-            <p:cNvPr id="144" name="TextBox 143"/>
-            <p:cNvSpPr txBox="1"/>
-            <p:nvPr/>
-          </p:nvSpPr>
-          <p:spPr>
-            <a:xfrm>
-              <a:off x="6222568" y="2387293"/>
-              <a:ext cx="992612" cy="323165"/>
+              <a:off x="7341812" y="1583392"/>
+              <a:ext cx="2848773" cy="323165"/>
             </a:xfrm>
             <a:prstGeom prst="rect">
               <a:avLst/>
@@ -5845,560 +6286,16 @@
             </a:bodyPr>
             <a:lstStyle/>
             <a:p>
-              <a:pPr algn="ctr"/>
+              <a:pPr algn="r"/>
               <a:r>
                 <a:rPr lang="en-US" sz="1500" smtClean="0"/>
-                <a:t>Feedback</a:t>
+                <a:t>Seasonal paper bulletin</a:t>
               </a:r>
-              <a:endParaRPr lang="en-US" sz="1500" dirty="0"/>
-            </a:p>
-          </p:txBody>
-        </p:sp>
-        <p:sp>
-          <p:nvSpPr>
-            <p:cNvPr id="145" name="TextBox 144"/>
-            <p:cNvSpPr txBox="1"/>
-            <p:nvPr/>
-          </p:nvSpPr>
-          <p:spPr>
-            <a:xfrm>
-              <a:off x="4571679" y="7181479"/>
-              <a:ext cx="4586742" cy="553998"/>
-            </a:xfrm>
-            <a:prstGeom prst="rect">
-              <a:avLst/>
-            </a:prstGeom>
-            <a:noFill/>
-          </p:spPr>
-          <p:txBody>
-            <a:bodyPr wrap="square" rtlCol="0">
-              <a:spAutoFit/>
-            </a:bodyPr>
-            <a:lstStyle/>
-            <a:p>
-              <a:pPr algn="ctr"/>
-              <a:r>
-                <a:rPr lang="en-US" sz="1500" smtClean="0">
-                  <a:solidFill>
-                    <a:schemeClr val="accent6">
-                      <a:lumMod val="50000"/>
-                    </a:schemeClr>
-                  </a:solidFill>
-                </a:rPr>
-                <a:t>{Commune </a:t>
-              </a:r>
-              <a:r>
-                <a:rPr lang="en-US" sz="1500" smtClean="0">
-                  <a:solidFill>
-                    <a:schemeClr val="accent6">
-                      <a:lumMod val="50000"/>
-                    </a:schemeClr>
-                  </a:solidFill>
-                </a:rPr>
-                <a:t>People’s Committee</a:t>
-              </a:r>
-              <a:r>
-                <a:rPr lang="en-US" sz="1500" dirty="0" smtClean="0">
-                  <a:solidFill>
-                    <a:schemeClr val="accent6">
-                      <a:lumMod val="50000"/>
-                    </a:schemeClr>
-                  </a:solidFill>
-                </a:rPr>
-                <a:t>, extension workers, </a:t>
-              </a:r>
-              <a:r>
-                <a:rPr lang="en-US" sz="1500" smtClean="0">
-                  <a:solidFill>
-                    <a:schemeClr val="accent6">
-                      <a:lumMod val="50000"/>
-                    </a:schemeClr>
-                  </a:solidFill>
-                </a:rPr>
-                <a:t>village leaders, </a:t>
-              </a:r>
-              <a:r>
-                <a:rPr lang="en-US" sz="1500" smtClean="0">
-                  <a:solidFill>
-                    <a:schemeClr val="accent6">
-                      <a:lumMod val="50000"/>
-                    </a:schemeClr>
-                  </a:solidFill>
-                </a:rPr>
-                <a:t>Women’s Union</a:t>
-              </a:r>
-              <a:r>
-                <a:rPr lang="en-US" sz="1500" smtClean="0">
-                  <a:solidFill>
-                    <a:schemeClr val="accent6">
-                      <a:lumMod val="50000"/>
-                    </a:schemeClr>
-                  </a:solidFill>
-                </a:rPr>
-                <a:t>, </a:t>
-              </a:r>
-              <a:r>
-                <a:rPr lang="en-US" sz="1500" smtClean="0">
-                  <a:solidFill>
-                    <a:schemeClr val="accent6">
-                      <a:lumMod val="50000"/>
-                    </a:schemeClr>
-                  </a:solidFill>
-                </a:rPr>
-                <a:t>NGOs}</a:t>
-              </a:r>
-              <a:endParaRPr lang="en-US" sz="1500" dirty="0">
-                <a:solidFill>
-                  <a:schemeClr val="accent6">
-                    <a:lumMod val="50000"/>
-                  </a:schemeClr>
-                </a:solidFill>
-              </a:endParaRPr>
-            </a:p>
-          </p:txBody>
-        </p:sp>
-        <p:sp>
-          <p:nvSpPr>
-            <p:cNvPr id="22" name="Rectangle 21"/>
-            <p:cNvSpPr/>
-            <p:nvPr/>
-          </p:nvSpPr>
-          <p:spPr>
-            <a:xfrm>
-              <a:off x="6911923" y="5681277"/>
-              <a:ext cx="2007024" cy="323165"/>
-            </a:xfrm>
-            <a:prstGeom prst="rect">
-              <a:avLst/>
-            </a:prstGeom>
-          </p:spPr>
-          <p:txBody>
-            <a:bodyPr wrap="none">
-              <a:spAutoFit/>
-            </a:bodyPr>
-            <a:lstStyle/>
-            <a:p>
-              <a:pPr algn="r"/>
-              <a:r>
-                <a:rPr lang="en-US" sz="1500" smtClean="0">
-                  <a:solidFill>
-                    <a:schemeClr val="accent6">
-                      <a:lumMod val="50000"/>
-                    </a:schemeClr>
-                  </a:solidFill>
-                </a:rPr>
-                <a:t>{NGO, </a:t>
-              </a:r>
-              <a:r>
-                <a:rPr lang="en-US" sz="1500" smtClean="0">
-                  <a:solidFill>
-                    <a:schemeClr val="accent6">
-                      <a:lumMod val="50000"/>
-                    </a:schemeClr>
-                  </a:solidFill>
-                </a:rPr>
-                <a:t>Women’s Union</a:t>
-              </a:r>
-              <a:r>
-                <a:rPr lang="en-US" sz="1500" smtClean="0">
-                  <a:solidFill>
-                    <a:schemeClr val="accent6">
-                      <a:lumMod val="50000"/>
-                    </a:schemeClr>
-                  </a:solidFill>
-                </a:rPr>
-                <a:t>}</a:t>
-              </a:r>
-              <a:endParaRPr lang="en-US" sz="1500" dirty="0">
-                <a:solidFill>
-                  <a:schemeClr val="accent6">
-                    <a:lumMod val="50000"/>
-                  </a:schemeClr>
-                </a:solidFill>
-              </a:endParaRPr>
-            </a:p>
-          </p:txBody>
-        </p:sp>
-        <p:sp>
-          <p:nvSpPr>
-            <p:cNvPr id="146" name="Rectangle 145"/>
-            <p:cNvSpPr/>
-            <p:nvPr/>
-          </p:nvSpPr>
-          <p:spPr>
-            <a:xfrm>
-              <a:off x="6972884" y="978991"/>
-              <a:ext cx="3393464" cy="553998"/>
-            </a:xfrm>
-            <a:prstGeom prst="rect">
-              <a:avLst/>
-            </a:prstGeom>
-          </p:spPr>
-          <p:txBody>
-            <a:bodyPr wrap="square">
-              <a:spAutoFit/>
-            </a:bodyPr>
-            <a:lstStyle/>
-            <a:p>
-              <a:pPr algn="ctr"/>
-              <a:r>
-                <a:rPr lang="en-US" sz="1500" smtClean="0">
-                  <a:solidFill>
-                    <a:schemeClr val="accent6">
-                      <a:lumMod val="50000"/>
-                    </a:schemeClr>
-                  </a:solidFill>
-                </a:rPr>
-                <a:t>{Mobile operator, </a:t>
-              </a:r>
-              <a:r>
-                <a:rPr lang="en-US" sz="1500" smtClean="0">
-                  <a:solidFill>
-                    <a:schemeClr val="accent6">
-                      <a:lumMod val="50000"/>
-                    </a:schemeClr>
-                  </a:solidFill>
-                </a:rPr>
-                <a:t>C</a:t>
-              </a:r>
-              <a:r>
-                <a:rPr lang="en-US" sz="1500" smtClean="0">
-                  <a:solidFill>
-                    <a:schemeClr val="accent6">
-                      <a:lumMod val="50000"/>
-                    </a:schemeClr>
-                  </a:solidFill>
-                </a:rPr>
-                <a:t>ommune People’s Committee, village leaders </a:t>
-              </a:r>
-              <a:r>
-                <a:rPr lang="en-US" sz="1500">
-                  <a:solidFill>
-                    <a:schemeClr val="accent6">
-                      <a:lumMod val="50000"/>
-                    </a:schemeClr>
-                  </a:solidFill>
-                </a:rPr>
-                <a:t>}</a:t>
-              </a:r>
-              <a:endParaRPr lang="en-US" sz="1500" dirty="0">
-                <a:solidFill>
-                  <a:schemeClr val="accent6">
-                    <a:lumMod val="50000"/>
-                  </a:schemeClr>
-                </a:solidFill>
-              </a:endParaRPr>
-            </a:p>
-          </p:txBody>
-        </p:sp>
-        <p:sp>
-          <p:nvSpPr>
-            <p:cNvPr id="150" name="TextBox 149"/>
-            <p:cNvSpPr txBox="1"/>
-            <p:nvPr/>
-          </p:nvSpPr>
-          <p:spPr>
-            <a:xfrm>
-              <a:off x="361617" y="7374826"/>
-              <a:ext cx="1430929" cy="323165"/>
-            </a:xfrm>
-            <a:prstGeom prst="rect">
-              <a:avLst/>
-            </a:prstGeom>
-            <a:noFill/>
-            <a:ln>
-              <a:noFill/>
-            </a:ln>
-          </p:spPr>
-          <p:txBody>
-            <a:bodyPr wrap="square" rtlCol="0">
-              <a:spAutoFit/>
-            </a:bodyPr>
-            <a:lstStyle/>
-            <a:p>
-              <a:pPr algn="ctr"/>
-              <a:r>
-                <a:rPr lang="en-US" sz="1500" smtClean="0">
-                  <a:solidFill>
-                    <a:schemeClr val="accent6">
-                      <a:lumMod val="50000"/>
-                    </a:schemeClr>
-                  </a:solidFill>
-                </a:rPr>
-                <a:t>{Stakeholder}</a:t>
-              </a:r>
-              <a:endParaRPr lang="en-US" sz="1500" dirty="0">
-                <a:solidFill>
-                  <a:schemeClr val="accent6">
-                    <a:lumMod val="50000"/>
-                  </a:schemeClr>
-                </a:solidFill>
-              </a:endParaRPr>
-            </a:p>
-          </p:txBody>
-        </p:sp>
-        <p:sp>
-          <p:nvSpPr>
-            <p:cNvPr id="26" name="Rectangle 25"/>
-            <p:cNvSpPr/>
-            <p:nvPr/>
-          </p:nvSpPr>
-          <p:spPr>
-            <a:xfrm>
-              <a:off x="87307" y="6192006"/>
-              <a:ext cx="2166496" cy="1539340"/>
-            </a:xfrm>
-            <a:prstGeom prst="rect">
-              <a:avLst/>
-            </a:prstGeom>
-            <a:noFill/>
-            <a:ln>
-              <a:solidFill>
-                <a:schemeClr val="bg2">
-                  <a:lumMod val="75000"/>
-                </a:schemeClr>
-              </a:solidFill>
-            </a:ln>
-          </p:spPr>
-          <p:style>
-            <a:lnRef idx="2">
-              <a:schemeClr val="dk1"/>
-            </a:lnRef>
-            <a:fillRef idx="1">
-              <a:schemeClr val="lt1"/>
-            </a:fillRef>
-            <a:effectRef idx="0">
-              <a:schemeClr val="dk1"/>
-            </a:effectRef>
-            <a:fontRef idx="minor">
-              <a:schemeClr val="dk1"/>
-            </a:fontRef>
-          </p:style>
-          <p:txBody>
-            <a:bodyPr rtlCol="0" anchor="ctr"/>
-            <a:lstStyle/>
-            <a:p>
-              <a:pPr algn="ctr"/>
               <a:endParaRPr lang="en-US" sz="1500"/>
             </a:p>
           </p:txBody>
         </p:sp>
-        <p:sp>
-          <p:nvSpPr>
-            <p:cNvPr id="156" name="TextBox 155"/>
-            <p:cNvSpPr txBox="1"/>
-            <p:nvPr/>
-          </p:nvSpPr>
-          <p:spPr>
-            <a:xfrm>
-              <a:off x="203763" y="1285811"/>
-              <a:ext cx="2413225" cy="553998"/>
-            </a:xfrm>
-            <a:prstGeom prst="rect">
-              <a:avLst/>
-            </a:prstGeom>
-            <a:noFill/>
-          </p:spPr>
-          <p:txBody>
-            <a:bodyPr wrap="square" rtlCol="0">
-              <a:spAutoFit/>
-            </a:bodyPr>
-            <a:lstStyle/>
-            <a:p>
-              <a:pPr algn="ctr"/>
-              <a:r>
-                <a:rPr lang="en-US" sz="1500" dirty="0">
-                  <a:solidFill>
-                    <a:schemeClr val="accent6">
-                      <a:lumMod val="50000"/>
-                    </a:schemeClr>
-                  </a:solidFill>
-                </a:rPr>
-                <a:t>{</a:t>
-              </a:r>
-              <a:r>
-                <a:rPr lang="en-US" sz="1500" smtClean="0">
-                  <a:solidFill>
-                    <a:schemeClr val="accent6">
-                      <a:lumMod val="50000"/>
-                    </a:schemeClr>
-                  </a:solidFill>
-                </a:rPr>
-                <a:t>Provincial </a:t>
-              </a:r>
-              <a:r>
-                <a:rPr lang="en-US" sz="1500">
-                  <a:solidFill>
-                    <a:schemeClr val="accent6">
-                      <a:lumMod val="50000"/>
-                    </a:schemeClr>
-                  </a:solidFill>
-                </a:rPr>
-                <a:t>M</a:t>
-              </a:r>
-              <a:r>
-                <a:rPr lang="en-US" sz="1500" smtClean="0">
-                  <a:solidFill>
-                    <a:schemeClr val="accent6">
-                      <a:lumMod val="50000"/>
-                    </a:schemeClr>
-                  </a:solidFill>
-                </a:rPr>
-                <a:t>eteorological </a:t>
-              </a:r>
-              <a:r>
-                <a:rPr lang="en-US" sz="1500" dirty="0">
-                  <a:solidFill>
-                    <a:schemeClr val="accent6">
-                      <a:lumMod val="50000"/>
-                    </a:schemeClr>
-                  </a:solidFill>
-                </a:rPr>
-                <a:t>S</a:t>
-              </a:r>
-              <a:r>
-                <a:rPr lang="en-US" sz="1500" smtClean="0">
-                  <a:solidFill>
-                    <a:schemeClr val="accent6">
-                      <a:lumMod val="50000"/>
-                    </a:schemeClr>
-                  </a:solidFill>
-                </a:rPr>
-                <a:t>tation</a:t>
-              </a:r>
-              <a:r>
-                <a:rPr lang="en-US" sz="1500" dirty="0" smtClean="0">
-                  <a:solidFill>
-                    <a:schemeClr val="accent6">
-                      <a:lumMod val="50000"/>
-                    </a:schemeClr>
-                  </a:solidFill>
-                </a:rPr>
-                <a:t>} </a:t>
-              </a:r>
-              <a:endParaRPr lang="en-US" sz="1500" dirty="0">
-                <a:solidFill>
-                  <a:schemeClr val="accent6">
-                    <a:lumMod val="50000"/>
-                  </a:schemeClr>
-                </a:solidFill>
-              </a:endParaRPr>
-            </a:p>
-          </p:txBody>
-        </p:sp>
-        <p:sp>
-          <p:nvSpPr>
-            <p:cNvPr id="85" name="TextBox 84"/>
-            <p:cNvSpPr txBox="1"/>
-            <p:nvPr/>
-          </p:nvSpPr>
-          <p:spPr>
-            <a:xfrm>
-              <a:off x="128621" y="6238595"/>
-              <a:ext cx="2075278" cy="553998"/>
-            </a:xfrm>
-            <a:prstGeom prst="rect">
-              <a:avLst/>
-            </a:prstGeom>
-            <a:solidFill>
-              <a:schemeClr val="accent6">
-                <a:lumMod val="60000"/>
-                <a:lumOff val="40000"/>
-              </a:schemeClr>
-            </a:solidFill>
-          </p:spPr>
-          <p:txBody>
-            <a:bodyPr wrap="square" rtlCol="0">
-              <a:spAutoFit/>
-            </a:bodyPr>
-            <a:lstStyle/>
-            <a:p>
-              <a:pPr algn="ctr"/>
-              <a:r>
-                <a:rPr lang="en-US" sz="1500" smtClean="0"/>
-                <a:t>Activities for all interventions</a:t>
-              </a:r>
-              <a:endParaRPr lang="en-US" sz="1500" dirty="0"/>
-            </a:p>
-          </p:txBody>
-        </p:sp>
-        <p:sp>
-          <p:nvSpPr>
-            <p:cNvPr id="89" name="TextBox 88"/>
-            <p:cNvSpPr txBox="1"/>
-            <p:nvPr/>
-          </p:nvSpPr>
-          <p:spPr>
-            <a:xfrm>
-              <a:off x="128621" y="6828620"/>
-              <a:ext cx="2075278" cy="553998"/>
-            </a:xfrm>
-            <a:prstGeom prst="rect">
-              <a:avLst/>
-            </a:prstGeom>
-            <a:solidFill>
-              <a:schemeClr val="accent4">
-                <a:lumMod val="60000"/>
-                <a:lumOff val="40000"/>
-              </a:schemeClr>
-            </a:solidFill>
-          </p:spPr>
-          <p:txBody>
-            <a:bodyPr wrap="square" rtlCol="0">
-              <a:spAutoFit/>
-            </a:bodyPr>
-            <a:lstStyle/>
-            <a:p>
-              <a:pPr algn="ctr"/>
-              <a:r>
-                <a:rPr lang="en-US" sz="1500"/>
-                <a:t>V</a:t>
-              </a:r>
-              <a:r>
-                <a:rPr lang="en-US" sz="1500" smtClean="0"/>
-                <a:t>ariations for different interventions (1,2,3,4)</a:t>
-              </a:r>
-              <a:endParaRPr lang="en-US" sz="1500" dirty="0"/>
-            </a:p>
-          </p:txBody>
-        </p:sp>
       </p:grpSp>
-      <p:sp>
-        <p:nvSpPr>
-          <p:cNvPr id="77" name="TextBox 76"/>
-          <p:cNvSpPr txBox="1"/>
-          <p:nvPr/>
-        </p:nvSpPr>
-        <p:spPr>
-          <a:xfrm>
-            <a:off x="7341812" y="1583392"/>
-            <a:ext cx="2848773" cy="323165"/>
-          </a:xfrm>
-          <a:prstGeom prst="rect">
-            <a:avLst/>
-          </a:prstGeom>
-          <a:solidFill>
-            <a:schemeClr val="accent6">
-              <a:lumMod val="60000"/>
-              <a:lumOff val="40000"/>
-            </a:schemeClr>
-          </a:solidFill>
-        </p:spPr>
-        <p:txBody>
-          <a:bodyPr wrap="square" rtlCol="0">
-            <a:spAutoFit/>
-          </a:bodyPr>
-          <a:lstStyle/>
-          <a:p>
-            <a:pPr algn="r"/>
-            <a:r>
-              <a:rPr lang="en-US" sz="1500" smtClean="0"/>
-              <a:t>Seasonal paper bulletin</a:t>
-            </a:r>
-            <a:endParaRPr lang="en-US" sz="1500"/>
-          </a:p>
-        </p:txBody>
-      </p:sp>
     </p:spTree>
     <p:extLst>
       <p:ext uri="{BB962C8B-B14F-4D97-AF65-F5344CB8AC3E}">

--- a/Figures/Fig3-Intervention.pptx
+++ b/Figures/Fig3-Intervention.pptx
@@ -209,7 +209,7 @@
           <a:p>
             <a:fld id="{7E015754-A25B-4178-B3E4-70EF6662D410}" type="datetimeFigureOut">
               <a:rPr lang="en-US" smtClean="0"/>
-              <a:t>6/29/2021</a:t>
+              <a:t>7/18/2021</a:t>
             </a:fld>
             <a:endParaRPr lang="en-US"/>
           </a:p>
@@ -697,7 +697,7 @@
           <a:p>
             <a:fld id="{5812708C-2602-4C50-90B3-38403DD6A526}" type="datetimeFigureOut">
               <a:rPr lang="zh-CN" altLang="en-US" smtClean="0"/>
-              <a:t>2021/6/29</a:t>
+              <a:t>2021/7/18</a:t>
             </a:fld>
             <a:endParaRPr lang="zh-CN" altLang="en-US"/>
           </a:p>
@@ -867,7 +867,7 @@
           <a:p>
             <a:fld id="{5812708C-2602-4C50-90B3-38403DD6A526}" type="datetimeFigureOut">
               <a:rPr lang="zh-CN" altLang="en-US" smtClean="0"/>
-              <a:t>2021/6/29</a:t>
+              <a:t>2021/7/18</a:t>
             </a:fld>
             <a:endParaRPr lang="zh-CN" altLang="en-US"/>
           </a:p>
@@ -1047,7 +1047,7 @@
           <a:p>
             <a:fld id="{5812708C-2602-4C50-90B3-38403DD6A526}" type="datetimeFigureOut">
               <a:rPr lang="zh-CN" altLang="en-US" smtClean="0"/>
-              <a:t>2021/6/29</a:t>
+              <a:t>2021/7/18</a:t>
             </a:fld>
             <a:endParaRPr lang="zh-CN" altLang="en-US"/>
           </a:p>
@@ -1217,7 +1217,7 @@
           <a:p>
             <a:fld id="{5812708C-2602-4C50-90B3-38403DD6A526}" type="datetimeFigureOut">
               <a:rPr lang="zh-CN" altLang="en-US" smtClean="0"/>
-              <a:t>2021/6/29</a:t>
+              <a:t>2021/7/18</a:t>
             </a:fld>
             <a:endParaRPr lang="zh-CN" altLang="en-US"/>
           </a:p>
@@ -1461,7 +1461,7 @@
           <a:p>
             <a:fld id="{5812708C-2602-4C50-90B3-38403DD6A526}" type="datetimeFigureOut">
               <a:rPr lang="zh-CN" altLang="en-US" smtClean="0"/>
-              <a:t>2021/6/29</a:t>
+              <a:t>2021/7/18</a:t>
             </a:fld>
             <a:endParaRPr lang="zh-CN" altLang="en-US"/>
           </a:p>
@@ -1693,7 +1693,7 @@
           <a:p>
             <a:fld id="{5812708C-2602-4C50-90B3-38403DD6A526}" type="datetimeFigureOut">
               <a:rPr lang="zh-CN" altLang="en-US" smtClean="0"/>
-              <a:t>2021/6/29</a:t>
+              <a:t>2021/7/18</a:t>
             </a:fld>
             <a:endParaRPr lang="zh-CN" altLang="en-US"/>
           </a:p>
@@ -2060,7 +2060,7 @@
           <a:p>
             <a:fld id="{5812708C-2602-4C50-90B3-38403DD6A526}" type="datetimeFigureOut">
               <a:rPr lang="zh-CN" altLang="en-US" smtClean="0"/>
-              <a:t>2021/6/29</a:t>
+              <a:t>2021/7/18</a:t>
             </a:fld>
             <a:endParaRPr lang="zh-CN" altLang="en-US"/>
           </a:p>
@@ -2178,7 +2178,7 @@
           <a:p>
             <a:fld id="{5812708C-2602-4C50-90B3-38403DD6A526}" type="datetimeFigureOut">
               <a:rPr lang="zh-CN" altLang="en-US" smtClean="0"/>
-              <a:t>2021/6/29</a:t>
+              <a:t>2021/7/18</a:t>
             </a:fld>
             <a:endParaRPr lang="zh-CN" altLang="en-US"/>
           </a:p>
@@ -2273,7 +2273,7 @@
           <a:p>
             <a:fld id="{5812708C-2602-4C50-90B3-38403DD6A526}" type="datetimeFigureOut">
               <a:rPr lang="zh-CN" altLang="en-US" smtClean="0"/>
-              <a:t>2021/6/29</a:t>
+              <a:t>2021/7/18</a:t>
             </a:fld>
             <a:endParaRPr lang="zh-CN" altLang="en-US"/>
           </a:p>
@@ -2550,7 +2550,7 @@
           <a:p>
             <a:fld id="{5812708C-2602-4C50-90B3-38403DD6A526}" type="datetimeFigureOut">
               <a:rPr lang="zh-CN" altLang="en-US" smtClean="0"/>
-              <a:t>2021/6/29</a:t>
+              <a:t>2021/7/18</a:t>
             </a:fld>
             <a:endParaRPr lang="zh-CN" altLang="en-US"/>
           </a:p>
@@ -2807,7 +2807,7 @@
           <a:p>
             <a:fld id="{5812708C-2602-4C50-90B3-38403DD6A526}" type="datetimeFigureOut">
               <a:rPr lang="zh-CN" altLang="en-US" smtClean="0"/>
-              <a:t>2021/6/29</a:t>
+              <a:t>2021/7/18</a:t>
             </a:fld>
             <a:endParaRPr lang="zh-CN" altLang="en-US"/>
           </a:p>
@@ -3020,7 +3020,7 @@
           <a:p>
             <a:fld id="{5812708C-2602-4C50-90B3-38403DD6A526}" type="datetimeFigureOut">
               <a:rPr lang="zh-CN" altLang="en-US" smtClean="0"/>
-              <a:t>2021/6/29</a:t>
+              <a:t>2021/7/18</a:t>
             </a:fld>
             <a:endParaRPr lang="zh-CN" altLang="en-US"/>
           </a:p>
@@ -4369,7 +4369,7 @@
                       </a:schemeClr>
                     </a:solidFill>
                   </a:rPr>
-                  <a:t>{women</a:t>
+                  <a:t>{Women</a:t>
                 </a:r>
                 <a:r>
                   <a:rPr lang="en-US" sz="1500" dirty="0" smtClean="0">
@@ -5965,17 +5965,17 @@
                       </a:schemeClr>
                     </a:solidFill>
                   </a:rPr>
-                  <a:t>{Mobile operator, Commune People’s Committee, village leaders </a:t>
+                  <a:t>{Mobile operator, Commune People’s Committee, village </a:t>
                 </a:r>
                 <a:r>
-                  <a:rPr lang="en-US" sz="1500">
+                  <a:rPr lang="en-US" sz="1500" smtClean="0">
                     <a:solidFill>
                       <a:schemeClr val="accent6">
                         <a:lumMod val="50000"/>
                       </a:schemeClr>
                     </a:solidFill>
                   </a:rPr>
-                  <a:t>}</a:t>
+                  <a:t>leaders}</a:t>
                 </a:r>
                 <a:endParaRPr lang="en-US" sz="1500" dirty="0">
                   <a:solidFill>
